--- a/papers/2025-ITAT-slides.pptx
+++ b/papers/2025-ITAT-slides.pptx
@@ -5,40 +5,41 @@
     <p:sldMasterId id="2147483655" r:id="rId1"/>
   </p:sldMasterIdLst>
   <p:notesMasterIdLst>
-    <p:notesMasterId r:id="rId16"/>
+    <p:notesMasterId r:id="rId17"/>
   </p:notesMasterIdLst>
   <p:sldIdLst>
     <p:sldId id="256" r:id="rId2"/>
     <p:sldId id="273" r:id="rId3"/>
-    <p:sldId id="264" r:id="rId4"/>
-    <p:sldId id="262" r:id="rId5"/>
-    <p:sldId id="263" r:id="rId6"/>
+    <p:sldId id="262" r:id="rId4"/>
+    <p:sldId id="263" r:id="rId5"/>
+    <p:sldId id="264" r:id="rId6"/>
     <p:sldId id="265" r:id="rId7"/>
-    <p:sldId id="268" r:id="rId8"/>
-    <p:sldId id="269" r:id="rId9"/>
-    <p:sldId id="274" r:id="rId10"/>
-    <p:sldId id="270" r:id="rId11"/>
-    <p:sldId id="271" r:id="rId12"/>
-    <p:sldId id="272" r:id="rId13"/>
-    <p:sldId id="261" r:id="rId14"/>
-    <p:sldId id="267" r:id="rId15"/>
+    <p:sldId id="275" r:id="rId8"/>
+    <p:sldId id="268" r:id="rId9"/>
+    <p:sldId id="269" r:id="rId10"/>
+    <p:sldId id="274" r:id="rId11"/>
+    <p:sldId id="270" r:id="rId12"/>
+    <p:sldId id="271" r:id="rId13"/>
+    <p:sldId id="272" r:id="rId14"/>
+    <p:sldId id="261" r:id="rId15"/>
+    <p:sldId id="267" r:id="rId16"/>
   </p:sldIdLst>
   <p:sldSz cx="9144000" cy="5143500" type="screen16x9"/>
   <p:notesSz cx="6858000" cy="9144000"/>
   <p:embeddedFontLst>
     <p:embeddedFont>
-      <p:font typeface="Consolas" panose="020B0609020204030204" pitchFamily="49" charset="0"/>
-      <p:regular r:id="rId17"/>
-      <p:bold r:id="rId18"/>
-      <p:italic r:id="rId19"/>
-      <p:boldItalic r:id="rId20"/>
+      <p:font typeface="Open Sans" panose="020B0604020202020204" charset="0"/>
+      <p:regular r:id="rId18"/>
+      <p:bold r:id="rId19"/>
+      <p:italic r:id="rId20"/>
+      <p:boldItalic r:id="rId21"/>
     </p:embeddedFont>
     <p:embeddedFont>
-      <p:font typeface="Open Sans" panose="020B0604020202020204" charset="0"/>
-      <p:regular r:id="rId21"/>
-      <p:bold r:id="rId22"/>
-      <p:italic r:id="rId23"/>
-      <p:boldItalic r:id="rId24"/>
+      <p:font typeface="Consolas" panose="020B0609020204030204" pitchFamily="49" charset="0"/>
+      <p:regular r:id="rId22"/>
+      <p:bold r:id="rId23"/>
+      <p:italic r:id="rId24"/>
+      <p:boldItalic r:id="rId25"/>
     </p:embeddedFont>
   </p:embeddedFontLst>
   <p:defaultTextStyle>
@@ -279,6 +280,16 @@
           </p15:clr>
         </p15:guide>
         <p15:guide id="2" pos="2699" userDrawn="1">
+          <p15:clr>
+            <a:srgbClr val="A4A3A4"/>
+          </p15:clr>
+        </p15:guide>
+        <p15:guide id="3" orient="horz" pos="3072">
+          <p15:clr>
+            <a:srgbClr val="A4A3A4"/>
+          </p15:clr>
+        </p15:guide>
+        <p15:guide id="4" pos="2517">
           <p15:clr>
             <a:srgbClr val="A4A3A4"/>
           </p15:clr>
@@ -849,6 +860,115 @@
   <p:cSld>
     <p:spTree>
       <p:nvGrpSpPr>
+        <p:cNvPr id="1" name="Shape 90"/>
+        <p:cNvGrpSpPr/>
+        <p:nvPr/>
+      </p:nvGrpSpPr>
+      <p:grpSpPr>
+        <a:xfrm>
+          <a:off x="0" y="0"/>
+          <a:ext cx="0" cy="0"/>
+          <a:chOff x="0" y="0"/>
+          <a:chExt cx="0" cy="0"/>
+        </a:xfrm>
+      </p:grpSpPr>
+      <p:sp>
+        <p:nvSpPr>
+          <p:cNvPr id="91" name="Google Shape;91;g35dc7ae77b7_0_34:notes"/>
+          <p:cNvSpPr>
+            <a:spLocks noGrp="1" noRot="1" noChangeAspect="1"/>
+          </p:cNvSpPr>
+          <p:nvPr>
+            <p:ph type="sldImg" idx="2"/>
+          </p:nvPr>
+        </p:nvSpPr>
+        <p:spPr>
+          <a:xfrm>
+            <a:off x="381000" y="685800"/>
+            <a:ext cx="6096000" cy="3429000"/>
+          </a:xfrm>
+          <a:custGeom>
+            <a:avLst/>
+            <a:gdLst/>
+            <a:ahLst/>
+            <a:cxnLst/>
+            <a:rect l="l" t="t" r="r" b="b"/>
+            <a:pathLst>
+              <a:path w="120000" h="120000" extrusionOk="0">
+                <a:moveTo>
+                  <a:pt x="0" y="0"/>
+                </a:moveTo>
+                <a:lnTo>
+                  <a:pt x="120000" y="0"/>
+                </a:lnTo>
+                <a:lnTo>
+                  <a:pt x="120000" y="120000"/>
+                </a:lnTo>
+                <a:lnTo>
+                  <a:pt x="0" y="120000"/>
+                </a:lnTo>
+                <a:close/>
+              </a:path>
+            </a:pathLst>
+          </a:custGeom>
+        </p:spPr>
+      </p:sp>
+      <p:sp>
+        <p:nvSpPr>
+          <p:cNvPr id="92" name="Google Shape;92;g35dc7ae77b7_0_34:notes"/>
+          <p:cNvSpPr txBox="1">
+            <a:spLocks noGrp="1"/>
+          </p:cNvSpPr>
+          <p:nvPr>
+            <p:ph type="body" idx="1"/>
+          </p:nvPr>
+        </p:nvSpPr>
+        <p:spPr>
+          <a:xfrm>
+            <a:off x="685800" y="4343400"/>
+            <a:ext cx="5486400" cy="4114800"/>
+          </a:xfrm>
+          <a:prstGeom prst="rect">
+            <a:avLst/>
+          </a:prstGeom>
+        </p:spPr>
+        <p:txBody>
+          <a:bodyPr spcFirstLastPara="1" wrap="square" lIns="91425" tIns="91425" rIns="91425" bIns="91425" anchor="t" anchorCtr="0">
+            <a:noAutofit/>
+          </a:bodyPr>
+          <a:lstStyle/>
+          <a:p>
+            <a:pPr marL="0" lvl="0" indent="0" algn="l" rtl="0">
+              <a:spcBef>
+                <a:spcPts val="0"/>
+              </a:spcBef>
+              <a:spcAft>
+                <a:spcPts val="0"/>
+              </a:spcAft>
+              <a:buNone/>
+            </a:pPr>
+            <a:endParaRPr/>
+          </a:p>
+        </p:txBody>
+      </p:sp>
+    </p:spTree>
+    <p:extLst>
+      <p:ext uri="{BB962C8B-B14F-4D97-AF65-F5344CB8AC3E}">
+        <p14:creationId xmlns:p14="http://schemas.microsoft.com/office/powerpoint/2010/main" val="3887791289"/>
+      </p:ext>
+    </p:extLst>
+  </p:cSld>
+  <p:clrMapOvr>
+    <a:masterClrMapping/>
+  </p:clrMapOvr>
+</p:notes>
+</file>
+
+<file path=ppt/notesSlides/notesSlide11.xml><?xml version="1.0" encoding="utf-8"?>
+<p:notes xmlns:a="http://schemas.openxmlformats.org/drawingml/2006/main" xmlns:r="http://schemas.openxmlformats.org/officeDocument/2006/relationships" xmlns:p="http://schemas.openxmlformats.org/presentationml/2006/main" showMasterSp="0" showMasterPhAnim="0">
+  <p:cSld>
+    <p:spTree>
+      <p:nvGrpSpPr>
         <p:cNvPr id="1" name="Shape 52"/>
         <p:cNvGrpSpPr/>
         <p:nvPr/>
@@ -1270,7 +1390,7 @@
     </p:spTree>
     <p:extLst>
       <p:ext uri="{BB962C8B-B14F-4D97-AF65-F5344CB8AC3E}">
-        <p14:creationId xmlns:p14="http://schemas.microsoft.com/office/powerpoint/2010/main" val="543342475"/>
+        <p14:creationId xmlns:p14="http://schemas.microsoft.com/office/powerpoint/2010/main" val="1954020408"/>
       </p:ext>
     </p:extLst>
   </p:cSld>
@@ -1379,7 +1499,7 @@
     </p:spTree>
     <p:extLst>
       <p:ext uri="{BB962C8B-B14F-4D97-AF65-F5344CB8AC3E}">
-        <p14:creationId xmlns:p14="http://schemas.microsoft.com/office/powerpoint/2010/main" val="2287294209"/>
+        <p14:creationId xmlns:p14="http://schemas.microsoft.com/office/powerpoint/2010/main" val="543342475"/>
       </p:ext>
     </p:extLst>
   </p:cSld>
@@ -1488,7 +1608,7 @@
     </p:spTree>
     <p:extLst>
       <p:ext uri="{BB962C8B-B14F-4D97-AF65-F5344CB8AC3E}">
-        <p14:creationId xmlns:p14="http://schemas.microsoft.com/office/powerpoint/2010/main" val="2944637915"/>
+        <p14:creationId xmlns:p14="http://schemas.microsoft.com/office/powerpoint/2010/main" val="2287294209"/>
       </p:ext>
     </p:extLst>
   </p:cSld>
@@ -1597,7 +1717,7 @@
     </p:spTree>
     <p:extLst>
       <p:ext uri="{BB962C8B-B14F-4D97-AF65-F5344CB8AC3E}">
-        <p14:creationId xmlns:p14="http://schemas.microsoft.com/office/powerpoint/2010/main" val="1708981549"/>
+        <p14:creationId xmlns:p14="http://schemas.microsoft.com/office/powerpoint/2010/main" val="2944637915"/>
       </p:ext>
     </p:extLst>
   </p:cSld>
@@ -1706,7 +1826,7 @@
     </p:spTree>
     <p:extLst>
       <p:ext uri="{BB962C8B-B14F-4D97-AF65-F5344CB8AC3E}">
-        <p14:creationId xmlns:p14="http://schemas.microsoft.com/office/powerpoint/2010/main" val="1335862269"/>
+        <p14:creationId xmlns:p14="http://schemas.microsoft.com/office/powerpoint/2010/main" val="1708981549"/>
       </p:ext>
     </p:extLst>
   </p:cSld>
@@ -1721,7 +1841,7 @@
   <p:cSld>
     <p:spTree>
       <p:nvGrpSpPr>
-        <p:cNvPr id="1" name="Shape 90"/>
+        <p:cNvPr id="1" name="Shape 52"/>
         <p:cNvGrpSpPr/>
         <p:nvPr/>
       </p:nvGrpSpPr>
@@ -1735,7 +1855,7 @@
       </p:grpSpPr>
       <p:sp>
         <p:nvSpPr>
-          <p:cNvPr id="91" name="Google Shape;91;g35dc7ae77b7_0_34:notes"/>
+          <p:cNvPr id="53" name="Google Shape;53;g35dc7ae77b7_0_0:notes"/>
           <p:cNvSpPr>
             <a:spLocks noGrp="1" noRot="1" noChangeAspect="1"/>
           </p:cNvSpPr>
@@ -1776,7 +1896,7 @@
       </p:sp>
       <p:sp>
         <p:nvSpPr>
-          <p:cNvPr id="92" name="Google Shape;92;g35dc7ae77b7_0_34:notes"/>
+          <p:cNvPr id="54" name="Google Shape;54;g35dc7ae77b7_0_0:notes"/>
           <p:cNvSpPr txBox="1">
             <a:spLocks noGrp="1"/>
           </p:cNvSpPr>
@@ -1815,7 +1935,7 @@
     </p:spTree>
     <p:extLst>
       <p:ext uri="{BB962C8B-B14F-4D97-AF65-F5344CB8AC3E}">
-        <p14:creationId xmlns:p14="http://schemas.microsoft.com/office/powerpoint/2010/main" val="3887791289"/>
+        <p14:creationId xmlns:p14="http://schemas.microsoft.com/office/powerpoint/2010/main" val="1335862269"/>
       </p:ext>
     </p:extLst>
   </p:cSld>
@@ -7632,7 +7752,7 @@
           <a:graphicData uri="http://schemas.openxmlformats.org/presentationml/2006/ole">
             <mc:AlternateContent xmlns:mc="http://schemas.openxmlformats.org/markup-compatibility/2006">
               <mc:Choice xmlns:v="urn:schemas-microsoft-com:vml" Requires="v">
-                <p:oleObj spid="_x0000_s1087" name="Acrobat Document" r:id="rId6" imgW="4400418" imgH="2533650" progId="AcroExch.Document.DC">
+                <p:oleObj spid="_x0000_s1115" name="Acrobat Document" r:id="rId6" imgW="4400418" imgH="2533650" progId="AcroExch.Document.DC">
                   <p:embed/>
                 </p:oleObj>
               </mc:Choice>
@@ -7687,6 +7807,930 @@
   <p:cSld>
     <p:spTree>
       <p:nvGrpSpPr>
+        <p:cNvPr id="1" name=""/>
+        <p:cNvGrpSpPr/>
+        <p:nvPr/>
+      </p:nvGrpSpPr>
+      <p:grpSpPr>
+        <a:xfrm>
+          <a:off x="0" y="0"/>
+          <a:ext cx="0" cy="0"/>
+          <a:chOff x="0" y="0"/>
+          <a:chExt cx="0" cy="0"/>
+        </a:xfrm>
+      </p:grpSpPr>
+      <p:sp>
+        <p:nvSpPr>
+          <p:cNvPr id="3" name="Zástupný symbol pro číslo snímku 2"/>
+          <p:cNvSpPr>
+            <a:spLocks noGrp="1"/>
+          </p:cNvSpPr>
+          <p:nvPr>
+            <p:ph type="sldNum" idx="12"/>
+          </p:nvPr>
+        </p:nvSpPr>
+        <p:spPr/>
+        <p:txBody>
+          <a:bodyPr/>
+          <a:lstStyle/>
+          <a:p>
+            <a:pPr marL="0" lvl="0" indent="0" algn="r" rtl="0">
+              <a:spcBef>
+                <a:spcPts val="0"/>
+              </a:spcBef>
+              <a:spcAft>
+                <a:spcPts val="0"/>
+              </a:spcAft>
+              <a:buNone/>
+            </a:pPr>
+            <a:fld id="{00000000-1234-1234-1234-123412341234}" type="slidenum">
+              <a:rPr lang="en-US" smtClean="0"/>
+              <a:t>10</a:t>
+            </a:fld>
+            <a:endParaRPr lang="en-US" dirty="0"/>
+          </a:p>
+        </p:txBody>
+      </p:sp>
+      <p:sp>
+        <p:nvSpPr>
+          <p:cNvPr id="5" name="Nadpis 4"/>
+          <p:cNvSpPr>
+            <a:spLocks noGrp="1"/>
+          </p:cNvSpPr>
+          <p:nvPr>
+            <p:ph type="title"/>
+          </p:nvPr>
+        </p:nvSpPr>
+        <p:spPr/>
+        <p:txBody>
+          <a:bodyPr/>
+          <a:lstStyle/>
+          <a:p>
+            <a:r>
+              <a:rPr lang="en-US" dirty="0"/>
+              <a:t>Automatic (Partial) Conversion</a:t>
+            </a:r>
+          </a:p>
+        </p:txBody>
+      </p:sp>
+      <p:sp>
+        <p:nvSpPr>
+          <p:cNvPr id="6" name="Google Shape;57;p10"/>
+          <p:cNvSpPr txBox="1">
+            <a:spLocks noGrp="1"/>
+          </p:cNvSpPr>
+          <p:nvPr>
+            <p:ph type="body" idx="1"/>
+          </p:nvPr>
+        </p:nvSpPr>
+        <p:spPr>
+          <a:xfrm>
+            <a:off x="35496" y="623275"/>
+            <a:ext cx="8520600" cy="4116300"/>
+          </a:xfrm>
+          <a:prstGeom prst="rect">
+            <a:avLst/>
+          </a:prstGeom>
+        </p:spPr>
+        <p:txBody>
+          <a:bodyPr spcFirstLastPara="1" wrap="square" lIns="91425" tIns="91425" rIns="91425" bIns="91425" anchor="t" anchorCtr="0">
+            <a:noAutofit/>
+          </a:bodyPr>
+          <a:lstStyle/>
+          <a:p>
+            <a:pPr marL="114300" indent="0">
+              <a:buSzPct val="70000"/>
+              <a:buNone/>
+            </a:pPr>
+            <a:r>
+              <a:rPr lang="en-US" dirty="0" smtClean="0">
+                <a:solidFill>
+                  <a:schemeClr val="dk1"/>
+                </a:solidFill>
+              </a:rPr>
+              <a:t>based on the </a:t>
+            </a:r>
+            <a:r>
+              <a:rPr lang="en-US" dirty="0" err="1" smtClean="0">
+                <a:solidFill>
+                  <a:schemeClr val="dk1"/>
+                </a:solidFill>
+              </a:rPr>
+              <a:t>tectogrammatical</a:t>
+            </a:r>
+            <a:r>
+              <a:rPr lang="en-US" dirty="0" smtClean="0">
+                <a:solidFill>
+                  <a:schemeClr val="dk1"/>
+                </a:solidFill>
+              </a:rPr>
+              <a:t> structure:</a:t>
+            </a:r>
+          </a:p>
+          <a:p>
+            <a:pPr marL="357188" indent="-242888">
+              <a:buSzPct val="70000"/>
+            </a:pPr>
+            <a:r>
+              <a:rPr lang="en-US" sz="1600" dirty="0" smtClean="0">
+                <a:solidFill>
+                  <a:schemeClr val="dk1"/>
+                </a:solidFill>
+              </a:rPr>
+              <a:t>structural transformations</a:t>
+            </a:r>
+          </a:p>
+          <a:p>
+            <a:pPr marL="814388" lvl="1" indent="-242888">
+              <a:lnSpc>
+                <a:spcPct val="100000"/>
+              </a:lnSpc>
+              <a:spcBef>
+                <a:spcPts val="0"/>
+              </a:spcBef>
+              <a:buSzPct val="70000"/>
+              <a:buFont typeface="Open Sans"/>
+              <a:buChar char="●"/>
+            </a:pPr>
+            <a:r>
+              <a:rPr lang="en-US" dirty="0" smtClean="0">
+                <a:solidFill>
+                  <a:schemeClr val="dk1"/>
+                </a:solidFill>
+              </a:rPr>
+              <a:t>coordination</a:t>
+            </a:r>
+          </a:p>
+          <a:p>
+            <a:pPr marL="814388" lvl="1" indent="-242888">
+              <a:lnSpc>
+                <a:spcPct val="100000"/>
+              </a:lnSpc>
+              <a:spcBef>
+                <a:spcPts val="0"/>
+              </a:spcBef>
+              <a:buSzPct val="70000"/>
+              <a:buFont typeface="Open Sans"/>
+              <a:buChar char="●"/>
+            </a:pPr>
+            <a:r>
+              <a:rPr lang="en-US" dirty="0" smtClean="0">
+                <a:solidFill>
+                  <a:schemeClr val="dk1"/>
+                </a:solidFill>
+              </a:rPr>
+              <a:t>coreference</a:t>
+            </a:r>
+          </a:p>
+          <a:p>
+            <a:pPr marL="814388" lvl="1" indent="-242888">
+              <a:lnSpc>
+                <a:spcPct val="100000"/>
+              </a:lnSpc>
+              <a:spcBef>
+                <a:spcPts val="0"/>
+              </a:spcBef>
+              <a:buSzPct val="70000"/>
+              <a:buFont typeface="Open Sans"/>
+              <a:buChar char="●"/>
+            </a:pPr>
+            <a:r>
+              <a:rPr lang="en-US" dirty="0" smtClean="0">
+                <a:solidFill>
+                  <a:schemeClr val="dk1"/>
+                </a:solidFill>
+              </a:rPr>
+              <a:t>relative clauses</a:t>
+            </a:r>
+          </a:p>
+          <a:p>
+            <a:pPr marL="814388" lvl="1" indent="-242888">
+              <a:lnSpc>
+                <a:spcPct val="100000"/>
+              </a:lnSpc>
+              <a:spcBef>
+                <a:spcPts val="0"/>
+              </a:spcBef>
+              <a:buSzPct val="70000"/>
+              <a:buFont typeface="Open Sans"/>
+              <a:buChar char="●"/>
+            </a:pPr>
+            <a:r>
+              <a:rPr lang="en-US" dirty="0" smtClean="0">
+                <a:solidFill>
+                  <a:schemeClr val="dk1"/>
+                </a:solidFill>
+              </a:rPr>
+              <a:t>raising and control verbs</a:t>
+            </a:r>
+          </a:p>
+          <a:p>
+            <a:pPr marL="357188" lvl="1" indent="-242888">
+              <a:lnSpc>
+                <a:spcPct val="150000"/>
+              </a:lnSpc>
+              <a:spcBef>
+                <a:spcPts val="0"/>
+              </a:spcBef>
+              <a:buSzPct val="70000"/>
+              <a:buFont typeface="Open Sans"/>
+              <a:buChar char="●"/>
+            </a:pPr>
+            <a:r>
+              <a:rPr lang="en-US" sz="1600" dirty="0" smtClean="0">
+                <a:solidFill>
+                  <a:schemeClr val="dk1"/>
+                </a:solidFill>
+              </a:rPr>
+              <a:t>node labels</a:t>
+            </a:r>
+          </a:p>
+          <a:p>
+            <a:pPr marL="814388" lvl="2" indent="-242888" defTabSz="781050">
+              <a:lnSpc>
+                <a:spcPct val="100000"/>
+              </a:lnSpc>
+              <a:spcBef>
+                <a:spcPts val="0"/>
+              </a:spcBef>
+              <a:buSzPct val="70000"/>
+              <a:buFont typeface="Open Sans"/>
+              <a:buChar char="●"/>
+            </a:pPr>
+            <a:r>
+              <a:rPr lang="en-US" dirty="0" smtClean="0">
+                <a:solidFill>
+                  <a:schemeClr val="dk1"/>
+                </a:solidFill>
+              </a:rPr>
+              <a:t>valency lexicon </a:t>
+            </a:r>
+            <a:r>
+              <a:rPr lang="en-US" dirty="0" smtClean="0">
+                <a:solidFill>
+                  <a:schemeClr val="dk1"/>
+                </a:solidFill>
+                <a:sym typeface="Symbol" panose="05050102010706020507" pitchFamily="18" charset="2"/>
+              </a:rPr>
+              <a:t> 	</a:t>
+            </a:r>
+            <a:r>
+              <a:rPr lang="en-US" dirty="0" err="1" smtClean="0">
+                <a:solidFill>
+                  <a:schemeClr val="dk1"/>
+                </a:solidFill>
+                <a:sym typeface="Symbol" panose="05050102010706020507" pitchFamily="18" charset="2"/>
+              </a:rPr>
+              <a:t>PropBank</a:t>
+            </a:r>
+            <a:endParaRPr lang="en-US" dirty="0" smtClean="0">
+              <a:solidFill>
+                <a:schemeClr val="dk1"/>
+              </a:solidFill>
+              <a:sym typeface="Symbol" panose="05050102010706020507" pitchFamily="18" charset="2"/>
+            </a:endParaRPr>
+          </a:p>
+          <a:p>
+            <a:pPr marL="2341563" lvl="6" indent="0">
+              <a:lnSpc>
+                <a:spcPct val="100000"/>
+              </a:lnSpc>
+              <a:spcBef>
+                <a:spcPts val="0"/>
+              </a:spcBef>
+              <a:buSzPct val="70000"/>
+              <a:buNone/>
+            </a:pPr>
+            <a:r>
+              <a:rPr lang="en-US" dirty="0" smtClean="0">
+                <a:solidFill>
+                  <a:schemeClr val="dk1"/>
+                </a:solidFill>
+                <a:sym typeface="Symbol" panose="05050102010706020507" pitchFamily="18" charset="2"/>
+              </a:rPr>
+              <a:t>default table</a:t>
+            </a:r>
+            <a:endParaRPr lang="en-US" dirty="0" smtClean="0">
+              <a:solidFill>
+                <a:schemeClr val="dk1"/>
+              </a:solidFill>
+            </a:endParaRPr>
+          </a:p>
+          <a:p>
+            <a:pPr marL="357188" lvl="1" indent="-242888">
+              <a:spcBef>
+                <a:spcPts val="0"/>
+              </a:spcBef>
+              <a:buSzPct val="70000"/>
+              <a:buFont typeface="Open Sans"/>
+              <a:buChar char="●"/>
+            </a:pPr>
+            <a:r>
+              <a:rPr lang="en-US" sz="1600" dirty="0" smtClean="0">
+                <a:solidFill>
+                  <a:schemeClr val="dk1"/>
+                </a:solidFill>
+              </a:rPr>
+              <a:t>edge labeling</a:t>
+            </a:r>
+          </a:p>
+          <a:p>
+            <a:pPr marL="814388" lvl="2" indent="-242888">
+              <a:lnSpc>
+                <a:spcPct val="100000"/>
+              </a:lnSpc>
+              <a:spcBef>
+                <a:spcPts val="0"/>
+              </a:spcBef>
+              <a:buSzPct val="70000"/>
+              <a:buFont typeface="Open Sans"/>
+              <a:buChar char="●"/>
+            </a:pPr>
+            <a:r>
+              <a:rPr lang="en-US" dirty="0" smtClean="0">
+                <a:solidFill>
+                  <a:schemeClr val="dk1"/>
+                </a:solidFill>
+                <a:latin typeface="Consolas" panose="020B0609020204030204" pitchFamily="49" charset="0"/>
+              </a:rPr>
+              <a:t>t_lemma</a:t>
+            </a:r>
+            <a:r>
+              <a:rPr lang="en-US" sz="1600" dirty="0" smtClean="0">
+                <a:solidFill>
+                  <a:schemeClr val="dk1"/>
+                </a:solidFill>
+              </a:rPr>
+              <a:t> </a:t>
+            </a:r>
+            <a:r>
+              <a:rPr lang="en-US" sz="1600" dirty="0" smtClean="0">
+                <a:solidFill>
+                  <a:schemeClr val="dk1"/>
+                </a:solidFill>
+                <a:sym typeface="Symbol" panose="05050102010706020507" pitchFamily="18" charset="2"/>
+              </a:rPr>
+              <a:t> </a:t>
+            </a:r>
+            <a:r>
+              <a:rPr lang="en-US" sz="1500" dirty="0" smtClean="0">
+                <a:solidFill>
+                  <a:schemeClr val="dk1"/>
+                </a:solidFill>
+                <a:sym typeface="Symbol" panose="05050102010706020507" pitchFamily="18" charset="2"/>
+              </a:rPr>
+              <a:t>concept</a:t>
+            </a:r>
+            <a:endParaRPr lang="en-US" sz="1500" dirty="0" smtClean="0">
+              <a:solidFill>
+                <a:schemeClr val="dk1"/>
+              </a:solidFill>
+            </a:endParaRPr>
+          </a:p>
+          <a:p>
+            <a:pPr marL="357188" lvl="1" indent="-242888">
+              <a:spcBef>
+                <a:spcPts val="0"/>
+              </a:spcBef>
+              <a:buSzPct val="70000"/>
+              <a:buFont typeface="Open Sans"/>
+              <a:buChar char="●"/>
+            </a:pPr>
+            <a:r>
+              <a:rPr lang="en-US" sz="1600" dirty="0" smtClean="0">
+                <a:solidFill>
+                  <a:schemeClr val="dk1"/>
+                </a:solidFill>
+              </a:rPr>
+              <a:t>selected attributes</a:t>
+            </a:r>
+          </a:p>
+          <a:p>
+            <a:pPr marL="814388" lvl="1" indent="-242888">
+              <a:lnSpc>
+                <a:spcPct val="100000"/>
+              </a:lnSpc>
+              <a:spcBef>
+                <a:spcPts val="0"/>
+              </a:spcBef>
+              <a:buSzPct val="70000"/>
+              <a:buFont typeface="Open Sans"/>
+              <a:buChar char="●"/>
+            </a:pPr>
+            <a:r>
+              <a:rPr lang="en-US" dirty="0" smtClean="0">
+                <a:solidFill>
+                  <a:schemeClr val="dk1"/>
+                </a:solidFill>
+                <a:latin typeface="Consolas" panose="020B0609020204030204" pitchFamily="49" charset="0"/>
+              </a:rPr>
+              <a:t>aspect</a:t>
+            </a:r>
+          </a:p>
+          <a:p>
+            <a:pPr marL="814388" lvl="1" indent="-242888">
+              <a:lnSpc>
+                <a:spcPct val="100000"/>
+              </a:lnSpc>
+              <a:spcBef>
+                <a:spcPts val="0"/>
+              </a:spcBef>
+              <a:buSzPct val="70000"/>
+              <a:buFont typeface="Open Sans"/>
+              <a:buChar char="●"/>
+            </a:pPr>
+            <a:r>
+              <a:rPr lang="en-US" dirty="0" smtClean="0">
+                <a:solidFill>
+                  <a:srgbClr val="00B0F0"/>
+                </a:solidFill>
+                <a:latin typeface="Consolas" panose="020B0609020204030204" pitchFamily="49" charset="0"/>
+              </a:rPr>
+              <a:t>degree, polarity, quant</a:t>
+            </a:r>
+          </a:p>
+          <a:p>
+            <a:pPr marL="814388" lvl="1" indent="-242888">
+              <a:lnSpc>
+                <a:spcPct val="100000"/>
+              </a:lnSpc>
+              <a:spcBef>
+                <a:spcPts val="0"/>
+              </a:spcBef>
+              <a:buSzPct val="70000"/>
+              <a:buFont typeface="Open Sans"/>
+              <a:buChar char="●"/>
+            </a:pPr>
+            <a:r>
+              <a:rPr lang="en-US" dirty="0" smtClean="0">
+                <a:solidFill>
+                  <a:schemeClr val="dk1"/>
+                </a:solidFill>
+                <a:latin typeface="Consolas" panose="020B0609020204030204" pitchFamily="49" charset="0"/>
+              </a:rPr>
+              <a:t>refer-person, refer-number</a:t>
+            </a:r>
+          </a:p>
+          <a:p>
+            <a:pPr marL="357188" lvl="1" indent="-242888">
+              <a:spcBef>
+                <a:spcPts val="0"/>
+              </a:spcBef>
+              <a:buSzPct val="70000"/>
+              <a:buFont typeface="Open Sans"/>
+              <a:buChar char="●"/>
+            </a:pPr>
+            <a:r>
+              <a:rPr lang="en-US" sz="1600" dirty="0" smtClean="0">
+                <a:solidFill>
+                  <a:schemeClr val="dk1"/>
+                </a:solidFill>
+              </a:rPr>
+              <a:t>node alignment</a:t>
+            </a:r>
+            <a:endParaRPr lang="en-US" sz="1600" dirty="0">
+              <a:solidFill>
+                <a:schemeClr val="dk1"/>
+              </a:solidFill>
+            </a:endParaRPr>
+          </a:p>
+        </p:txBody>
+      </p:sp>
+      <p:sp>
+        <p:nvSpPr>
+          <p:cNvPr id="2" name="Right Brace 1"/>
+          <p:cNvSpPr/>
+          <p:nvPr/>
+        </p:nvSpPr>
+        <p:spPr>
+          <a:xfrm>
+            <a:off x="3647724" y="1131466"/>
+            <a:ext cx="564236" cy="3240484"/>
+          </a:xfrm>
+          <a:prstGeom prst="rightBrace">
+            <a:avLst>
+              <a:gd name="adj1" fmla="val 34498"/>
+              <a:gd name="adj2" fmla="val 24859"/>
+            </a:avLst>
+          </a:prstGeom>
+          <a:ln w="28575">
+            <a:solidFill>
+              <a:srgbClr val="F47B20"/>
+            </a:solidFill>
+          </a:ln>
+        </p:spPr>
+        <p:style>
+          <a:lnRef idx="1">
+            <a:schemeClr val="accent1"/>
+          </a:lnRef>
+          <a:fillRef idx="0">
+            <a:schemeClr val="accent1"/>
+          </a:fillRef>
+          <a:effectRef idx="0">
+            <a:schemeClr val="accent1"/>
+          </a:effectRef>
+          <a:fontRef idx="minor">
+            <a:schemeClr val="tx1"/>
+          </a:fontRef>
+        </p:style>
+        <p:txBody>
+          <a:bodyPr rtlCol="0" anchor="ctr"/>
+          <a:lstStyle/>
+          <a:p>
+            <a:pPr algn="ctr"/>
+            <a:endParaRPr lang="en-US" dirty="0"/>
+          </a:p>
+        </p:txBody>
+      </p:sp>
+      <p:sp>
+        <p:nvSpPr>
+          <p:cNvPr id="8" name="TextBox 7"/>
+          <p:cNvSpPr txBox="1"/>
+          <p:nvPr/>
+        </p:nvSpPr>
+        <p:spPr>
+          <a:xfrm>
+            <a:off x="4292933" y="1693987"/>
+            <a:ext cx="4860032" cy="653769"/>
+          </a:xfrm>
+          <a:prstGeom prst="rect">
+            <a:avLst/>
+          </a:prstGeom>
+          <a:noFill/>
+        </p:spPr>
+        <p:txBody>
+          <a:bodyPr wrap="square" rtlCol="0">
+            <a:spAutoFit/>
+          </a:bodyPr>
+          <a:lstStyle/>
+          <a:p>
+            <a:pPr>
+              <a:lnSpc>
+                <a:spcPct val="114000"/>
+              </a:lnSpc>
+            </a:pPr>
+            <a:r>
+              <a:rPr lang="en-US" sz="1600" b="1" dirty="0" smtClean="0">
+                <a:solidFill>
+                  <a:srgbClr val="F47B20"/>
+                </a:solidFill>
+                <a:latin typeface="Open Sans" panose="020B0604020202020204" charset="0"/>
+                <a:ea typeface="Open Sans" panose="020B0604020202020204" charset="0"/>
+                <a:cs typeface="Open Sans" panose="020B0604020202020204" charset="0"/>
+              </a:rPr>
+              <a:t>often interact</a:t>
+            </a:r>
+            <a:r>
+              <a:rPr lang="en-US" sz="1600" dirty="0" smtClean="0">
+                <a:latin typeface="Open Sans" panose="020B0604020202020204" charset="0"/>
+                <a:ea typeface="Open Sans" panose="020B0604020202020204" charset="0"/>
+                <a:cs typeface="Open Sans" panose="020B0604020202020204" charset="0"/>
+              </a:rPr>
+              <a:t>	    further increases </a:t>
+            </a:r>
+          </a:p>
+          <a:p>
+            <a:pPr>
+              <a:lnSpc>
+                <a:spcPct val="114000"/>
+              </a:lnSpc>
+              <a:tabLst>
+                <a:tab pos="1939925" algn="l"/>
+              </a:tabLst>
+            </a:pPr>
+            <a:r>
+              <a:rPr lang="en-US" sz="1600" dirty="0" smtClean="0">
+                <a:latin typeface="Open Sans" panose="020B0604020202020204" charset="0"/>
+                <a:ea typeface="Open Sans" panose="020B0604020202020204" charset="0"/>
+                <a:cs typeface="Open Sans" panose="020B0604020202020204" charset="0"/>
+              </a:rPr>
+              <a:t>	  the conversion complexity</a:t>
+            </a:r>
+            <a:endParaRPr lang="en-US" sz="1600" dirty="0">
+              <a:latin typeface="Open Sans" panose="020B0604020202020204" charset="0"/>
+              <a:ea typeface="Open Sans" panose="020B0604020202020204" charset="0"/>
+              <a:cs typeface="Open Sans" panose="020B0604020202020204" charset="0"/>
+            </a:endParaRPr>
+          </a:p>
+        </p:txBody>
+      </p:sp>
+      <p:sp>
+        <p:nvSpPr>
+          <p:cNvPr id="9" name="Šipka doprava 1"/>
+          <p:cNvSpPr/>
+          <p:nvPr/>
+        </p:nvSpPr>
+        <p:spPr>
+          <a:xfrm>
+            <a:off x="5913257" y="1732839"/>
+            <a:ext cx="432048" cy="288032"/>
+          </a:xfrm>
+          <a:prstGeom prst="rightArrow">
+            <a:avLst/>
+          </a:prstGeom>
+          <a:noFill/>
+          <a:ln>
+            <a:solidFill>
+              <a:srgbClr val="F47B20"/>
+            </a:solidFill>
+          </a:ln>
+        </p:spPr>
+        <p:style>
+          <a:lnRef idx="2">
+            <a:schemeClr val="accent1">
+              <a:shade val="50000"/>
+            </a:schemeClr>
+          </a:lnRef>
+          <a:fillRef idx="1">
+            <a:schemeClr val="accent1"/>
+          </a:fillRef>
+          <a:effectRef idx="0">
+            <a:schemeClr val="accent1"/>
+          </a:effectRef>
+          <a:fontRef idx="minor">
+            <a:schemeClr val="lt1"/>
+          </a:fontRef>
+        </p:style>
+        <p:txBody>
+          <a:bodyPr rtlCol="0" anchor="ctr"/>
+          <a:lstStyle/>
+          <a:p>
+            <a:pPr algn="ctr"/>
+            <a:endParaRPr lang="en-US" dirty="0"/>
+          </a:p>
+        </p:txBody>
+      </p:sp>
+      <p:sp>
+        <p:nvSpPr>
+          <p:cNvPr id="10" name="TextBox 9"/>
+          <p:cNvSpPr txBox="1"/>
+          <p:nvPr/>
+        </p:nvSpPr>
+        <p:spPr>
+          <a:xfrm>
+            <a:off x="4295796" y="3078341"/>
+            <a:ext cx="4860032" cy="1370247"/>
+          </a:xfrm>
+          <a:prstGeom prst="rect">
+            <a:avLst/>
+          </a:prstGeom>
+          <a:noFill/>
+        </p:spPr>
+        <p:txBody>
+          <a:bodyPr wrap="square" rtlCol="0">
+            <a:spAutoFit/>
+          </a:bodyPr>
+          <a:lstStyle/>
+          <a:p>
+            <a:pPr>
+              <a:lnSpc>
+                <a:spcPct val="114000"/>
+              </a:lnSpc>
+            </a:pPr>
+            <a:r>
+              <a:rPr lang="en-US" sz="1600" b="1" dirty="0" smtClean="0">
+                <a:solidFill>
+                  <a:srgbClr val="F47B20"/>
+                </a:solidFill>
+                <a:latin typeface="Open Sans" panose="020B0604020202020204" charset="0"/>
+                <a:ea typeface="Open Sans" panose="020B0604020202020204" charset="0"/>
+                <a:cs typeface="Open Sans" panose="020B0604020202020204" charset="0"/>
+              </a:rPr>
+              <a:t>ignored (so far)</a:t>
+            </a:r>
+          </a:p>
+          <a:p>
+            <a:pPr marL="357188" lvl="1" indent="-242888">
+              <a:lnSpc>
+                <a:spcPct val="115000"/>
+              </a:lnSpc>
+              <a:buSzPct val="70000"/>
+              <a:buFont typeface="Open Sans"/>
+              <a:buChar char="●"/>
+            </a:pPr>
+            <a:r>
+              <a:rPr lang="en-US" sz="1600" dirty="0" smtClean="0">
+                <a:solidFill>
+                  <a:schemeClr val="dk1"/>
+                </a:solidFill>
+                <a:latin typeface="Open Sans"/>
+                <a:ea typeface="Open Sans"/>
+                <a:cs typeface="Open Sans"/>
+                <a:sym typeface="Open Sans"/>
+              </a:rPr>
+              <a:t>attributes: </a:t>
+            </a:r>
+          </a:p>
+          <a:p>
+            <a:pPr marL="814388" lvl="1" indent="-242888">
+              <a:buSzPct val="70000"/>
+              <a:buFont typeface="Open Sans"/>
+              <a:buChar char="●"/>
+            </a:pPr>
+            <a:r>
+              <a:rPr lang="en-US" dirty="0" smtClean="0">
+                <a:solidFill>
+                  <a:srgbClr val="92D050"/>
+                </a:solidFill>
+                <a:latin typeface="Consolas" panose="020B0609020204030204" pitchFamily="49" charset="0"/>
+                <a:ea typeface="Open Sans"/>
+                <a:cs typeface="Open Sans"/>
+                <a:sym typeface="Open Sans"/>
+              </a:rPr>
+              <a:t>mode, polite</a:t>
+            </a:r>
+            <a:r>
+              <a:rPr lang="en-US" dirty="0" smtClean="0">
+                <a:solidFill>
+                  <a:schemeClr val="dk1"/>
+                </a:solidFill>
+                <a:latin typeface="Consolas" panose="020B0609020204030204" pitchFamily="49" charset="0"/>
+                <a:ea typeface="Open Sans"/>
+                <a:cs typeface="Open Sans"/>
+                <a:sym typeface="Open Sans"/>
+              </a:rPr>
+              <a:t>, quote, </a:t>
+            </a:r>
+            <a:r>
+              <a:rPr lang="en-US" dirty="0">
+                <a:solidFill>
+                  <a:schemeClr val="dk1"/>
+                </a:solidFill>
+                <a:latin typeface="Consolas" panose="020B0609020204030204" pitchFamily="49" charset="0"/>
+                <a:ea typeface="Open Sans"/>
+                <a:cs typeface="Open Sans"/>
+                <a:sym typeface="Open Sans"/>
+              </a:rPr>
+              <a:t>modal-strength</a:t>
+            </a:r>
+            <a:endParaRPr lang="en-US" dirty="0" smtClean="0">
+              <a:solidFill>
+                <a:schemeClr val="dk1"/>
+              </a:solidFill>
+              <a:latin typeface="Consolas" panose="020B0609020204030204" pitchFamily="49" charset="0"/>
+              <a:ea typeface="Open Sans"/>
+              <a:cs typeface="Open Sans"/>
+              <a:sym typeface="Open Sans"/>
+            </a:endParaRPr>
+          </a:p>
+          <a:p>
+            <a:pPr marL="814388" lvl="1" indent="-242888">
+              <a:buSzPct val="70000"/>
+              <a:buFont typeface="Open Sans"/>
+              <a:buChar char="●"/>
+            </a:pPr>
+            <a:r>
+              <a:rPr lang="en-US" dirty="0" smtClean="0">
+                <a:solidFill>
+                  <a:schemeClr val="dk1"/>
+                </a:solidFill>
+                <a:latin typeface="Consolas" panose="020B0609020204030204" pitchFamily="49" charset="0"/>
+                <a:ea typeface="Open Sans"/>
+                <a:cs typeface="Open Sans"/>
+                <a:sym typeface="Open Sans"/>
+              </a:rPr>
+              <a:t>wiki</a:t>
+            </a:r>
+          </a:p>
+          <a:p>
+            <a:pPr marL="357188" lvl="1" indent="-242888">
+              <a:lnSpc>
+                <a:spcPct val="115000"/>
+              </a:lnSpc>
+              <a:buSzPct val="70000"/>
+              <a:buFont typeface="Open Sans"/>
+              <a:buChar char="●"/>
+            </a:pPr>
+            <a:r>
+              <a:rPr lang="en-US" sz="1600" dirty="0" smtClean="0">
+                <a:solidFill>
+                  <a:schemeClr val="dk1"/>
+                </a:solidFill>
+                <a:latin typeface="Open Sans"/>
+                <a:ea typeface="Open Sans"/>
+                <a:cs typeface="Open Sans"/>
+                <a:sym typeface="Open Sans"/>
+              </a:rPr>
+              <a:t>most of the document level annotation</a:t>
+            </a:r>
+            <a:endParaRPr lang="en-US" sz="1600" dirty="0">
+              <a:solidFill>
+                <a:schemeClr val="dk1"/>
+              </a:solidFill>
+              <a:latin typeface="Open Sans"/>
+              <a:ea typeface="Open Sans"/>
+              <a:cs typeface="Open Sans"/>
+              <a:sym typeface="Open Sans"/>
+            </a:endParaRPr>
+          </a:p>
+        </p:txBody>
+      </p:sp>
+      <p:sp>
+        <p:nvSpPr>
+          <p:cNvPr id="11" name="Google Shape;59;p10"/>
+          <p:cNvSpPr txBox="1">
+            <a:spLocks noGrp="1"/>
+          </p:cNvSpPr>
+          <p:nvPr>
+            <p:ph type="subTitle" idx="2"/>
+          </p:nvPr>
+        </p:nvSpPr>
+        <p:spPr>
+          <a:prstGeom prst="rect">
+            <a:avLst/>
+          </a:prstGeom>
+        </p:spPr>
+        <p:txBody>
+          <a:bodyPr spcFirstLastPara="1" wrap="square" lIns="91425" tIns="27425" rIns="91425" bIns="9125" anchor="t" anchorCtr="0">
+            <a:noAutofit/>
+          </a:bodyPr>
+          <a:lstStyle/>
+          <a:p>
+            <a:pPr marL="0" lvl="0" indent="0">
+              <a:spcAft>
+                <a:spcPts val="1600"/>
+              </a:spcAft>
+            </a:pPr>
+            <a:r>
+              <a:rPr lang="en-US" dirty="0" smtClean="0"/>
+              <a:t>From PDT to UMR</a:t>
+            </a:r>
+            <a:endParaRPr lang="en-US" dirty="0"/>
+          </a:p>
+        </p:txBody>
+      </p:sp>
+      <p:sp>
+        <p:nvSpPr>
+          <p:cNvPr id="12" name="TextovéPole 16"/>
+          <p:cNvSpPr txBox="1"/>
+          <p:nvPr/>
+        </p:nvSpPr>
+        <p:spPr>
+          <a:xfrm>
+            <a:off x="3995936" y="4856261"/>
+            <a:ext cx="4824536" cy="307777"/>
+          </a:xfrm>
+          <a:prstGeom prst="rect">
+            <a:avLst/>
+          </a:prstGeom>
+          <a:noFill/>
+        </p:spPr>
+        <p:txBody>
+          <a:bodyPr wrap="square" rtlCol="0">
+            <a:spAutoFit/>
+          </a:bodyPr>
+          <a:lstStyle/>
+          <a:p>
+            <a:r>
+              <a:rPr lang="en-US" dirty="0" smtClean="0">
+                <a:latin typeface="Open Sans" panose="020B0604020202020204" charset="0"/>
+                <a:ea typeface="Open Sans" panose="020B0604020202020204" charset="0"/>
+                <a:cs typeface="Open Sans" panose="020B0604020202020204" charset="0"/>
+              </a:rPr>
+              <a:t>Download the data: </a:t>
+            </a:r>
+            <a:r>
+              <a:rPr lang="en-US" dirty="0" smtClean="0">
+                <a:latin typeface="Open Sans" panose="020B0604020202020204" charset="0"/>
+                <a:ea typeface="Open Sans" panose="020B0604020202020204" charset="0"/>
+                <a:cs typeface="Open Sans" panose="020B0604020202020204" charset="0"/>
+                <a:hlinkClick r:id="rId2"/>
+              </a:rPr>
+              <a:t>http://hdl.handle.net/11234/1-5951</a:t>
+            </a:r>
+            <a:endParaRPr lang="en-US" dirty="0">
+              <a:latin typeface="Open Sans" panose="020B0604020202020204" charset="0"/>
+              <a:ea typeface="Open Sans" panose="020B0604020202020204" charset="0"/>
+              <a:cs typeface="Open Sans" panose="020B0604020202020204" charset="0"/>
+            </a:endParaRPr>
+          </a:p>
+        </p:txBody>
+      </p:sp>
+    </p:spTree>
+    <p:extLst>
+      <p:ext uri="{BB962C8B-B14F-4D97-AF65-F5344CB8AC3E}">
+        <p14:creationId xmlns:p14="http://schemas.microsoft.com/office/powerpoint/2010/main" val="3196956874"/>
+      </p:ext>
+    </p:extLst>
+  </p:cSld>
+  <p:clrMapOvr>
+    <a:masterClrMapping/>
+  </p:clrMapOvr>
+  <p:timing>
+    <p:tnLst>
+      <p:par>
+        <p:cTn id="1" dur="indefinite" restart="never" nodeType="tmRoot"/>
+      </p:par>
+    </p:tnLst>
+  </p:timing>
+</p:sld>
+</file>
+
+<file path=ppt/slides/slide11.xml><?xml version="1.0" encoding="utf-8"?>
+<p:sld xmlns:a="http://schemas.openxmlformats.org/drawingml/2006/main" xmlns:r="http://schemas.openxmlformats.org/officeDocument/2006/relationships" xmlns:p="http://schemas.openxmlformats.org/presentationml/2006/main">
+  <p:cSld>
+    <p:spTree>
+      <p:nvGrpSpPr>
         <p:cNvPr id="1" name="Shape 55"/>
         <p:cNvGrpSpPr/>
         <p:nvPr/>
@@ -7735,7 +8779,7 @@
             </a:pPr>
             <a:fld id="{00000000-1234-1234-1234-123412341234}" type="slidenum">
               <a:rPr lang="en-US" smtClean="0"/>
-              <a:t>10</a:t>
+              <a:t>11</a:t>
             </a:fld>
             <a:endParaRPr lang="en-US" dirty="0"/>
           </a:p>
@@ -8212,6 +9256,150 @@
           </a:p>
         </p:txBody>
       </p:sp>
+      <p:sp>
+        <p:nvSpPr>
+          <p:cNvPr id="18" name="TextBox 17"/>
+          <p:cNvSpPr txBox="1"/>
+          <p:nvPr/>
+        </p:nvSpPr>
+        <p:spPr>
+          <a:xfrm>
+            <a:off x="683568" y="901052"/>
+            <a:ext cx="7344816" cy="2616101"/>
+          </a:xfrm>
+          <a:prstGeom prst="rect">
+            <a:avLst/>
+          </a:prstGeom>
+          <a:noFill/>
+        </p:spPr>
+        <p:txBody>
+          <a:bodyPr wrap="square" rtlCol="0">
+            <a:spAutoFit/>
+          </a:bodyPr>
+          <a:lstStyle/>
+          <a:p>
+            <a:pPr marL="115888" indent="-115888">
+              <a:buFont typeface="Arial" panose="020B0604020202020204" pitchFamily="34" charset="0"/>
+              <a:buChar char="•"/>
+            </a:pPr>
+            <a:r>
+              <a:rPr lang="en-US" sz="1600" dirty="0" smtClean="0">
+                <a:latin typeface="Open Sans" panose="020B0604020202020204" charset="0"/>
+                <a:ea typeface="Open Sans" panose="020B0604020202020204" charset="0"/>
+                <a:cs typeface="Open Sans" panose="020B0604020202020204" charset="0"/>
+              </a:rPr>
+              <a:t> Automatic conversion:</a:t>
+            </a:r>
+          </a:p>
+          <a:p>
+            <a:pPr marL="115888" indent="-115888">
+              <a:buFont typeface="Arial" panose="020B0604020202020204" pitchFamily="34" charset="0"/>
+              <a:buChar char="•"/>
+            </a:pPr>
+            <a:endParaRPr lang="en-US" sz="1600" dirty="0" smtClean="0">
+              <a:latin typeface="Open Sans" panose="020B0604020202020204" charset="0"/>
+              <a:ea typeface="Open Sans" panose="020B0604020202020204" charset="0"/>
+              <a:cs typeface="Open Sans" panose="020B0604020202020204" charset="0"/>
+            </a:endParaRPr>
+          </a:p>
+          <a:p>
+            <a:pPr marL="115888" indent="-115888">
+              <a:buFont typeface="Arial" panose="020B0604020202020204" pitchFamily="34" charset="0"/>
+              <a:buChar char="•"/>
+            </a:pPr>
+            <a:endParaRPr lang="en-US" sz="1600" dirty="0" smtClean="0">
+              <a:latin typeface="Open Sans" panose="020B0604020202020204" charset="0"/>
+              <a:ea typeface="Open Sans" panose="020B0604020202020204" charset="0"/>
+              <a:cs typeface="Open Sans" panose="020B0604020202020204" charset="0"/>
+            </a:endParaRPr>
+          </a:p>
+          <a:p>
+            <a:pPr marL="115888" indent="-115888">
+              <a:buFont typeface="Arial" panose="020B0604020202020204" pitchFamily="34" charset="0"/>
+              <a:buChar char="•"/>
+            </a:pPr>
+            <a:endParaRPr lang="en-US" sz="1600" dirty="0" smtClean="0">
+              <a:latin typeface="Open Sans" panose="020B0604020202020204" charset="0"/>
+              <a:ea typeface="Open Sans" panose="020B0604020202020204" charset="0"/>
+              <a:cs typeface="Open Sans" panose="020B0604020202020204" charset="0"/>
+            </a:endParaRPr>
+          </a:p>
+          <a:p>
+            <a:pPr marL="115888" indent="-115888">
+              <a:buFont typeface="Arial" panose="020B0604020202020204" pitchFamily="34" charset="0"/>
+              <a:buChar char="•"/>
+            </a:pPr>
+            <a:endParaRPr lang="en-US" sz="1600" dirty="0" smtClean="0">
+              <a:latin typeface="Open Sans" panose="020B0604020202020204" charset="0"/>
+              <a:ea typeface="Open Sans" panose="020B0604020202020204" charset="0"/>
+              <a:cs typeface="Open Sans" panose="020B0604020202020204" charset="0"/>
+            </a:endParaRPr>
+          </a:p>
+          <a:p>
+            <a:pPr marL="115888" indent="-115888">
+              <a:buFont typeface="Arial" panose="020B0604020202020204" pitchFamily="34" charset="0"/>
+              <a:buChar char="•"/>
+            </a:pPr>
+            <a:endParaRPr lang="en-US" sz="1600" dirty="0" smtClean="0">
+              <a:latin typeface="Open Sans" panose="020B0604020202020204" charset="0"/>
+              <a:ea typeface="Open Sans" panose="020B0604020202020204" charset="0"/>
+              <a:cs typeface="Open Sans" panose="020B0604020202020204" charset="0"/>
+            </a:endParaRPr>
+          </a:p>
+          <a:p>
+            <a:pPr marL="115888" indent="-115888">
+              <a:buFont typeface="Arial" panose="020B0604020202020204" pitchFamily="34" charset="0"/>
+              <a:buChar char="•"/>
+            </a:pPr>
+            <a:endParaRPr lang="en-US" sz="1600" dirty="0" smtClean="0">
+              <a:latin typeface="Open Sans" panose="020B0604020202020204" charset="0"/>
+              <a:ea typeface="Open Sans" panose="020B0604020202020204" charset="0"/>
+              <a:cs typeface="Open Sans" panose="020B0604020202020204" charset="0"/>
+            </a:endParaRPr>
+          </a:p>
+          <a:p>
+            <a:pPr marL="115888" indent="-115888">
+              <a:buFont typeface="Arial" panose="020B0604020202020204" pitchFamily="34" charset="0"/>
+              <a:buChar char="•"/>
+            </a:pPr>
+            <a:endParaRPr lang="en-US" sz="2000" dirty="0" smtClean="0">
+              <a:latin typeface="Open Sans" panose="020B0604020202020204" charset="0"/>
+              <a:ea typeface="Open Sans" panose="020B0604020202020204" charset="0"/>
+              <a:cs typeface="Open Sans" panose="020B0604020202020204" charset="0"/>
+            </a:endParaRPr>
+          </a:p>
+          <a:p>
+            <a:pPr marL="115888" indent="-115888">
+              <a:buFont typeface="Arial" panose="020B0604020202020204" pitchFamily="34" charset="0"/>
+              <a:buChar char="•"/>
+            </a:pPr>
+            <a:endParaRPr lang="en-US" sz="1600" dirty="0" smtClean="0">
+              <a:latin typeface="Open Sans" panose="020B0604020202020204" charset="0"/>
+              <a:ea typeface="Open Sans" panose="020B0604020202020204" charset="0"/>
+              <a:cs typeface="Open Sans" panose="020B0604020202020204" charset="0"/>
+            </a:endParaRPr>
+          </a:p>
+          <a:p>
+            <a:pPr marL="115888" indent="-115888">
+              <a:buFont typeface="Arial" panose="020B0604020202020204" pitchFamily="34" charset="0"/>
+              <a:buChar char="•"/>
+            </a:pPr>
+            <a:r>
+              <a:rPr lang="en-US" sz="1600" dirty="0" smtClean="0">
+                <a:latin typeface="Open Sans" panose="020B0604020202020204" charset="0"/>
+                <a:ea typeface="Open Sans" panose="020B0604020202020204" charset="0"/>
+                <a:cs typeface="Open Sans" panose="020B0604020202020204" charset="0"/>
+              </a:rPr>
+              <a:t> Manual annotation (inter-annotator agreement):</a:t>
+            </a:r>
+            <a:endParaRPr lang="en-US" sz="1600" dirty="0">
+              <a:latin typeface="Open Sans" panose="020B0604020202020204" charset="0"/>
+              <a:ea typeface="Open Sans" panose="020B0604020202020204" charset="0"/>
+              <a:cs typeface="Open Sans" panose="020B0604020202020204" charset="0"/>
+            </a:endParaRPr>
+          </a:p>
+        </p:txBody>
+      </p:sp>
     </p:spTree>
     <p:extLst>
       <p:ext uri="{BB962C8B-B14F-4D97-AF65-F5344CB8AC3E}">
@@ -8232,7 +9420,7 @@
 </p:sld>
 </file>
 
-<file path=ppt/slides/slide11.xml><?xml version="1.0" encoding="utf-8"?>
+<file path=ppt/slides/slide12.xml><?xml version="1.0" encoding="utf-8"?>
 <p:sld xmlns:a="http://schemas.openxmlformats.org/drawingml/2006/main" xmlns:r="http://schemas.openxmlformats.org/officeDocument/2006/relationships" xmlns:p="http://schemas.openxmlformats.org/presentationml/2006/main">
   <p:cSld>
     <p:spTree>
@@ -8285,7 +9473,7 @@
             </a:pPr>
             <a:fld id="{00000000-1234-1234-1234-123412341234}" type="slidenum">
               <a:rPr lang="en-US" smtClean="0"/>
-              <a:t>11</a:t>
+              <a:t>12</a:t>
             </a:fld>
             <a:endParaRPr lang="en-US" dirty="0"/>
           </a:p>
@@ -8892,6 +10080,150 @@
           </p:txBody>
         </p:sp>
       </p:grpSp>
+      <p:sp>
+        <p:nvSpPr>
+          <p:cNvPr id="21" name="TextBox 20"/>
+          <p:cNvSpPr txBox="1"/>
+          <p:nvPr/>
+        </p:nvSpPr>
+        <p:spPr>
+          <a:xfrm>
+            <a:off x="683568" y="901052"/>
+            <a:ext cx="7344816" cy="2616101"/>
+          </a:xfrm>
+          <a:prstGeom prst="rect">
+            <a:avLst/>
+          </a:prstGeom>
+          <a:noFill/>
+        </p:spPr>
+        <p:txBody>
+          <a:bodyPr wrap="square" rtlCol="0">
+            <a:spAutoFit/>
+          </a:bodyPr>
+          <a:lstStyle/>
+          <a:p>
+            <a:pPr marL="115888" indent="-115888">
+              <a:buFont typeface="Arial" panose="020B0604020202020204" pitchFamily="34" charset="0"/>
+              <a:buChar char="•"/>
+            </a:pPr>
+            <a:r>
+              <a:rPr lang="en-US" sz="1600" dirty="0" smtClean="0">
+                <a:latin typeface="Open Sans" panose="020B0604020202020204" charset="0"/>
+                <a:ea typeface="Open Sans" panose="020B0604020202020204" charset="0"/>
+                <a:cs typeface="Open Sans" panose="020B0604020202020204" charset="0"/>
+              </a:rPr>
+              <a:t> Automatic conversion:</a:t>
+            </a:r>
+          </a:p>
+          <a:p>
+            <a:pPr marL="115888" indent="-115888">
+              <a:buFont typeface="Arial" panose="020B0604020202020204" pitchFamily="34" charset="0"/>
+              <a:buChar char="•"/>
+            </a:pPr>
+            <a:endParaRPr lang="en-US" sz="1600" dirty="0" smtClean="0">
+              <a:latin typeface="Open Sans" panose="020B0604020202020204" charset="0"/>
+              <a:ea typeface="Open Sans" panose="020B0604020202020204" charset="0"/>
+              <a:cs typeface="Open Sans" panose="020B0604020202020204" charset="0"/>
+            </a:endParaRPr>
+          </a:p>
+          <a:p>
+            <a:pPr marL="115888" indent="-115888">
+              <a:buFont typeface="Arial" panose="020B0604020202020204" pitchFamily="34" charset="0"/>
+              <a:buChar char="•"/>
+            </a:pPr>
+            <a:endParaRPr lang="en-US" sz="1600" dirty="0" smtClean="0">
+              <a:latin typeface="Open Sans" panose="020B0604020202020204" charset="0"/>
+              <a:ea typeface="Open Sans" panose="020B0604020202020204" charset="0"/>
+              <a:cs typeface="Open Sans" panose="020B0604020202020204" charset="0"/>
+            </a:endParaRPr>
+          </a:p>
+          <a:p>
+            <a:pPr marL="115888" indent="-115888">
+              <a:buFont typeface="Arial" panose="020B0604020202020204" pitchFamily="34" charset="0"/>
+              <a:buChar char="•"/>
+            </a:pPr>
+            <a:endParaRPr lang="en-US" sz="1600" dirty="0" smtClean="0">
+              <a:latin typeface="Open Sans" panose="020B0604020202020204" charset="0"/>
+              <a:ea typeface="Open Sans" panose="020B0604020202020204" charset="0"/>
+              <a:cs typeface="Open Sans" panose="020B0604020202020204" charset="0"/>
+            </a:endParaRPr>
+          </a:p>
+          <a:p>
+            <a:pPr marL="115888" indent="-115888">
+              <a:buFont typeface="Arial" panose="020B0604020202020204" pitchFamily="34" charset="0"/>
+              <a:buChar char="•"/>
+            </a:pPr>
+            <a:endParaRPr lang="en-US" sz="1600" dirty="0" smtClean="0">
+              <a:latin typeface="Open Sans" panose="020B0604020202020204" charset="0"/>
+              <a:ea typeface="Open Sans" panose="020B0604020202020204" charset="0"/>
+              <a:cs typeface="Open Sans" panose="020B0604020202020204" charset="0"/>
+            </a:endParaRPr>
+          </a:p>
+          <a:p>
+            <a:pPr marL="115888" indent="-115888">
+              <a:buFont typeface="Arial" panose="020B0604020202020204" pitchFamily="34" charset="0"/>
+              <a:buChar char="•"/>
+            </a:pPr>
+            <a:endParaRPr lang="en-US" sz="1600" dirty="0" smtClean="0">
+              <a:latin typeface="Open Sans" panose="020B0604020202020204" charset="0"/>
+              <a:ea typeface="Open Sans" panose="020B0604020202020204" charset="0"/>
+              <a:cs typeface="Open Sans" panose="020B0604020202020204" charset="0"/>
+            </a:endParaRPr>
+          </a:p>
+          <a:p>
+            <a:pPr marL="115888" indent="-115888">
+              <a:buFont typeface="Arial" panose="020B0604020202020204" pitchFamily="34" charset="0"/>
+              <a:buChar char="•"/>
+            </a:pPr>
+            <a:endParaRPr lang="en-US" sz="1600" dirty="0" smtClean="0">
+              <a:latin typeface="Open Sans" panose="020B0604020202020204" charset="0"/>
+              <a:ea typeface="Open Sans" panose="020B0604020202020204" charset="0"/>
+              <a:cs typeface="Open Sans" panose="020B0604020202020204" charset="0"/>
+            </a:endParaRPr>
+          </a:p>
+          <a:p>
+            <a:pPr marL="115888" indent="-115888">
+              <a:buFont typeface="Arial" panose="020B0604020202020204" pitchFamily="34" charset="0"/>
+              <a:buChar char="•"/>
+            </a:pPr>
+            <a:endParaRPr lang="en-US" sz="2000" dirty="0" smtClean="0">
+              <a:latin typeface="Open Sans" panose="020B0604020202020204" charset="0"/>
+              <a:ea typeface="Open Sans" panose="020B0604020202020204" charset="0"/>
+              <a:cs typeface="Open Sans" panose="020B0604020202020204" charset="0"/>
+            </a:endParaRPr>
+          </a:p>
+          <a:p>
+            <a:pPr marL="115888" indent="-115888">
+              <a:buFont typeface="Arial" panose="020B0604020202020204" pitchFamily="34" charset="0"/>
+              <a:buChar char="•"/>
+            </a:pPr>
+            <a:endParaRPr lang="en-US" sz="1600" dirty="0" smtClean="0">
+              <a:latin typeface="Open Sans" panose="020B0604020202020204" charset="0"/>
+              <a:ea typeface="Open Sans" panose="020B0604020202020204" charset="0"/>
+              <a:cs typeface="Open Sans" panose="020B0604020202020204" charset="0"/>
+            </a:endParaRPr>
+          </a:p>
+          <a:p>
+            <a:pPr marL="115888" indent="-115888">
+              <a:buFont typeface="Arial" panose="020B0604020202020204" pitchFamily="34" charset="0"/>
+              <a:buChar char="•"/>
+            </a:pPr>
+            <a:r>
+              <a:rPr lang="en-US" sz="1600" dirty="0" smtClean="0">
+                <a:latin typeface="Open Sans" panose="020B0604020202020204" charset="0"/>
+                <a:ea typeface="Open Sans" panose="020B0604020202020204" charset="0"/>
+                <a:cs typeface="Open Sans" panose="020B0604020202020204" charset="0"/>
+              </a:rPr>
+              <a:t> Manual annotation (inter-annotator agreement):</a:t>
+            </a:r>
+            <a:endParaRPr lang="en-US" sz="1600" dirty="0">
+              <a:latin typeface="Open Sans" panose="020B0604020202020204" charset="0"/>
+              <a:ea typeface="Open Sans" panose="020B0604020202020204" charset="0"/>
+              <a:cs typeface="Open Sans" panose="020B0604020202020204" charset="0"/>
+            </a:endParaRPr>
+          </a:p>
+        </p:txBody>
+      </p:sp>
     </p:spTree>
     <p:extLst>
       <p:ext uri="{BB962C8B-B14F-4D97-AF65-F5344CB8AC3E}">
@@ -8912,7 +10244,7 @@
 </p:sld>
 </file>
 
-<file path=ppt/slides/slide12.xml><?xml version="1.0" encoding="utf-8"?>
+<file path=ppt/slides/slide13.xml><?xml version="1.0" encoding="utf-8"?>
 <p:sld xmlns:a="http://schemas.openxmlformats.org/drawingml/2006/main" xmlns:r="http://schemas.openxmlformats.org/officeDocument/2006/relationships" xmlns:p="http://schemas.openxmlformats.org/presentationml/2006/main">
   <p:cSld>
     <p:spTree>
@@ -8965,7 +10297,7 @@
             </a:pPr>
             <a:fld id="{00000000-1234-1234-1234-123412341234}" type="slidenum">
               <a:rPr lang="en-US" smtClean="0"/>
-              <a:t>12</a:t>
+              <a:t>13</a:t>
             </a:fld>
             <a:endParaRPr lang="en-US" dirty="0"/>
           </a:p>
@@ -9003,11 +10335,7 @@
             </a:pPr>
             <a:r>
               <a:rPr lang="en-US" dirty="0" smtClean="0"/>
-              <a:t>From PDT to </a:t>
-            </a:r>
-            <a:r>
-              <a:rPr lang="en-US" dirty="0" err="1" smtClean="0"/>
-              <a:t>UMR</a:t>
+              <a:t>From PDT to UMR</a:t>
             </a:r>
             <a:endParaRPr lang="en-US" dirty="0"/>
           </a:p>
@@ -9251,7 +10579,7 @@
             <a:lstStyle/>
             <a:p>
               <a:pPr algn="ctr"/>
-              <a:endParaRPr lang="en-US"/>
+              <a:endParaRPr lang="en-US" dirty="0"/>
             </a:p>
           </p:txBody>
         </p:sp>
@@ -9368,7 +10696,7 @@
             <a:lstStyle/>
             <a:p>
               <a:pPr algn="ctr"/>
-              <a:endParaRPr lang="en-US"/>
+              <a:endParaRPr lang="en-US" dirty="0"/>
             </a:p>
           </p:txBody>
         </p:sp>
@@ -9572,6 +10900,150 @@
           </p:txBody>
         </p:sp>
       </p:grpSp>
+      <p:sp>
+        <p:nvSpPr>
+          <p:cNvPr id="21" name="TextBox 20"/>
+          <p:cNvSpPr txBox="1"/>
+          <p:nvPr/>
+        </p:nvSpPr>
+        <p:spPr>
+          <a:xfrm>
+            <a:off x="683568" y="901052"/>
+            <a:ext cx="7344816" cy="2616101"/>
+          </a:xfrm>
+          <a:prstGeom prst="rect">
+            <a:avLst/>
+          </a:prstGeom>
+          <a:noFill/>
+        </p:spPr>
+        <p:txBody>
+          <a:bodyPr wrap="square" rtlCol="0">
+            <a:spAutoFit/>
+          </a:bodyPr>
+          <a:lstStyle/>
+          <a:p>
+            <a:pPr marL="115888" indent="-115888">
+              <a:buFont typeface="Arial" panose="020B0604020202020204" pitchFamily="34" charset="0"/>
+              <a:buChar char="•"/>
+            </a:pPr>
+            <a:r>
+              <a:rPr lang="en-US" sz="1600" dirty="0" smtClean="0">
+                <a:latin typeface="Open Sans" panose="020B0604020202020204" charset="0"/>
+                <a:ea typeface="Open Sans" panose="020B0604020202020204" charset="0"/>
+                <a:cs typeface="Open Sans" panose="020B0604020202020204" charset="0"/>
+              </a:rPr>
+              <a:t> Automatic conversion:</a:t>
+            </a:r>
+          </a:p>
+          <a:p>
+            <a:pPr marL="115888" indent="-115888">
+              <a:buFont typeface="Arial" panose="020B0604020202020204" pitchFamily="34" charset="0"/>
+              <a:buChar char="•"/>
+            </a:pPr>
+            <a:endParaRPr lang="en-US" sz="1600" dirty="0" smtClean="0">
+              <a:latin typeface="Open Sans" panose="020B0604020202020204" charset="0"/>
+              <a:ea typeface="Open Sans" panose="020B0604020202020204" charset="0"/>
+              <a:cs typeface="Open Sans" panose="020B0604020202020204" charset="0"/>
+            </a:endParaRPr>
+          </a:p>
+          <a:p>
+            <a:pPr marL="115888" indent="-115888">
+              <a:buFont typeface="Arial" panose="020B0604020202020204" pitchFamily="34" charset="0"/>
+              <a:buChar char="•"/>
+            </a:pPr>
+            <a:endParaRPr lang="en-US" sz="1600" dirty="0" smtClean="0">
+              <a:latin typeface="Open Sans" panose="020B0604020202020204" charset="0"/>
+              <a:ea typeface="Open Sans" panose="020B0604020202020204" charset="0"/>
+              <a:cs typeface="Open Sans" panose="020B0604020202020204" charset="0"/>
+            </a:endParaRPr>
+          </a:p>
+          <a:p>
+            <a:pPr marL="115888" indent="-115888">
+              <a:buFont typeface="Arial" panose="020B0604020202020204" pitchFamily="34" charset="0"/>
+              <a:buChar char="•"/>
+            </a:pPr>
+            <a:endParaRPr lang="en-US" sz="1600" dirty="0" smtClean="0">
+              <a:latin typeface="Open Sans" panose="020B0604020202020204" charset="0"/>
+              <a:ea typeface="Open Sans" panose="020B0604020202020204" charset="0"/>
+              <a:cs typeface="Open Sans" panose="020B0604020202020204" charset="0"/>
+            </a:endParaRPr>
+          </a:p>
+          <a:p>
+            <a:pPr marL="115888" indent="-115888">
+              <a:buFont typeface="Arial" panose="020B0604020202020204" pitchFamily="34" charset="0"/>
+              <a:buChar char="•"/>
+            </a:pPr>
+            <a:endParaRPr lang="en-US" sz="1600" dirty="0" smtClean="0">
+              <a:latin typeface="Open Sans" panose="020B0604020202020204" charset="0"/>
+              <a:ea typeface="Open Sans" panose="020B0604020202020204" charset="0"/>
+              <a:cs typeface="Open Sans" panose="020B0604020202020204" charset="0"/>
+            </a:endParaRPr>
+          </a:p>
+          <a:p>
+            <a:pPr marL="115888" indent="-115888">
+              <a:buFont typeface="Arial" panose="020B0604020202020204" pitchFamily="34" charset="0"/>
+              <a:buChar char="•"/>
+            </a:pPr>
+            <a:endParaRPr lang="en-US" sz="1600" dirty="0" smtClean="0">
+              <a:latin typeface="Open Sans" panose="020B0604020202020204" charset="0"/>
+              <a:ea typeface="Open Sans" panose="020B0604020202020204" charset="0"/>
+              <a:cs typeface="Open Sans" panose="020B0604020202020204" charset="0"/>
+            </a:endParaRPr>
+          </a:p>
+          <a:p>
+            <a:pPr marL="115888" indent="-115888">
+              <a:buFont typeface="Arial" panose="020B0604020202020204" pitchFamily="34" charset="0"/>
+              <a:buChar char="•"/>
+            </a:pPr>
+            <a:endParaRPr lang="en-US" sz="1600" dirty="0" smtClean="0">
+              <a:latin typeface="Open Sans" panose="020B0604020202020204" charset="0"/>
+              <a:ea typeface="Open Sans" panose="020B0604020202020204" charset="0"/>
+              <a:cs typeface="Open Sans" panose="020B0604020202020204" charset="0"/>
+            </a:endParaRPr>
+          </a:p>
+          <a:p>
+            <a:pPr marL="115888" indent="-115888">
+              <a:buFont typeface="Arial" panose="020B0604020202020204" pitchFamily="34" charset="0"/>
+              <a:buChar char="•"/>
+            </a:pPr>
+            <a:endParaRPr lang="en-US" sz="2000" dirty="0" smtClean="0">
+              <a:latin typeface="Open Sans" panose="020B0604020202020204" charset="0"/>
+              <a:ea typeface="Open Sans" panose="020B0604020202020204" charset="0"/>
+              <a:cs typeface="Open Sans" panose="020B0604020202020204" charset="0"/>
+            </a:endParaRPr>
+          </a:p>
+          <a:p>
+            <a:pPr marL="115888" indent="-115888">
+              <a:buFont typeface="Arial" panose="020B0604020202020204" pitchFamily="34" charset="0"/>
+              <a:buChar char="•"/>
+            </a:pPr>
+            <a:endParaRPr lang="en-US" sz="1600" dirty="0" smtClean="0">
+              <a:latin typeface="Open Sans" panose="020B0604020202020204" charset="0"/>
+              <a:ea typeface="Open Sans" panose="020B0604020202020204" charset="0"/>
+              <a:cs typeface="Open Sans" panose="020B0604020202020204" charset="0"/>
+            </a:endParaRPr>
+          </a:p>
+          <a:p>
+            <a:pPr marL="115888" indent="-115888">
+              <a:buFont typeface="Arial" panose="020B0604020202020204" pitchFamily="34" charset="0"/>
+              <a:buChar char="•"/>
+            </a:pPr>
+            <a:r>
+              <a:rPr lang="en-US" sz="1600" dirty="0" smtClean="0">
+                <a:latin typeface="Open Sans" panose="020B0604020202020204" charset="0"/>
+                <a:ea typeface="Open Sans" panose="020B0604020202020204" charset="0"/>
+                <a:cs typeface="Open Sans" panose="020B0604020202020204" charset="0"/>
+              </a:rPr>
+              <a:t> Manual annotation (inter-annotator agreement):</a:t>
+            </a:r>
+            <a:endParaRPr lang="en-US" sz="1600" dirty="0">
+              <a:latin typeface="Open Sans" panose="020B0604020202020204" charset="0"/>
+              <a:ea typeface="Open Sans" panose="020B0604020202020204" charset="0"/>
+              <a:cs typeface="Open Sans" panose="020B0604020202020204" charset="0"/>
+            </a:endParaRPr>
+          </a:p>
+        </p:txBody>
+      </p:sp>
     </p:spTree>
     <p:extLst>
       <p:ext uri="{BB962C8B-B14F-4D97-AF65-F5344CB8AC3E}">
@@ -9592,7 +11064,7 @@
 </p:sld>
 </file>
 
-<file path=ppt/slides/slide13.xml><?xml version="1.0" encoding="utf-8"?>
+<file path=ppt/slides/slide14.xml><?xml version="1.0" encoding="utf-8"?>
 <p:sld xmlns:a="http://schemas.openxmlformats.org/drawingml/2006/main" xmlns:r="http://schemas.openxmlformats.org/officeDocument/2006/relationships" xmlns:p="http://schemas.openxmlformats.org/presentationml/2006/main">
   <p:cSld>
     <p:spTree>
@@ -9831,7 +11303,7 @@
                 <a:cs typeface="Arial"/>
                 <a:sym typeface="Arial"/>
               </a:rPr>
-              <a:t>13</a:t>
+              <a:t>14</a:t>
             </a:fld>
             <a:endParaRPr lang="en-US" dirty="0">
               <a:solidFill>
@@ -9994,7 +11466,7 @@
 </p:sld>
 </file>
 
-<file path=ppt/slides/slide14.xml><?xml version="1.0" encoding="utf-8"?>
+<file path=ppt/slides/slide15.xml><?xml version="1.0" encoding="utf-8"?>
 <p:sld xmlns:a="http://schemas.openxmlformats.org/drawingml/2006/main" xmlns:r="http://schemas.openxmlformats.org/officeDocument/2006/relationships" xmlns:p="http://schemas.openxmlformats.org/presentationml/2006/main">
   <p:cSld>
     <p:spTree>
@@ -10033,7 +11505,7 @@
           <a:graphicData uri="http://schemas.openxmlformats.org/presentationml/2006/ole">
             <mc:AlternateContent xmlns:mc="http://schemas.openxmlformats.org/markup-compatibility/2006">
               <mc:Choice xmlns:v="urn:schemas-microsoft-com:vml" Requires="v">
-                <p:oleObj spid="_x0000_s8220" name="Acrobat Document" r:id="rId4" imgW="4400418" imgH="2533650" progId="AcroExch.Document.DC">
+                <p:oleObj spid="_x0000_s8248" name="Acrobat Document" r:id="rId4" imgW="4400418" imgH="2533650" progId="AcroExch.Document.DC">
                   <p:embed/>
                 </p:oleObj>
               </mc:Choice>
@@ -10386,7 +11858,7 @@
             </a:pPr>
             <a:fld id="{00000000-1234-1234-1234-123412341234}" type="slidenum">
               <a:rPr lang="en-US" smtClean="0"/>
-              <a:t>14</a:t>
+              <a:t>15</a:t>
             </a:fld>
             <a:endParaRPr lang="en-US" dirty="0"/>
           </a:p>
@@ -11024,6 +12496,52 @@
           </a:p>
         </p:txBody>
       </p:sp>
+      <p:sp>
+        <p:nvSpPr>
+          <p:cNvPr id="2" name="Zaoblený obdélník 1"/>
+          <p:cNvSpPr/>
+          <p:nvPr/>
+        </p:nvSpPr>
+        <p:spPr>
+          <a:xfrm>
+            <a:off x="179512" y="2931790"/>
+            <a:ext cx="8784976" cy="1872208"/>
+          </a:xfrm>
+          <a:prstGeom prst="roundRect">
+            <a:avLst/>
+          </a:prstGeom>
+          <a:noFill/>
+          <a:ln>
+            <a:solidFill>
+              <a:srgbClr val="F47B20"/>
+            </a:solidFill>
+          </a:ln>
+        </p:spPr>
+        <p:style>
+          <a:lnRef idx="2">
+            <a:schemeClr val="accent1">
+              <a:shade val="50000"/>
+            </a:schemeClr>
+          </a:lnRef>
+          <a:fillRef idx="1">
+            <a:schemeClr val="accent1"/>
+          </a:fillRef>
+          <a:effectRef idx="0">
+            <a:schemeClr val="accent1"/>
+          </a:effectRef>
+          <a:fontRef idx="minor">
+            <a:schemeClr val="lt1"/>
+          </a:fontRef>
+        </p:style>
+        <p:txBody>
+          <a:bodyPr rtlCol="0" anchor="ctr"/>
+          <a:lstStyle/>
+          <a:p>
+            <a:pPr algn="ctr"/>
+            <a:endParaRPr lang="en-US"/>
+          </a:p>
+        </p:txBody>
+      </p:sp>
     </p:spTree>
     <p:extLst>
       <p:ext uri="{BB962C8B-B14F-4D97-AF65-F5344CB8AC3E}">
@@ -11063,220 +12581,7 @@
       </p:grpSpPr>
       <p:sp>
         <p:nvSpPr>
-          <p:cNvPr id="2" name="Zástupný symbol pro text 1"/>
-          <p:cNvSpPr>
-            <a:spLocks noGrp="1"/>
-          </p:cNvSpPr>
-          <p:nvPr>
-            <p:ph type="body" idx="1"/>
-          </p:nvPr>
-        </p:nvSpPr>
-        <p:spPr>
-          <a:xfrm>
-            <a:off x="107504" y="699542"/>
-            <a:ext cx="4464496" cy="3869333"/>
-          </a:xfrm>
-        </p:spPr>
-        <p:txBody>
-          <a:bodyPr/>
-          <a:lstStyle/>
-          <a:p>
-            <a:pPr marL="139700" indent="0">
-              <a:buNone/>
-            </a:pPr>
-            <a:r>
-              <a:rPr lang="en-US" sz="1800" b="1" dirty="0" err="1" smtClean="0">
-                <a:solidFill>
-                  <a:srgbClr val="F47B20"/>
-                </a:solidFill>
-              </a:rPr>
-              <a:t>UMR</a:t>
-            </a:r>
-            <a:endParaRPr lang="en-US" sz="1800" b="1" dirty="0" smtClean="0">
-              <a:solidFill>
-                <a:srgbClr val="F47B20"/>
-              </a:solidFill>
-            </a:endParaRPr>
-          </a:p>
-          <a:p>
-            <a:pPr marL="357188" indent="-242888">
-              <a:buClr>
-                <a:srgbClr val="000000"/>
-              </a:buClr>
-              <a:buSzPct val="70000"/>
-            </a:pPr>
-            <a:r>
-              <a:rPr lang="en-US" sz="1600" dirty="0" smtClean="0">
-                <a:solidFill>
-                  <a:schemeClr val="dk1"/>
-                </a:solidFill>
-              </a:rPr>
-              <a:t>represents meaning</a:t>
-            </a:r>
-          </a:p>
-          <a:p>
-            <a:pPr marL="357188" indent="-242888">
-              <a:buClr>
-                <a:srgbClr val="000000"/>
-              </a:buClr>
-              <a:buSzPct val="70000"/>
-            </a:pPr>
-            <a:endParaRPr lang="en-US" sz="1600" dirty="0" smtClean="0">
-              <a:solidFill>
-                <a:schemeClr val="dk1"/>
-              </a:solidFill>
-            </a:endParaRPr>
-          </a:p>
-          <a:p>
-            <a:pPr marL="357188" indent="-242888">
-              <a:buClr>
-                <a:srgbClr val="000000"/>
-              </a:buClr>
-              <a:buSzPct val="70000"/>
-            </a:pPr>
-            <a:r>
-              <a:rPr lang="en-US" sz="1600" dirty="0" smtClean="0">
-                <a:solidFill>
-                  <a:schemeClr val="dk1"/>
-                </a:solidFill>
-              </a:rPr>
-              <a:t>encodes  the frame-based predicate-argument structure of all </a:t>
-            </a:r>
-            <a:r>
-              <a:rPr lang="en-US" sz="1600" dirty="0" err="1" smtClean="0">
-                <a:solidFill>
-                  <a:schemeClr val="dk1"/>
-                </a:solidFill>
-              </a:rPr>
-              <a:t>eventive</a:t>
-            </a:r>
-            <a:r>
-              <a:rPr lang="en-US" sz="1600" dirty="0" smtClean="0">
-                <a:solidFill>
-                  <a:schemeClr val="dk1"/>
-                </a:solidFill>
-              </a:rPr>
-              <a:t> concepts</a:t>
-            </a:r>
-          </a:p>
-          <a:p>
-            <a:pPr marL="357188" indent="-242888">
-              <a:buClr>
-                <a:srgbClr val="000000"/>
-              </a:buClr>
-              <a:buSzPct val="70000"/>
-            </a:pPr>
-            <a:r>
-              <a:rPr lang="en-US" sz="1600" dirty="0" smtClean="0">
-                <a:solidFill>
-                  <a:schemeClr val="dk1"/>
-                </a:solidFill>
-              </a:rPr>
-              <a:t>includes aspectual information</a:t>
-            </a:r>
-          </a:p>
-          <a:p>
-            <a:pPr marL="357188" indent="-242888">
-              <a:buClr>
-                <a:srgbClr val="000000"/>
-              </a:buClr>
-              <a:buSzPct val="70000"/>
-            </a:pPr>
-            <a:r>
-              <a:rPr lang="en-US" sz="1600" dirty="0" smtClean="0">
-                <a:solidFill>
-                  <a:schemeClr val="dk1"/>
-                </a:solidFill>
-              </a:rPr>
-              <a:t>semantic relations crossing </a:t>
-            </a:r>
-            <a:r>
-              <a:rPr lang="en-US" sz="1600" dirty="0" smtClean="0">
-                <a:solidFill>
-                  <a:schemeClr val="tx1"/>
-                </a:solidFill>
-              </a:rPr>
-              <a:t>sentence boundaries:</a:t>
-            </a:r>
-          </a:p>
-          <a:p>
-            <a:pPr marL="814388" lvl="1" indent="-242888">
-              <a:spcBef>
-                <a:spcPts val="0"/>
-              </a:spcBef>
-              <a:buClr>
-                <a:srgbClr val="000000"/>
-              </a:buClr>
-              <a:buSzPct val="70000"/>
-              <a:buFont typeface="Open Sans"/>
-              <a:buChar char="●"/>
-            </a:pPr>
-            <a:r>
-              <a:rPr lang="en-US" sz="1400" dirty="0" err="1" smtClean="0">
-                <a:solidFill>
-                  <a:schemeClr val="tx1"/>
-                </a:solidFill>
-              </a:rPr>
-              <a:t>coreference</a:t>
-            </a:r>
-            <a:endParaRPr lang="en-US" sz="1400" dirty="0" smtClean="0">
-              <a:solidFill>
-                <a:schemeClr val="tx1"/>
-              </a:solidFill>
-            </a:endParaRPr>
-          </a:p>
-          <a:p>
-            <a:pPr marL="814388" lvl="1" indent="-242888">
-              <a:spcBef>
-                <a:spcPts val="0"/>
-              </a:spcBef>
-              <a:buClr>
-                <a:srgbClr val="000000"/>
-              </a:buClr>
-              <a:buSzPct val="70000"/>
-              <a:buFont typeface="Open Sans"/>
-              <a:buChar char="●"/>
-            </a:pPr>
-            <a:r>
-              <a:rPr lang="en-US" sz="1400" dirty="0" smtClean="0">
-                <a:solidFill>
-                  <a:schemeClr val="tx1"/>
-                </a:solidFill>
-              </a:rPr>
-              <a:t>temporal chains</a:t>
-            </a:r>
-          </a:p>
-          <a:p>
-            <a:pPr marL="814388" lvl="1" indent="-242888">
-              <a:spcBef>
-                <a:spcPts val="0"/>
-              </a:spcBef>
-              <a:buClr>
-                <a:srgbClr val="000000"/>
-              </a:buClr>
-              <a:buSzPct val="70000"/>
-              <a:buFont typeface="Open Sans"/>
-              <a:buChar char="●"/>
-            </a:pPr>
-            <a:r>
-              <a:rPr lang="en-US" sz="1400" dirty="0" smtClean="0">
-                <a:solidFill>
-                  <a:schemeClr val="tx1"/>
-                </a:solidFill>
-              </a:rPr>
-              <a:t>epistemic modality</a:t>
-            </a:r>
-            <a:endParaRPr lang="en-US" sz="1400" dirty="0">
-              <a:solidFill>
-                <a:schemeClr val="tx1"/>
-              </a:solidFill>
-            </a:endParaRPr>
-          </a:p>
-        </p:txBody>
-      </p:sp>
-      <p:sp>
-        <p:nvSpPr>
-          <p:cNvPr id="4" name="Zástupný symbol pro číslo snímku 3"/>
+          <p:cNvPr id="3" name="Zástupný symbol pro číslo snímku 2"/>
           <p:cNvSpPr>
             <a:spLocks noGrp="1"/>
           </p:cNvSpPr>
@@ -11299,35 +12604,16 @@
               <a:buNone/>
             </a:pPr>
             <a:fld id="{00000000-1234-1234-1234-123412341234}" type="slidenum">
-              <a:rPr lang="en-US" smtClean="0"/>
+              <a:rPr lang="en" smtClean="0"/>
               <a:t>3</a:t>
             </a:fld>
-            <a:endParaRPr lang="en-US" dirty="0"/>
+            <a:endParaRPr lang="en"/>
           </a:p>
         </p:txBody>
       </p:sp>
       <p:sp>
         <p:nvSpPr>
-          <p:cNvPr id="5" name="Podnadpis 4"/>
-          <p:cNvSpPr>
-            <a:spLocks noGrp="1"/>
-          </p:cNvSpPr>
-          <p:nvPr>
-            <p:ph type="subTitle" idx="3"/>
-          </p:nvPr>
-        </p:nvSpPr>
-        <p:spPr/>
-        <p:txBody>
-          <a:bodyPr/>
-          <a:lstStyle/>
-          <a:p>
-            <a:endParaRPr lang="en-US" dirty="0"/>
-          </a:p>
-        </p:txBody>
-      </p:sp>
-      <p:sp>
-        <p:nvSpPr>
-          <p:cNvPr id="6" name="Nadpis 5"/>
+          <p:cNvPr id="5" name="Nadpis 4"/>
           <p:cNvSpPr>
             <a:spLocks noGrp="1"/>
           </p:cNvSpPr>
@@ -11341,12 +12627,119 @@
           <a:lstStyle/>
           <a:p>
             <a:r>
-              <a:rPr lang="en-US" dirty="0" err="1" smtClean="0"/>
+              <a:rPr lang="cs-CZ" dirty="0" err="1" smtClean="0"/>
+              <a:t>Uniform</a:t>
+            </a:r>
+            <a:r>
+              <a:rPr lang="cs-CZ" dirty="0" smtClean="0"/>
+              <a:t> </a:t>
+            </a:r>
+            <a:r>
+              <a:rPr lang="cs-CZ" dirty="0" err="1" smtClean="0"/>
+              <a:t>Meaning</a:t>
+            </a:r>
+            <a:r>
+              <a:rPr lang="cs-CZ" dirty="0" smtClean="0"/>
+              <a:t> </a:t>
+            </a:r>
+            <a:r>
+              <a:rPr lang="cs-CZ" dirty="0" err="1" smtClean="0"/>
+              <a:t>Representation</a:t>
+            </a:r>
+            <a:endParaRPr lang="en-US" dirty="0"/>
+          </a:p>
+        </p:txBody>
+      </p:sp>
+      <p:pic>
+        <p:nvPicPr>
+          <p:cNvPr id="2050" name="Picture 2" descr="https://ufallab.ms.mff.cuni.cz/~stepanek/25dmr-slides/img/umr_english.png"/>
+          <p:cNvPicPr>
+            <a:picLocks noChangeAspect="1" noChangeArrowheads="1"/>
+          </p:cNvPicPr>
+          <p:nvPr/>
+        </p:nvPicPr>
+        <p:blipFill>
+          <a:blip r:embed="rId2">
+            <a:extLst>
+              <a:ext uri="{28A0092B-C50C-407E-A947-70E740481C1C}">
+                <a14:useLocalDpi xmlns:a14="http://schemas.microsoft.com/office/drawing/2010/main" val="0"/>
+              </a:ext>
+            </a:extLst>
+          </a:blip>
+          <a:srcRect/>
+          <a:stretch>
+            <a:fillRect/>
+          </a:stretch>
+        </p:blipFill>
+        <p:spPr bwMode="auto">
+          <a:xfrm>
+            <a:off x="6498087" y="771550"/>
+            <a:ext cx="2397866" cy="3744416"/>
+          </a:xfrm>
+          <a:prstGeom prst="rect">
+            <a:avLst/>
+          </a:prstGeom>
+          <a:noFill/>
+          <a:extLst>
+            <a:ext uri="{909E8E84-426E-40DD-AFC4-6F175D3DCCD1}">
+              <a14:hiddenFill xmlns:a14="http://schemas.microsoft.com/office/drawing/2010/main">
+                <a:solidFill>
+                  <a:srgbClr val="FFFFFF"/>
+                </a:solidFill>
+              </a14:hiddenFill>
+            </a:ext>
+          </a:extLst>
+        </p:spPr>
+      </p:pic>
+      <p:sp>
+        <p:nvSpPr>
+          <p:cNvPr id="10" name="Google Shape;59;p10"/>
+          <p:cNvSpPr txBox="1">
+            <a:spLocks noGrp="1"/>
+          </p:cNvSpPr>
+          <p:nvPr>
+            <p:ph type="subTitle" idx="2"/>
+          </p:nvPr>
+        </p:nvSpPr>
+        <p:spPr>
+          <a:xfrm>
+            <a:off x="-8374" y="4928674"/>
+            <a:ext cx="2386500" cy="223200"/>
+          </a:xfrm>
+          <a:prstGeom prst="rect">
+            <a:avLst/>
+          </a:prstGeom>
+        </p:spPr>
+        <p:txBody>
+          <a:bodyPr spcFirstLastPara="1" wrap="square" lIns="91425" tIns="27425" rIns="91425" bIns="9125" anchor="t" anchorCtr="0">
+            <a:noAutofit/>
+          </a:bodyPr>
+          <a:lstStyle/>
+          <a:p>
+            <a:pPr marL="0" lvl="0" indent="0">
+              <a:spcAft>
+                <a:spcPts val="1600"/>
+              </a:spcAft>
+            </a:pPr>
+            <a:r>
+              <a:rPr lang="cs-CZ" dirty="0" err="1"/>
+              <a:t>From</a:t>
+            </a:r>
+            <a:r>
+              <a:rPr lang="cs-CZ" dirty="0"/>
+              <a:t> </a:t>
+            </a:r>
+            <a:r>
+              <a:rPr lang="cs-CZ" dirty="0" err="1"/>
+              <a:t>PDT</a:t>
+            </a:r>
+            <a:r>
+              <a:rPr lang="cs-CZ" dirty="0"/>
+              <a:t> to </a:t>
+            </a:r>
+            <a:r>
+              <a:rPr lang="cs-CZ" dirty="0" err="1"/>
               <a:t>UMR</a:t>
-            </a:r>
-            <a:r>
-              <a:rPr lang="en-US" dirty="0" smtClean="0"/>
-              <a:t> vs. PDT</a:t>
             </a:r>
             <a:endParaRPr lang="en-US" dirty="0"/>
           </a:p>
@@ -11354,221 +12747,1383 @@
       </p:sp>
       <p:sp>
         <p:nvSpPr>
-          <p:cNvPr id="8" name="Zástupný symbol pro text 1"/>
-          <p:cNvSpPr>
-            <a:spLocks noGrp="1"/>
-          </p:cNvSpPr>
-          <p:nvPr>
-            <p:ph type="body" idx="1"/>
-          </p:nvPr>
+          <p:cNvPr id="8" name="TextovéPole 7"/>
+          <p:cNvSpPr txBox="1"/>
+          <p:nvPr/>
         </p:nvSpPr>
         <p:spPr>
           <a:xfrm>
-            <a:off x="4644008" y="699542"/>
-            <a:ext cx="4464496" cy="3869333"/>
+            <a:off x="251520" y="534498"/>
+            <a:ext cx="6048672" cy="4413516"/>
           </a:xfrm>
+          <a:prstGeom prst="rect">
+            <a:avLst/>
+          </a:prstGeom>
+          <a:noFill/>
         </p:spPr>
         <p:txBody>
-          <a:bodyPr/>
+          <a:bodyPr wrap="square" rtlCol="0">
+            <a:spAutoFit/>
+          </a:bodyPr>
           <a:lstStyle/>
           <a:p>
-            <a:pPr marL="139700" indent="0">
-              <a:buNone/>
-            </a:pPr>
-            <a:r>
-              <a:rPr lang="en-US" sz="1800" b="1" dirty="0" smtClean="0">
-                <a:solidFill>
-                  <a:srgbClr val="F47B20"/>
-                </a:solidFill>
-              </a:rPr>
-              <a:t>PDT</a:t>
-            </a:r>
-          </a:p>
-          <a:p>
-            <a:pPr marL="357188" indent="-242888">
-              <a:buClr>
-                <a:srgbClr val="000000"/>
-              </a:buClr>
-              <a:buSzPct val="70000"/>
-            </a:pPr>
-            <a:r>
-              <a:rPr lang="en-US" sz="1600" dirty="0" smtClean="0">
+            <a:pPr>
+              <a:lnSpc>
+                <a:spcPct val="90000"/>
+              </a:lnSpc>
+            </a:pPr>
+            <a:r>
+              <a:rPr lang="en-US" sz="1200" dirty="0" smtClean="0">
+                <a:latin typeface="Consolas" panose="020B0609020204030204" pitchFamily="49" charset="0"/>
+              </a:rPr>
+              <a:t>########################################################### </a:t>
+            </a:r>
+            <a:endParaRPr lang="cs-CZ" sz="1200" dirty="0" smtClean="0">
+              <a:latin typeface="Consolas" panose="020B0609020204030204" pitchFamily="49" charset="0"/>
+            </a:endParaRPr>
+          </a:p>
+          <a:p>
+            <a:pPr>
+              <a:lnSpc>
+                <a:spcPct val="90000"/>
+              </a:lnSpc>
+            </a:pPr>
+            <a:r>
+              <a:rPr lang="en-US" sz="1200" dirty="0" smtClean="0">
+                <a:latin typeface="Consolas" panose="020B0609020204030204" pitchFamily="49" charset="0"/>
+              </a:rPr>
+              <a:t># </a:t>
+            </a:r>
+            <a:r>
+              <a:rPr lang="en-US" sz="1200" dirty="0">
+                <a:latin typeface="Consolas" panose="020B0609020204030204" pitchFamily="49" charset="0"/>
+              </a:rPr>
+              <a:t>meta-info :: </a:t>
+            </a:r>
+            <a:r>
+              <a:rPr lang="en-US" sz="1200" dirty="0" err="1">
+                <a:latin typeface="Consolas" panose="020B0609020204030204" pitchFamily="49" charset="0"/>
+              </a:rPr>
+              <a:t>sent_id</a:t>
+            </a:r>
+            <a:r>
+              <a:rPr lang="en-US" sz="1200" dirty="0">
+                <a:latin typeface="Consolas" panose="020B0609020204030204" pitchFamily="49" charset="0"/>
+              </a:rPr>
+              <a:t> = </a:t>
+            </a:r>
+            <a:r>
+              <a:rPr lang="en-US" sz="1200" dirty="0" err="1">
+                <a:latin typeface="Consolas" panose="020B0609020204030204" pitchFamily="49" charset="0"/>
+              </a:rPr>
+              <a:t>u_tree</a:t>
+            </a:r>
+            <a:r>
+              <a:rPr lang="en-US" sz="1200" dirty="0">
+                <a:latin typeface="Consolas" panose="020B0609020204030204" pitchFamily="49" charset="0"/>
+              </a:rPr>
+              <a:t>-</a:t>
+            </a:r>
+            <a:r>
+              <a:rPr lang="en-US" sz="1200" dirty="0" err="1">
+                <a:latin typeface="Consolas" panose="020B0609020204030204" pitchFamily="49" charset="0"/>
+              </a:rPr>
+              <a:t>cs</a:t>
+            </a:r>
+            <a:r>
+              <a:rPr lang="en-US" sz="1200" dirty="0">
+                <a:latin typeface="Consolas" panose="020B0609020204030204" pitchFamily="49" charset="0"/>
+              </a:rPr>
+              <a:t>-</a:t>
+            </a:r>
+            <a:r>
+              <a:rPr lang="en-US" sz="1200" dirty="0" err="1">
+                <a:latin typeface="Consolas" panose="020B0609020204030204" pitchFamily="49" charset="0"/>
+              </a:rPr>
+              <a:t>s1</a:t>
+            </a:r>
+            <a:r>
+              <a:rPr lang="en-US" sz="1200" dirty="0">
+                <a:latin typeface="Consolas" panose="020B0609020204030204" pitchFamily="49" charset="0"/>
+              </a:rPr>
+              <a:t>-root </a:t>
+            </a:r>
+            <a:endParaRPr lang="cs-CZ" sz="1200" dirty="0" smtClean="0">
+              <a:latin typeface="Consolas" panose="020B0609020204030204" pitchFamily="49" charset="0"/>
+            </a:endParaRPr>
+          </a:p>
+          <a:p>
+            <a:pPr>
+              <a:lnSpc>
+                <a:spcPct val="90000"/>
+              </a:lnSpc>
+            </a:pPr>
+            <a:r>
+              <a:rPr lang="en-US" sz="1200" dirty="0" smtClean="0">
+                <a:latin typeface="Consolas" panose="020B0609020204030204" pitchFamily="49" charset="0"/>
+              </a:rPr>
+              <a:t># </a:t>
+            </a:r>
+            <a:r>
+              <a:rPr lang="en-US" sz="1200" dirty="0">
+                <a:latin typeface="Consolas" panose="020B0609020204030204" pitchFamily="49" charset="0"/>
+              </a:rPr>
+              <a:t>:: </a:t>
+            </a:r>
+            <a:r>
+              <a:rPr lang="en-US" sz="1200" dirty="0" err="1">
+                <a:latin typeface="Consolas" panose="020B0609020204030204" pitchFamily="49" charset="0"/>
+              </a:rPr>
+              <a:t>snt1</a:t>
+            </a:r>
+            <a:r>
+              <a:rPr lang="en-US" sz="1200" dirty="0">
+                <a:latin typeface="Consolas" panose="020B0609020204030204" pitchFamily="49" charset="0"/>
+              </a:rPr>
+              <a:t> </a:t>
+            </a:r>
+            <a:endParaRPr lang="cs-CZ" sz="1200" dirty="0" smtClean="0">
+              <a:latin typeface="Consolas" panose="020B0609020204030204" pitchFamily="49" charset="0"/>
+            </a:endParaRPr>
+          </a:p>
+          <a:p>
+            <a:pPr>
+              <a:lnSpc>
+                <a:spcPct val="90000"/>
+              </a:lnSpc>
+            </a:pPr>
+            <a:r>
+              <a:rPr lang="en-US" sz="1200" dirty="0" smtClean="0">
+                <a:latin typeface="Consolas" panose="020B0609020204030204" pitchFamily="49" charset="0"/>
+              </a:rPr>
+              <a:t>Index</a:t>
+            </a:r>
+            <a:r>
+              <a:rPr lang="en-US" sz="1200" dirty="0">
+                <a:latin typeface="Consolas" panose="020B0609020204030204" pitchFamily="49" charset="0"/>
+              </a:rPr>
+              <a:t>: </a:t>
+            </a:r>
+            <a:r>
+              <a:rPr lang="en-US" sz="1200" dirty="0" smtClean="0">
+                <a:latin typeface="Consolas" panose="020B0609020204030204" pitchFamily="49" charset="0"/>
+              </a:rPr>
+              <a:t>1</a:t>
+            </a:r>
+            <a:r>
+              <a:rPr lang="cs-CZ" sz="1200" dirty="0" smtClean="0">
+                <a:latin typeface="Consolas" panose="020B0609020204030204" pitchFamily="49" charset="0"/>
+              </a:rPr>
+              <a:t> </a:t>
+            </a:r>
+            <a:r>
+              <a:rPr lang="en-US" sz="1200" dirty="0" smtClean="0">
+                <a:latin typeface="Consolas" panose="020B0609020204030204" pitchFamily="49" charset="0"/>
+              </a:rPr>
+              <a:t> </a:t>
+            </a:r>
+            <a:r>
+              <a:rPr lang="cs-CZ" sz="1200" dirty="0" smtClean="0">
+                <a:latin typeface="Consolas" panose="020B0609020204030204" pitchFamily="49" charset="0"/>
+              </a:rPr>
+              <a:t>     </a:t>
+            </a:r>
+            <a:r>
+              <a:rPr lang="en-US" sz="1200" dirty="0" smtClean="0">
+                <a:latin typeface="Consolas" panose="020B0609020204030204" pitchFamily="49" charset="0"/>
+              </a:rPr>
+              <a:t>2 </a:t>
+            </a:r>
+            <a:r>
+              <a:rPr lang="cs-CZ" sz="1200" dirty="0" smtClean="0">
+                <a:latin typeface="Consolas" panose="020B0609020204030204" pitchFamily="49" charset="0"/>
+              </a:rPr>
+              <a:t>   </a:t>
+            </a:r>
+            <a:r>
+              <a:rPr lang="en-US" sz="1200" dirty="0" smtClean="0">
+                <a:latin typeface="Consolas" panose="020B0609020204030204" pitchFamily="49" charset="0"/>
+              </a:rPr>
+              <a:t>3 </a:t>
+            </a:r>
+            <a:r>
+              <a:rPr lang="cs-CZ" sz="1200" dirty="0" smtClean="0">
+                <a:latin typeface="Consolas" panose="020B0609020204030204" pitchFamily="49" charset="0"/>
+              </a:rPr>
+              <a:t> </a:t>
+            </a:r>
+            <a:r>
+              <a:rPr lang="en-US" sz="1200" dirty="0" smtClean="0">
+                <a:latin typeface="Consolas" panose="020B0609020204030204" pitchFamily="49" charset="0"/>
+              </a:rPr>
+              <a:t>4 </a:t>
+            </a:r>
+            <a:r>
+              <a:rPr lang="cs-CZ" sz="1200" dirty="0" smtClean="0">
+                <a:latin typeface="Consolas" panose="020B0609020204030204" pitchFamily="49" charset="0"/>
+              </a:rPr>
+              <a:t>    </a:t>
+            </a:r>
+            <a:r>
+              <a:rPr lang="en-US" sz="1200" dirty="0" smtClean="0">
+                <a:latin typeface="Consolas" panose="020B0609020204030204" pitchFamily="49" charset="0"/>
+              </a:rPr>
+              <a:t>5 </a:t>
+            </a:r>
+            <a:r>
+              <a:rPr lang="cs-CZ" sz="1200" dirty="0" smtClean="0">
+                <a:latin typeface="Consolas" panose="020B0609020204030204" pitchFamily="49" charset="0"/>
+              </a:rPr>
+              <a:t> </a:t>
+            </a:r>
+            <a:r>
+              <a:rPr lang="en-US" sz="1200" dirty="0" smtClean="0">
+                <a:latin typeface="Consolas" panose="020B0609020204030204" pitchFamily="49" charset="0"/>
+              </a:rPr>
+              <a:t>6 </a:t>
+            </a:r>
+            <a:r>
+              <a:rPr lang="cs-CZ" sz="1200" dirty="0" smtClean="0">
+                <a:latin typeface="Consolas" panose="020B0609020204030204" pitchFamily="49" charset="0"/>
+              </a:rPr>
+              <a:t>  </a:t>
+            </a:r>
+            <a:r>
+              <a:rPr lang="en-US" sz="1200" dirty="0" smtClean="0">
+                <a:latin typeface="Consolas" panose="020B0609020204030204" pitchFamily="49" charset="0"/>
+              </a:rPr>
+              <a:t>7 </a:t>
+            </a:r>
+            <a:r>
+              <a:rPr lang="cs-CZ" sz="1200" dirty="0" smtClean="0">
+                <a:latin typeface="Consolas" panose="020B0609020204030204" pitchFamily="49" charset="0"/>
+              </a:rPr>
+              <a:t>    </a:t>
+            </a:r>
+            <a:r>
+              <a:rPr lang="en-US" sz="1200" dirty="0" smtClean="0">
+                <a:latin typeface="Consolas" panose="020B0609020204030204" pitchFamily="49" charset="0"/>
+              </a:rPr>
+              <a:t>8 </a:t>
+            </a:r>
+            <a:endParaRPr lang="cs-CZ" sz="1200" dirty="0" smtClean="0">
+              <a:latin typeface="Consolas" panose="020B0609020204030204" pitchFamily="49" charset="0"/>
+            </a:endParaRPr>
+          </a:p>
+          <a:p>
+            <a:pPr>
+              <a:lnSpc>
+                <a:spcPct val="90000"/>
+              </a:lnSpc>
+            </a:pPr>
+            <a:r>
+              <a:rPr lang="en-US" sz="1200" dirty="0" smtClean="0">
+                <a:latin typeface="Consolas" panose="020B0609020204030204" pitchFamily="49" charset="0"/>
+              </a:rPr>
+              <a:t>Words</a:t>
+            </a:r>
+            <a:r>
+              <a:rPr lang="en-US" sz="1200" dirty="0">
+                <a:latin typeface="Consolas" panose="020B0609020204030204" pitchFamily="49" charset="0"/>
+              </a:rPr>
+              <a:t>: Lindsay left in order to eat lunch . </a:t>
+            </a:r>
+            <a:endParaRPr lang="cs-CZ" sz="1200" dirty="0" smtClean="0">
+              <a:latin typeface="Consolas" panose="020B0609020204030204" pitchFamily="49" charset="0"/>
+            </a:endParaRPr>
+          </a:p>
+          <a:p>
+            <a:pPr>
+              <a:lnSpc>
+                <a:spcPct val="90000"/>
+              </a:lnSpc>
+            </a:pPr>
+            <a:endParaRPr lang="cs-CZ" sz="1200" dirty="0">
+              <a:latin typeface="Consolas" panose="020B0609020204030204" pitchFamily="49" charset="0"/>
+            </a:endParaRPr>
+          </a:p>
+          <a:p>
+            <a:pPr>
+              <a:lnSpc>
+                <a:spcPct val="90000"/>
+              </a:lnSpc>
+            </a:pPr>
+            <a:r>
+              <a:rPr lang="en-US" sz="1200" dirty="0" smtClean="0">
+                <a:latin typeface="Consolas" panose="020B0609020204030204" pitchFamily="49" charset="0"/>
+              </a:rPr>
+              <a:t># </a:t>
+            </a:r>
+            <a:r>
+              <a:rPr lang="en-US" sz="1200" dirty="0">
+                <a:latin typeface="Consolas" panose="020B0609020204030204" pitchFamily="49" charset="0"/>
+              </a:rPr>
+              <a:t>sentence level graph: </a:t>
+            </a:r>
+            <a:endParaRPr lang="cs-CZ" sz="1200" dirty="0" smtClean="0">
+              <a:latin typeface="Consolas" panose="020B0609020204030204" pitchFamily="49" charset="0"/>
+            </a:endParaRPr>
+          </a:p>
+          <a:p>
+            <a:pPr>
+              <a:lnSpc>
+                <a:spcPct val="90000"/>
+              </a:lnSpc>
+            </a:pPr>
+            <a:r>
+              <a:rPr lang="en-US" sz="1200" dirty="0" smtClean="0">
+                <a:latin typeface="Consolas" panose="020B0609020204030204" pitchFamily="49" charset="0"/>
+              </a:rPr>
+              <a:t>(</a:t>
+            </a:r>
+            <a:r>
+              <a:rPr lang="en-US" sz="1200" dirty="0" err="1">
+                <a:latin typeface="Consolas" panose="020B0609020204030204" pitchFamily="49" charset="0"/>
+              </a:rPr>
+              <a:t>s1l</a:t>
+            </a:r>
+            <a:r>
+              <a:rPr lang="en-US" sz="1200" dirty="0">
+                <a:latin typeface="Consolas" panose="020B0609020204030204" pitchFamily="49" charset="0"/>
+              </a:rPr>
+              <a:t> / </a:t>
+            </a:r>
+            <a:r>
+              <a:rPr lang="en-US" sz="1200" dirty="0" smtClean="0">
+                <a:latin typeface="Consolas" panose="020B0609020204030204" pitchFamily="49" charset="0"/>
+              </a:rPr>
+              <a:t>leave-02</a:t>
+            </a:r>
+            <a:endParaRPr lang="cs-CZ" sz="1200" dirty="0" smtClean="0">
+              <a:latin typeface="Consolas" panose="020B0609020204030204" pitchFamily="49" charset="0"/>
+            </a:endParaRPr>
+          </a:p>
+          <a:p>
+            <a:pPr>
+              <a:lnSpc>
+                <a:spcPct val="90000"/>
+              </a:lnSpc>
+            </a:pPr>
+            <a:r>
+              <a:rPr lang="en-US" sz="1200" dirty="0" smtClean="0">
+                <a:latin typeface="Consolas" panose="020B0609020204030204" pitchFamily="49" charset="0"/>
+              </a:rPr>
+              <a:t> </a:t>
+            </a:r>
+            <a:r>
+              <a:rPr lang="cs-CZ" sz="1200" dirty="0" smtClean="0">
+                <a:latin typeface="Consolas" panose="020B0609020204030204" pitchFamily="49" charset="0"/>
+              </a:rPr>
+              <a:t>  </a:t>
+            </a:r>
+            <a:r>
+              <a:rPr lang="en-US" sz="1200" dirty="0" smtClean="0">
+                <a:latin typeface="Consolas" panose="020B0609020204030204" pitchFamily="49" charset="0"/>
+              </a:rPr>
+              <a:t>:</a:t>
+            </a:r>
+            <a:r>
+              <a:rPr lang="en-US" sz="1200" dirty="0" err="1">
+                <a:latin typeface="Consolas" panose="020B0609020204030204" pitchFamily="49" charset="0"/>
+              </a:rPr>
+              <a:t>ARG0</a:t>
+            </a:r>
+            <a:r>
+              <a:rPr lang="en-US" sz="1200" dirty="0">
+                <a:latin typeface="Consolas" panose="020B0609020204030204" pitchFamily="49" charset="0"/>
+              </a:rPr>
+              <a:t> (</a:t>
+            </a:r>
+            <a:r>
+              <a:rPr lang="en-US" sz="1200" dirty="0" err="1">
+                <a:latin typeface="Consolas" panose="020B0609020204030204" pitchFamily="49" charset="0"/>
+              </a:rPr>
+              <a:t>s1p</a:t>
+            </a:r>
+            <a:r>
+              <a:rPr lang="en-US" sz="1200" dirty="0">
+                <a:latin typeface="Consolas" panose="020B0609020204030204" pitchFamily="49" charset="0"/>
+              </a:rPr>
+              <a:t> / </a:t>
+            </a:r>
+            <a:r>
+              <a:rPr lang="en-US" sz="1200" dirty="0" smtClean="0">
+                <a:latin typeface="Consolas" panose="020B0609020204030204" pitchFamily="49" charset="0"/>
+              </a:rPr>
+              <a:t>person</a:t>
+            </a:r>
+            <a:endParaRPr lang="cs-CZ" sz="1200" dirty="0" smtClean="0">
+              <a:latin typeface="Consolas" panose="020B0609020204030204" pitchFamily="49" charset="0"/>
+            </a:endParaRPr>
+          </a:p>
+          <a:p>
+            <a:pPr>
+              <a:lnSpc>
+                <a:spcPct val="90000"/>
+              </a:lnSpc>
+            </a:pPr>
+            <a:r>
+              <a:rPr lang="cs-CZ" sz="1200" dirty="0">
+                <a:latin typeface="Consolas" panose="020B0609020204030204" pitchFamily="49" charset="0"/>
+              </a:rPr>
+              <a:t> </a:t>
+            </a:r>
+            <a:r>
+              <a:rPr lang="cs-CZ" sz="1200" dirty="0" smtClean="0">
+                <a:latin typeface="Consolas" panose="020B0609020204030204" pitchFamily="49" charset="0"/>
+              </a:rPr>
+              <a:t> </a:t>
+            </a:r>
+            <a:r>
+              <a:rPr lang="en-US" sz="1200" dirty="0" smtClean="0">
+                <a:latin typeface="Consolas" panose="020B0609020204030204" pitchFamily="49" charset="0"/>
+              </a:rPr>
+              <a:t> </a:t>
+            </a:r>
+            <a:r>
+              <a:rPr lang="cs-CZ" sz="1200" dirty="0" smtClean="0">
+                <a:latin typeface="Consolas" panose="020B0609020204030204" pitchFamily="49" charset="0"/>
+              </a:rPr>
+              <a:t>      </a:t>
+            </a:r>
+            <a:r>
+              <a:rPr lang="en-US" sz="1200" dirty="0" smtClean="0">
+                <a:latin typeface="Consolas" panose="020B0609020204030204" pitchFamily="49" charset="0"/>
+              </a:rPr>
+              <a:t>:</a:t>
+            </a:r>
+            <a:r>
+              <a:rPr lang="en-US" sz="1200" dirty="0">
+                <a:latin typeface="Consolas" panose="020B0609020204030204" pitchFamily="49" charset="0"/>
+              </a:rPr>
+              <a:t>name (</a:t>
+            </a:r>
+            <a:r>
+              <a:rPr lang="en-US" sz="1200" dirty="0" err="1">
+                <a:latin typeface="Consolas" panose="020B0609020204030204" pitchFamily="49" charset="0"/>
+              </a:rPr>
+              <a:t>s1n</a:t>
+            </a:r>
+            <a:r>
+              <a:rPr lang="en-US" sz="1200" dirty="0">
+                <a:latin typeface="Consolas" panose="020B0609020204030204" pitchFamily="49" charset="0"/>
+              </a:rPr>
+              <a:t> / name :</a:t>
+            </a:r>
+            <a:r>
+              <a:rPr lang="en-US" sz="1200" dirty="0" err="1">
+                <a:latin typeface="Consolas" panose="020B0609020204030204" pitchFamily="49" charset="0"/>
+              </a:rPr>
+              <a:t>op1</a:t>
+            </a:r>
+            <a:r>
+              <a:rPr lang="en-US" sz="1200" dirty="0">
+                <a:latin typeface="Consolas" panose="020B0609020204030204" pitchFamily="49" charset="0"/>
+              </a:rPr>
+              <a:t> "Lindsay")) </a:t>
+            </a:r>
+            <a:endParaRPr lang="cs-CZ" sz="1200" dirty="0" smtClean="0">
+              <a:latin typeface="Consolas" panose="020B0609020204030204" pitchFamily="49" charset="0"/>
+            </a:endParaRPr>
+          </a:p>
+          <a:p>
+            <a:pPr>
+              <a:lnSpc>
+                <a:spcPct val="90000"/>
+              </a:lnSpc>
+            </a:pPr>
+            <a:r>
+              <a:rPr lang="cs-CZ" sz="1200" dirty="0">
+                <a:latin typeface="Consolas" panose="020B0609020204030204" pitchFamily="49" charset="0"/>
+              </a:rPr>
+              <a:t> </a:t>
+            </a:r>
+            <a:r>
+              <a:rPr lang="cs-CZ" sz="1200" dirty="0" smtClean="0">
+                <a:latin typeface="Consolas" panose="020B0609020204030204" pitchFamily="49" charset="0"/>
+              </a:rPr>
+              <a:t>  </a:t>
+            </a:r>
+            <a:r>
+              <a:rPr lang="en-US" sz="1200" dirty="0" smtClean="0">
+                <a:latin typeface="Consolas" panose="020B0609020204030204" pitchFamily="49" charset="0"/>
+              </a:rPr>
+              <a:t>:</a:t>
+            </a:r>
+            <a:r>
+              <a:rPr lang="en-US" sz="1200" dirty="0">
+                <a:latin typeface="Consolas" panose="020B0609020204030204" pitchFamily="49" charset="0"/>
+              </a:rPr>
+              <a:t>aspect performance </a:t>
+            </a:r>
+            <a:endParaRPr lang="cs-CZ" sz="1200" dirty="0" smtClean="0">
+              <a:latin typeface="Consolas" panose="020B0609020204030204" pitchFamily="49" charset="0"/>
+            </a:endParaRPr>
+          </a:p>
+          <a:p>
+            <a:pPr>
+              <a:lnSpc>
+                <a:spcPct val="90000"/>
+              </a:lnSpc>
+            </a:pPr>
+            <a:r>
+              <a:rPr lang="cs-CZ" sz="1200" dirty="0">
+                <a:latin typeface="Consolas" panose="020B0609020204030204" pitchFamily="49" charset="0"/>
+              </a:rPr>
+              <a:t> </a:t>
+            </a:r>
+            <a:r>
+              <a:rPr lang="cs-CZ" sz="1200" dirty="0" smtClean="0">
+                <a:latin typeface="Consolas" panose="020B0609020204030204" pitchFamily="49" charset="0"/>
+              </a:rPr>
+              <a:t>  </a:t>
+            </a:r>
+            <a:r>
+              <a:rPr lang="en-US" sz="1200" dirty="0" smtClean="0">
+                <a:latin typeface="Consolas" panose="020B0609020204030204" pitchFamily="49" charset="0"/>
+              </a:rPr>
+              <a:t>:</a:t>
+            </a:r>
+            <a:r>
+              <a:rPr lang="en-US" sz="1200" dirty="0">
+                <a:latin typeface="Consolas" panose="020B0609020204030204" pitchFamily="49" charset="0"/>
+              </a:rPr>
+              <a:t>purpose (</a:t>
+            </a:r>
+            <a:r>
+              <a:rPr lang="en-US" sz="1200" dirty="0" err="1">
+                <a:latin typeface="Consolas" panose="020B0609020204030204" pitchFamily="49" charset="0"/>
+              </a:rPr>
+              <a:t>s1e</a:t>
+            </a:r>
+            <a:r>
+              <a:rPr lang="en-US" sz="1200" dirty="0">
+                <a:latin typeface="Consolas" panose="020B0609020204030204" pitchFamily="49" charset="0"/>
+              </a:rPr>
+              <a:t> / eat-01 </a:t>
+            </a:r>
+            <a:endParaRPr lang="cs-CZ" sz="1200" dirty="0" smtClean="0">
+              <a:latin typeface="Consolas" panose="020B0609020204030204" pitchFamily="49" charset="0"/>
+            </a:endParaRPr>
+          </a:p>
+          <a:p>
+            <a:pPr>
+              <a:lnSpc>
+                <a:spcPct val="90000"/>
+              </a:lnSpc>
+            </a:pPr>
+            <a:r>
+              <a:rPr lang="cs-CZ" sz="1200" dirty="0">
+                <a:latin typeface="Consolas" panose="020B0609020204030204" pitchFamily="49" charset="0"/>
+              </a:rPr>
+              <a:t> </a:t>
+            </a:r>
+            <a:r>
+              <a:rPr lang="cs-CZ" sz="1200" dirty="0" smtClean="0">
+                <a:latin typeface="Consolas" panose="020B0609020204030204" pitchFamily="49" charset="0"/>
+              </a:rPr>
+              <a:t>        </a:t>
+            </a:r>
+            <a:r>
+              <a:rPr lang="en-US" sz="1200" dirty="0" smtClean="0">
+                <a:latin typeface="Consolas" panose="020B0609020204030204" pitchFamily="49" charset="0"/>
+              </a:rPr>
+              <a:t>:</a:t>
+            </a:r>
+            <a:r>
+              <a:rPr lang="en-US" sz="1200" dirty="0" err="1">
+                <a:latin typeface="Consolas" panose="020B0609020204030204" pitchFamily="49" charset="0"/>
+              </a:rPr>
+              <a:t>ARG0</a:t>
+            </a:r>
+            <a:r>
+              <a:rPr lang="en-US" sz="1200" dirty="0">
+                <a:latin typeface="Consolas" panose="020B0609020204030204" pitchFamily="49" charset="0"/>
+              </a:rPr>
+              <a:t> </a:t>
+            </a:r>
+            <a:r>
+              <a:rPr lang="en-US" sz="1200" dirty="0" err="1">
+                <a:latin typeface="Consolas" panose="020B0609020204030204" pitchFamily="49" charset="0"/>
+              </a:rPr>
+              <a:t>s1p</a:t>
+            </a:r>
+            <a:r>
+              <a:rPr lang="en-US" sz="1200" dirty="0">
+                <a:latin typeface="Consolas" panose="020B0609020204030204" pitchFamily="49" charset="0"/>
+              </a:rPr>
+              <a:t> </a:t>
+            </a:r>
+            <a:endParaRPr lang="cs-CZ" sz="1200" dirty="0" smtClean="0">
+              <a:latin typeface="Consolas" panose="020B0609020204030204" pitchFamily="49" charset="0"/>
+            </a:endParaRPr>
+          </a:p>
+          <a:p>
+            <a:pPr>
+              <a:lnSpc>
+                <a:spcPct val="90000"/>
+              </a:lnSpc>
+            </a:pPr>
+            <a:r>
+              <a:rPr lang="cs-CZ" sz="1200" dirty="0">
+                <a:latin typeface="Consolas" panose="020B0609020204030204" pitchFamily="49" charset="0"/>
+              </a:rPr>
+              <a:t> </a:t>
+            </a:r>
+            <a:r>
+              <a:rPr lang="cs-CZ" sz="1200" dirty="0" smtClean="0">
+                <a:latin typeface="Consolas" panose="020B0609020204030204" pitchFamily="49" charset="0"/>
+              </a:rPr>
+              <a:t>        </a:t>
+            </a:r>
+            <a:r>
+              <a:rPr lang="en-US" sz="1200" dirty="0" smtClean="0">
+                <a:latin typeface="Consolas" panose="020B0609020204030204" pitchFamily="49" charset="0"/>
+              </a:rPr>
+              <a:t>:</a:t>
+            </a:r>
+            <a:r>
+              <a:rPr lang="en-US" sz="1200" dirty="0" err="1">
+                <a:latin typeface="Consolas" panose="020B0609020204030204" pitchFamily="49" charset="0"/>
+              </a:rPr>
+              <a:t>ARG1</a:t>
+            </a:r>
+            <a:r>
+              <a:rPr lang="en-US" sz="1200" dirty="0">
+                <a:latin typeface="Consolas" panose="020B0609020204030204" pitchFamily="49" charset="0"/>
+              </a:rPr>
+              <a:t> (</a:t>
+            </a:r>
+            <a:r>
+              <a:rPr lang="en-US" sz="1200" dirty="0" err="1">
+                <a:latin typeface="Consolas" panose="020B0609020204030204" pitchFamily="49" charset="0"/>
+              </a:rPr>
+              <a:t>s1l2</a:t>
+            </a:r>
+            <a:r>
+              <a:rPr lang="en-US" sz="1200" dirty="0">
+                <a:latin typeface="Consolas" panose="020B0609020204030204" pitchFamily="49" charset="0"/>
+              </a:rPr>
+              <a:t> / lunch) </a:t>
+            </a:r>
+            <a:endParaRPr lang="cs-CZ" sz="1200" dirty="0" smtClean="0">
+              <a:latin typeface="Consolas" panose="020B0609020204030204" pitchFamily="49" charset="0"/>
+            </a:endParaRPr>
+          </a:p>
+          <a:p>
+            <a:pPr>
+              <a:lnSpc>
+                <a:spcPct val="90000"/>
+              </a:lnSpc>
+            </a:pPr>
+            <a:r>
+              <a:rPr lang="cs-CZ" sz="1200" dirty="0">
+                <a:latin typeface="Consolas" panose="020B0609020204030204" pitchFamily="49" charset="0"/>
+              </a:rPr>
+              <a:t> </a:t>
+            </a:r>
+            <a:r>
+              <a:rPr lang="cs-CZ" sz="1200" dirty="0" smtClean="0">
+                <a:latin typeface="Consolas" panose="020B0609020204030204" pitchFamily="49" charset="0"/>
+              </a:rPr>
+              <a:t>        </a:t>
+            </a:r>
+            <a:r>
+              <a:rPr lang="en-US" sz="1200" dirty="0" smtClean="0">
+                <a:latin typeface="Consolas" panose="020B0609020204030204" pitchFamily="49" charset="0"/>
+              </a:rPr>
+              <a:t>:aspect </a:t>
+            </a:r>
+            <a:r>
+              <a:rPr lang="en-US" sz="1200" dirty="0">
+                <a:latin typeface="Consolas" panose="020B0609020204030204" pitchFamily="49" charset="0"/>
+              </a:rPr>
+              <a:t>performance)) </a:t>
+            </a:r>
+            <a:endParaRPr lang="cs-CZ" sz="1200" dirty="0" smtClean="0">
+              <a:latin typeface="Consolas" panose="020B0609020204030204" pitchFamily="49" charset="0"/>
+            </a:endParaRPr>
+          </a:p>
+          <a:p>
+            <a:pPr>
+              <a:lnSpc>
+                <a:spcPct val="90000"/>
+              </a:lnSpc>
+            </a:pPr>
+            <a:endParaRPr lang="cs-CZ" sz="1200" dirty="0">
+              <a:latin typeface="Consolas" panose="020B0609020204030204" pitchFamily="49" charset="0"/>
+            </a:endParaRPr>
+          </a:p>
+          <a:p>
+            <a:pPr>
+              <a:lnSpc>
+                <a:spcPct val="90000"/>
+              </a:lnSpc>
+            </a:pPr>
+            <a:r>
+              <a:rPr lang="en-US" sz="1200" dirty="0" smtClean="0">
+                <a:latin typeface="Consolas" panose="020B0609020204030204" pitchFamily="49" charset="0"/>
+              </a:rPr>
+              <a:t># </a:t>
+            </a:r>
+            <a:r>
+              <a:rPr lang="en-US" sz="1200" dirty="0">
+                <a:latin typeface="Consolas" panose="020B0609020204030204" pitchFamily="49" charset="0"/>
+              </a:rPr>
+              <a:t>alignment: </a:t>
+            </a:r>
+            <a:endParaRPr lang="cs-CZ" sz="1200" dirty="0" smtClean="0">
+              <a:latin typeface="Consolas" panose="020B0609020204030204" pitchFamily="49" charset="0"/>
+            </a:endParaRPr>
+          </a:p>
+          <a:p>
+            <a:pPr>
+              <a:lnSpc>
+                <a:spcPct val="90000"/>
+              </a:lnSpc>
+            </a:pPr>
+            <a:r>
+              <a:rPr lang="en-US" sz="1200" dirty="0" err="1" smtClean="0">
+                <a:latin typeface="Consolas" panose="020B0609020204030204" pitchFamily="49" charset="0"/>
+              </a:rPr>
+              <a:t>s1l</a:t>
+            </a:r>
+            <a:r>
+              <a:rPr lang="en-US" sz="1200" dirty="0">
+                <a:latin typeface="Consolas" panose="020B0609020204030204" pitchFamily="49" charset="0"/>
+              </a:rPr>
+              <a:t>: 2-2 </a:t>
+            </a:r>
+            <a:r>
+              <a:rPr lang="en-US" sz="1200" dirty="0" err="1">
+                <a:latin typeface="Consolas" panose="020B0609020204030204" pitchFamily="49" charset="0"/>
+              </a:rPr>
+              <a:t>s1p</a:t>
+            </a:r>
+            <a:r>
+              <a:rPr lang="en-US" sz="1200" dirty="0">
+                <a:latin typeface="Consolas" panose="020B0609020204030204" pitchFamily="49" charset="0"/>
+              </a:rPr>
+              <a:t>: 1-1 </a:t>
+            </a:r>
+            <a:r>
+              <a:rPr lang="en-US" sz="1200" dirty="0" err="1">
+                <a:latin typeface="Consolas" panose="020B0609020204030204" pitchFamily="49" charset="0"/>
+              </a:rPr>
+              <a:t>s1n</a:t>
+            </a:r>
+            <a:r>
+              <a:rPr lang="en-US" sz="1200" dirty="0">
+                <a:latin typeface="Consolas" panose="020B0609020204030204" pitchFamily="49" charset="0"/>
+              </a:rPr>
+              <a:t>: 0-0 </a:t>
+            </a:r>
+            <a:r>
+              <a:rPr lang="en-US" sz="1200" dirty="0" err="1">
+                <a:latin typeface="Consolas" panose="020B0609020204030204" pitchFamily="49" charset="0"/>
+              </a:rPr>
+              <a:t>s1e</a:t>
+            </a:r>
+            <a:r>
+              <a:rPr lang="en-US" sz="1200" dirty="0">
+                <a:latin typeface="Consolas" panose="020B0609020204030204" pitchFamily="49" charset="0"/>
+              </a:rPr>
+              <a:t>: 6-6 </a:t>
+            </a:r>
+            <a:r>
+              <a:rPr lang="en-US" sz="1200" dirty="0" err="1">
+                <a:latin typeface="Consolas" panose="020B0609020204030204" pitchFamily="49" charset="0"/>
+              </a:rPr>
+              <a:t>s1l2</a:t>
+            </a:r>
+            <a:r>
+              <a:rPr lang="en-US" sz="1200" dirty="0">
+                <a:latin typeface="Consolas" panose="020B0609020204030204" pitchFamily="49" charset="0"/>
+              </a:rPr>
+              <a:t>: 7-7 </a:t>
+            </a:r>
+            <a:endParaRPr lang="cs-CZ" sz="1200" dirty="0" smtClean="0">
+              <a:latin typeface="Consolas" panose="020B0609020204030204" pitchFamily="49" charset="0"/>
+            </a:endParaRPr>
+          </a:p>
+          <a:p>
+            <a:pPr>
+              <a:lnSpc>
+                <a:spcPct val="90000"/>
+              </a:lnSpc>
+            </a:pPr>
+            <a:endParaRPr lang="cs-CZ" sz="1200" dirty="0">
+              <a:latin typeface="Consolas" panose="020B0609020204030204" pitchFamily="49" charset="0"/>
+            </a:endParaRPr>
+          </a:p>
+          <a:p>
+            <a:pPr>
+              <a:lnSpc>
+                <a:spcPct val="90000"/>
+              </a:lnSpc>
+            </a:pPr>
+            <a:r>
+              <a:rPr lang="en-US" sz="1200" dirty="0" smtClean="0">
+                <a:latin typeface="Consolas" panose="020B0609020204030204" pitchFamily="49" charset="0"/>
+              </a:rPr>
+              <a:t># </a:t>
+            </a:r>
+            <a:r>
+              <a:rPr lang="en-US" sz="1200" dirty="0">
+                <a:latin typeface="Consolas" panose="020B0609020204030204" pitchFamily="49" charset="0"/>
+              </a:rPr>
+              <a:t>document level annotation: </a:t>
+            </a:r>
+            <a:endParaRPr lang="cs-CZ" sz="1200" dirty="0" smtClean="0">
+              <a:latin typeface="Consolas" panose="020B0609020204030204" pitchFamily="49" charset="0"/>
+            </a:endParaRPr>
+          </a:p>
+          <a:p>
+            <a:pPr>
+              <a:lnSpc>
+                <a:spcPct val="90000"/>
+              </a:lnSpc>
+            </a:pPr>
+            <a:r>
+              <a:rPr lang="en-US" sz="1200" dirty="0" smtClean="0">
+                <a:latin typeface="Consolas" panose="020B0609020204030204" pitchFamily="49" charset="0"/>
+              </a:rPr>
+              <a:t>(</a:t>
+            </a:r>
+            <a:r>
+              <a:rPr lang="en-US" sz="1200" dirty="0" err="1">
+                <a:latin typeface="Consolas" panose="020B0609020204030204" pitchFamily="49" charset="0"/>
+              </a:rPr>
+              <a:t>s1s0</a:t>
+            </a:r>
+            <a:r>
+              <a:rPr lang="en-US" sz="1200" dirty="0">
+                <a:latin typeface="Consolas" panose="020B0609020204030204" pitchFamily="49" charset="0"/>
+              </a:rPr>
+              <a:t> / sentence </a:t>
+            </a:r>
+            <a:endParaRPr lang="cs-CZ" sz="1200" dirty="0" smtClean="0">
+              <a:latin typeface="Consolas" panose="020B0609020204030204" pitchFamily="49" charset="0"/>
+            </a:endParaRPr>
+          </a:p>
+          <a:p>
+            <a:pPr>
+              <a:lnSpc>
+                <a:spcPct val="90000"/>
+              </a:lnSpc>
+            </a:pPr>
+            <a:r>
+              <a:rPr lang="cs-CZ" sz="1200" dirty="0">
+                <a:latin typeface="Consolas" panose="020B0609020204030204" pitchFamily="49" charset="0"/>
+              </a:rPr>
+              <a:t> </a:t>
+            </a:r>
+            <a:r>
+              <a:rPr lang="cs-CZ" sz="1200" dirty="0" smtClean="0">
+                <a:latin typeface="Consolas" panose="020B0609020204030204" pitchFamily="49" charset="0"/>
+              </a:rPr>
+              <a:t>  </a:t>
+            </a:r>
+            <a:r>
+              <a:rPr lang="en-US" sz="1200" dirty="0" smtClean="0">
+                <a:latin typeface="Consolas" panose="020B0609020204030204" pitchFamily="49" charset="0"/>
+              </a:rPr>
+              <a:t>:</a:t>
+            </a:r>
+            <a:r>
+              <a:rPr lang="en-US" sz="1200" dirty="0">
+                <a:latin typeface="Consolas" panose="020B0609020204030204" pitchFamily="49" charset="0"/>
+              </a:rPr>
+              <a:t>temporal ((document-creation-time :before </a:t>
+            </a:r>
+            <a:r>
+              <a:rPr lang="en-US" sz="1200" dirty="0" err="1">
+                <a:latin typeface="Consolas" panose="020B0609020204030204" pitchFamily="49" charset="0"/>
+              </a:rPr>
+              <a:t>s1l</a:t>
+            </a:r>
+            <a:r>
+              <a:rPr lang="en-US" sz="1200" dirty="0">
+                <a:latin typeface="Consolas" panose="020B0609020204030204" pitchFamily="49" charset="0"/>
+              </a:rPr>
+              <a:t>) </a:t>
+            </a:r>
+            <a:endParaRPr lang="cs-CZ" sz="1200" dirty="0" smtClean="0">
+              <a:latin typeface="Consolas" panose="020B0609020204030204" pitchFamily="49" charset="0"/>
+            </a:endParaRPr>
+          </a:p>
+          <a:p>
+            <a:pPr>
+              <a:lnSpc>
+                <a:spcPct val="90000"/>
+              </a:lnSpc>
+            </a:pPr>
+            <a:r>
+              <a:rPr lang="cs-CZ" sz="1200" dirty="0">
+                <a:latin typeface="Consolas" panose="020B0609020204030204" pitchFamily="49" charset="0"/>
+              </a:rPr>
+              <a:t> </a:t>
+            </a:r>
+            <a:r>
+              <a:rPr lang="cs-CZ" sz="1200" dirty="0" smtClean="0">
+                <a:latin typeface="Consolas" panose="020B0609020204030204" pitchFamily="49" charset="0"/>
+              </a:rPr>
+              <a:t>             </a:t>
+            </a:r>
+            <a:r>
+              <a:rPr lang="en-US" sz="1200" dirty="0" smtClean="0">
+                <a:latin typeface="Consolas" panose="020B0609020204030204" pitchFamily="49" charset="0"/>
+              </a:rPr>
+              <a:t>(</a:t>
+            </a:r>
+            <a:r>
+              <a:rPr lang="en-US" sz="1200" dirty="0" err="1">
+                <a:latin typeface="Consolas" panose="020B0609020204030204" pitchFamily="49" charset="0"/>
+              </a:rPr>
+              <a:t>s1l</a:t>
+            </a:r>
+            <a:r>
+              <a:rPr lang="en-US" sz="1200" dirty="0">
+                <a:latin typeface="Consolas" panose="020B0609020204030204" pitchFamily="49" charset="0"/>
+              </a:rPr>
+              <a:t> :after </a:t>
+            </a:r>
+            <a:r>
+              <a:rPr lang="en-US" sz="1200" dirty="0" err="1">
+                <a:latin typeface="Consolas" panose="020B0609020204030204" pitchFamily="49" charset="0"/>
+              </a:rPr>
+              <a:t>s1e</a:t>
+            </a:r>
+            <a:r>
+              <a:rPr lang="en-US" sz="1200" dirty="0" smtClean="0">
+                <a:latin typeface="Consolas" panose="020B0609020204030204" pitchFamily="49" charset="0"/>
+              </a:rPr>
+              <a:t>))</a:t>
+            </a:r>
+            <a:endParaRPr lang="cs-CZ" sz="1200" dirty="0" smtClean="0">
+              <a:latin typeface="Consolas" panose="020B0609020204030204" pitchFamily="49" charset="0"/>
+            </a:endParaRPr>
+          </a:p>
+          <a:p>
+            <a:pPr>
+              <a:lnSpc>
+                <a:spcPct val="90000"/>
+              </a:lnSpc>
+            </a:pPr>
+            <a:r>
+              <a:rPr lang="en-US" sz="1200" dirty="0" smtClean="0">
+                <a:latin typeface="Consolas" panose="020B0609020204030204" pitchFamily="49" charset="0"/>
+              </a:rPr>
+              <a:t> </a:t>
+            </a:r>
+            <a:r>
+              <a:rPr lang="cs-CZ" sz="1200" dirty="0" smtClean="0">
+                <a:latin typeface="Consolas" panose="020B0609020204030204" pitchFamily="49" charset="0"/>
+              </a:rPr>
+              <a:t>  </a:t>
+            </a:r>
+            <a:r>
+              <a:rPr lang="en-US" sz="1200" dirty="0" smtClean="0">
+                <a:latin typeface="Consolas" panose="020B0609020204030204" pitchFamily="49" charset="0"/>
+              </a:rPr>
+              <a:t>:</a:t>
+            </a:r>
+            <a:r>
+              <a:rPr lang="en-US" sz="1200" dirty="0">
+                <a:latin typeface="Consolas" panose="020B0609020204030204" pitchFamily="49" charset="0"/>
+              </a:rPr>
+              <a:t>modal ((root :modal author) </a:t>
+            </a:r>
+            <a:endParaRPr lang="cs-CZ" sz="1200" dirty="0" smtClean="0">
+              <a:latin typeface="Consolas" panose="020B0609020204030204" pitchFamily="49" charset="0"/>
+            </a:endParaRPr>
+          </a:p>
+          <a:p>
+            <a:pPr>
+              <a:lnSpc>
+                <a:spcPct val="90000"/>
+              </a:lnSpc>
+            </a:pPr>
+            <a:r>
+              <a:rPr lang="cs-CZ" sz="1200" dirty="0">
+                <a:latin typeface="Consolas" panose="020B0609020204030204" pitchFamily="49" charset="0"/>
+              </a:rPr>
+              <a:t> </a:t>
+            </a:r>
+            <a:r>
+              <a:rPr lang="cs-CZ" sz="1200" dirty="0" smtClean="0">
+                <a:latin typeface="Consolas" panose="020B0609020204030204" pitchFamily="49" charset="0"/>
+              </a:rPr>
+              <a:t>          </a:t>
+            </a:r>
+            <a:r>
+              <a:rPr lang="en-US" sz="1200" dirty="0" smtClean="0">
+                <a:latin typeface="Consolas" panose="020B0609020204030204" pitchFamily="49" charset="0"/>
+              </a:rPr>
+              <a:t>(</a:t>
+            </a:r>
+            <a:r>
+              <a:rPr lang="en-US" sz="1200" dirty="0">
+                <a:latin typeface="Consolas" panose="020B0609020204030204" pitchFamily="49" charset="0"/>
+              </a:rPr>
+              <a:t>author :full-affirmative </a:t>
+            </a:r>
+            <a:r>
+              <a:rPr lang="en-US" sz="1200" dirty="0" err="1">
+                <a:latin typeface="Consolas" panose="020B0609020204030204" pitchFamily="49" charset="0"/>
+              </a:rPr>
+              <a:t>s1l</a:t>
+            </a:r>
+            <a:r>
+              <a:rPr lang="en-US" sz="1200" dirty="0">
+                <a:latin typeface="Consolas" panose="020B0609020204030204" pitchFamily="49" charset="0"/>
+              </a:rPr>
+              <a:t>) </a:t>
+            </a:r>
+            <a:endParaRPr lang="cs-CZ" sz="1200" dirty="0" smtClean="0">
+              <a:latin typeface="Consolas" panose="020B0609020204030204" pitchFamily="49" charset="0"/>
+            </a:endParaRPr>
+          </a:p>
+          <a:p>
+            <a:pPr>
+              <a:lnSpc>
+                <a:spcPct val="90000"/>
+              </a:lnSpc>
+            </a:pPr>
+            <a:r>
+              <a:rPr lang="cs-CZ" sz="1200" dirty="0">
+                <a:latin typeface="Consolas" panose="020B0609020204030204" pitchFamily="49" charset="0"/>
+              </a:rPr>
+              <a:t> </a:t>
+            </a:r>
+            <a:r>
+              <a:rPr lang="cs-CZ" sz="1200" dirty="0" smtClean="0">
+                <a:latin typeface="Consolas" panose="020B0609020204030204" pitchFamily="49" charset="0"/>
+              </a:rPr>
+              <a:t>          </a:t>
+            </a:r>
+            <a:r>
+              <a:rPr lang="en-US" sz="1200" dirty="0" smtClean="0">
+                <a:latin typeface="Consolas" panose="020B0609020204030204" pitchFamily="49" charset="0"/>
+              </a:rPr>
+              <a:t>(</a:t>
+            </a:r>
+            <a:r>
+              <a:rPr lang="en-US" sz="1200" dirty="0">
+                <a:latin typeface="Consolas" panose="020B0609020204030204" pitchFamily="49" charset="0"/>
+              </a:rPr>
+              <a:t>author :full-negative </a:t>
+            </a:r>
+            <a:r>
+              <a:rPr lang="en-US" sz="1200" dirty="0" err="1">
+                <a:latin typeface="Consolas" panose="020B0609020204030204" pitchFamily="49" charset="0"/>
+              </a:rPr>
+              <a:t>s1e</a:t>
+            </a:r>
+            <a:r>
+              <a:rPr lang="en-US" sz="1200" dirty="0">
+                <a:latin typeface="Consolas" panose="020B0609020204030204" pitchFamily="49" charset="0"/>
+              </a:rPr>
+              <a:t>)))</a:t>
+            </a:r>
+          </a:p>
+        </p:txBody>
+      </p:sp>
+      <p:sp>
+        <p:nvSpPr>
+          <p:cNvPr id="2" name="Rounded Rectangle 1"/>
+          <p:cNvSpPr/>
+          <p:nvPr/>
+        </p:nvSpPr>
+        <p:spPr>
+          <a:xfrm>
+            <a:off x="251520" y="3713718"/>
+            <a:ext cx="4752528" cy="1153115"/>
+          </a:xfrm>
+          <a:prstGeom prst="roundRect">
+            <a:avLst/>
+          </a:prstGeom>
+          <a:solidFill>
+            <a:srgbClr val="FFAB40">
+              <a:alpha val="30196"/>
+            </a:srgbClr>
+          </a:solidFill>
+          <a:ln>
+            <a:solidFill>
+              <a:srgbClr val="F47B20"/>
+            </a:solidFill>
+          </a:ln>
+        </p:spPr>
+        <p:style>
+          <a:lnRef idx="2">
+            <a:schemeClr val="accent1">
+              <a:shade val="50000"/>
+            </a:schemeClr>
+          </a:lnRef>
+          <a:fillRef idx="1">
+            <a:schemeClr val="accent1"/>
+          </a:fillRef>
+          <a:effectRef idx="0">
+            <a:schemeClr val="accent1"/>
+          </a:effectRef>
+          <a:fontRef idx="minor">
+            <a:schemeClr val="lt1"/>
+          </a:fontRef>
+        </p:style>
+        <p:txBody>
+          <a:bodyPr rtlCol="0" anchor="ctr"/>
+          <a:lstStyle/>
+          <a:p>
+            <a:pPr algn="ctr"/>
+            <a:endParaRPr lang="en-US"/>
+          </a:p>
+        </p:txBody>
+      </p:sp>
+      <p:grpSp>
+        <p:nvGrpSpPr>
+          <p:cNvPr id="14" name="Skupina 13"/>
+          <p:cNvGrpSpPr/>
+          <p:nvPr/>
+        </p:nvGrpSpPr>
+        <p:grpSpPr>
+          <a:xfrm>
+            <a:off x="1115616" y="1870353"/>
+            <a:ext cx="2952328" cy="890960"/>
+            <a:chOff x="1115616" y="1870353"/>
+            <a:chExt cx="2952328" cy="890960"/>
+          </a:xfrm>
+        </p:grpSpPr>
+        <p:sp>
+          <p:nvSpPr>
+            <p:cNvPr id="6" name="Zaoblený obdélník 5"/>
+            <p:cNvSpPr/>
+            <p:nvPr/>
+          </p:nvSpPr>
+          <p:spPr>
+            <a:xfrm>
+              <a:off x="1115616" y="1870353"/>
+              <a:ext cx="2952328" cy="373655"/>
+            </a:xfrm>
+            <a:prstGeom prst="roundRect">
+              <a:avLst/>
+            </a:prstGeom>
+            <a:noFill/>
+            <a:ln>
+              <a:solidFill>
+                <a:srgbClr val="F47B20"/>
+              </a:solidFill>
+            </a:ln>
+          </p:spPr>
+          <p:style>
+            <a:lnRef idx="2">
+              <a:schemeClr val="accent1">
+                <a:shade val="50000"/>
+              </a:schemeClr>
+            </a:lnRef>
+            <a:fillRef idx="1">
+              <a:schemeClr val="accent1"/>
+            </a:fillRef>
+            <a:effectRef idx="0">
+              <a:schemeClr val="accent1"/>
+            </a:effectRef>
+            <a:fontRef idx="minor">
+              <a:schemeClr val="lt1"/>
+            </a:fontRef>
+          </p:style>
+          <p:txBody>
+            <a:bodyPr rtlCol="0" anchor="ctr"/>
+            <a:lstStyle/>
+            <a:p>
+              <a:pPr algn="ctr"/>
+              <a:endParaRPr lang="en-US"/>
+            </a:p>
+          </p:txBody>
+        </p:sp>
+        <p:sp>
+          <p:nvSpPr>
+            <p:cNvPr id="11" name="Zaoblený obdélník 10"/>
+            <p:cNvSpPr/>
+            <p:nvPr/>
+          </p:nvSpPr>
+          <p:spPr>
+            <a:xfrm>
+              <a:off x="1562522" y="2526204"/>
+              <a:ext cx="360040" cy="235109"/>
+            </a:xfrm>
+            <a:prstGeom prst="roundRect">
+              <a:avLst/>
+            </a:prstGeom>
+            <a:noFill/>
+            <a:ln>
+              <a:solidFill>
+                <a:srgbClr val="F47B20"/>
+              </a:solidFill>
+            </a:ln>
+          </p:spPr>
+          <p:style>
+            <a:lnRef idx="2">
+              <a:schemeClr val="accent1">
+                <a:shade val="50000"/>
+              </a:schemeClr>
+            </a:lnRef>
+            <a:fillRef idx="1">
+              <a:schemeClr val="accent1"/>
+            </a:fillRef>
+            <a:effectRef idx="0">
+              <a:schemeClr val="accent1"/>
+            </a:effectRef>
+            <a:fontRef idx="minor">
+              <a:schemeClr val="lt1"/>
+            </a:fontRef>
+          </p:style>
+          <p:txBody>
+            <a:bodyPr rtlCol="0" anchor="ctr"/>
+            <a:lstStyle/>
+            <a:p>
+              <a:pPr algn="ctr"/>
+              <a:endParaRPr lang="en-US"/>
+            </a:p>
+          </p:txBody>
+        </p:sp>
+        <p:cxnSp>
+          <p:nvCxnSpPr>
+            <p:cNvPr id="12" name="Pravoúhlá spojnice 11"/>
+            <p:cNvCxnSpPr>
+              <a:endCxn id="11" idx="3"/>
+            </p:cNvCxnSpPr>
+            <p:nvPr/>
+          </p:nvCxnSpPr>
+          <p:spPr>
+            <a:xfrm rot="10800000" flipV="1">
+              <a:off x="1922562" y="2244007"/>
+              <a:ext cx="1800200" cy="399751"/>
+            </a:xfrm>
+            <a:prstGeom prst="bentConnector3">
+              <a:avLst/>
+            </a:prstGeom>
+            <a:ln w="19050">
+              <a:solidFill>
+                <a:srgbClr val="F47B20"/>
+              </a:solidFill>
+              <a:headEnd type="none" w="med" len="med"/>
+              <a:tailEnd type="triangle" w="med" len="med"/>
+            </a:ln>
+          </p:spPr>
+          <p:style>
+            <a:lnRef idx="1">
+              <a:schemeClr val="accent1"/>
+            </a:lnRef>
+            <a:fillRef idx="0">
+              <a:schemeClr val="accent1"/>
+            </a:fillRef>
+            <a:effectRef idx="0">
+              <a:schemeClr val="accent1"/>
+            </a:effectRef>
+            <a:fontRef idx="minor">
+              <a:schemeClr val="tx1"/>
+            </a:fontRef>
+          </p:style>
+        </p:cxnSp>
+      </p:grpSp>
+      <p:sp>
+        <p:nvSpPr>
+          <p:cNvPr id="17" name="TextovéPole 16"/>
+          <p:cNvSpPr txBox="1"/>
+          <p:nvPr/>
+        </p:nvSpPr>
+        <p:spPr>
+          <a:xfrm>
+            <a:off x="4211960" y="4882969"/>
+            <a:ext cx="4968551" cy="307777"/>
+          </a:xfrm>
+          <a:prstGeom prst="rect">
+            <a:avLst/>
+          </a:prstGeom>
+          <a:noFill/>
+        </p:spPr>
+        <p:txBody>
+          <a:bodyPr wrap="square" rtlCol="0">
+            <a:spAutoFit/>
+          </a:bodyPr>
+          <a:lstStyle/>
+          <a:p>
+            <a:r>
+              <a:rPr lang="cs-CZ" dirty="0" err="1">
                 <a:solidFill>
                   <a:schemeClr val="dk1"/>
                 </a:solidFill>
-              </a:rPr>
-              <a:t>represents linguistically structured meaning </a:t>
-            </a:r>
-            <a:r>
-              <a:rPr lang="en-US" dirty="0" smtClean="0">
+                <a:latin typeface="Open Sans" panose="020B0604020202020204" charset="0"/>
+                <a:ea typeface="Open Sans" panose="020B0604020202020204" charset="0"/>
+                <a:cs typeface="Open Sans" panose="020B0604020202020204" charset="0"/>
+                <a:sym typeface="Open Sans"/>
+              </a:rPr>
+              <a:t>download</a:t>
+            </a:r>
+            <a:r>
+              <a:rPr lang="cs-CZ" dirty="0">
                 <a:solidFill>
                   <a:schemeClr val="dk1"/>
                 </a:solidFill>
-              </a:rPr>
-              <a:t>(vs. situational meaning)</a:t>
-            </a:r>
-          </a:p>
-          <a:p>
-            <a:pPr marL="357188" indent="-242888">
-              <a:buClr>
-                <a:srgbClr val="000000"/>
-              </a:buClr>
-              <a:buSzPct val="70000"/>
-            </a:pPr>
-            <a:r>
-              <a:rPr lang="en-US" sz="1600" dirty="0" smtClean="0">
+                <a:latin typeface="Open Sans" panose="020B0604020202020204" charset="0"/>
+                <a:ea typeface="Open Sans" panose="020B0604020202020204" charset="0"/>
+                <a:cs typeface="Open Sans" panose="020B0604020202020204" charset="0"/>
+                <a:sym typeface="Open Sans"/>
+              </a:rPr>
+              <a:t> </a:t>
+            </a:r>
+            <a:r>
+              <a:rPr lang="cs-CZ" dirty="0" err="1" smtClean="0">
                 <a:solidFill>
                   <a:schemeClr val="dk1"/>
                 </a:solidFill>
-              </a:rPr>
-              <a:t>predicate-argument structure (</a:t>
-            </a:r>
-            <a:r>
-              <a:rPr lang="en-US" sz="1600" dirty="0" err="1" smtClean="0">
+                <a:latin typeface="Open Sans" panose="020B0604020202020204" charset="0"/>
+                <a:ea typeface="Open Sans" panose="020B0604020202020204" charset="0"/>
+                <a:cs typeface="Open Sans" panose="020B0604020202020204" charset="0"/>
+                <a:sym typeface="Open Sans"/>
+              </a:rPr>
+              <a:t>UMR</a:t>
+            </a:r>
+            <a:r>
+              <a:rPr lang="cs-CZ" dirty="0" smtClean="0">
                 <a:solidFill>
                   <a:schemeClr val="dk1"/>
                 </a:solidFill>
-              </a:rPr>
-              <a:t>valency</a:t>
-            </a:r>
-            <a:r>
-              <a:rPr lang="en-US" sz="1600" dirty="0" smtClean="0">
+                <a:latin typeface="Open Sans" panose="020B0604020202020204" charset="0"/>
+                <a:ea typeface="Open Sans" panose="020B0604020202020204" charset="0"/>
+                <a:cs typeface="Open Sans" panose="020B0604020202020204" charset="0"/>
+                <a:sym typeface="Open Sans"/>
+              </a:rPr>
+              <a:t> </a:t>
+            </a:r>
+            <a:r>
+              <a:rPr lang="cs-CZ" dirty="0">
                 <a:solidFill>
                   <a:schemeClr val="dk1"/>
                 </a:solidFill>
-              </a:rPr>
-              <a:t>) and dependency relations</a:t>
-            </a:r>
-          </a:p>
-          <a:p>
-            <a:pPr marL="357188" indent="-242888">
-              <a:buClr>
-                <a:srgbClr val="000000"/>
-              </a:buClr>
-              <a:buSzPct val="70000"/>
-            </a:pPr>
-            <a:endParaRPr lang="en-US" sz="1600" dirty="0" smtClean="0">
+                <a:latin typeface="Open Sans" panose="020B0604020202020204" charset="0"/>
+                <a:ea typeface="Open Sans" panose="020B0604020202020204" charset="0"/>
+                <a:cs typeface="Open Sans" panose="020B0604020202020204" charset="0"/>
+                <a:sym typeface="Open Sans"/>
+              </a:rPr>
+              <a:t>2.0 </a:t>
+            </a:r>
+            <a:r>
+              <a:rPr lang="en-US" dirty="0">
+                <a:latin typeface="Open Sans" panose="020B0604020202020204" charset="0"/>
+                <a:ea typeface="Open Sans" panose="020B0604020202020204" charset="0"/>
+                <a:cs typeface="Open Sans" panose="020B0604020202020204" charset="0"/>
+                <a:hlinkClick r:id="rId3"/>
+              </a:rPr>
+              <a:t>http://hdl.handle.net/11234/1-5902</a:t>
+            </a:r>
+            <a:endParaRPr lang="cs-CZ" dirty="0" smtClean="0">
               <a:solidFill>
                 <a:schemeClr val="dk1"/>
               </a:solidFill>
-            </a:endParaRPr>
-          </a:p>
-          <a:p>
-            <a:pPr marL="357188" indent="-242888">
-              <a:buClr>
-                <a:srgbClr val="000000"/>
-              </a:buClr>
-              <a:buSzPct val="70000"/>
-            </a:pPr>
-            <a:r>
-              <a:rPr lang="en-US" sz="1600" dirty="0" smtClean="0">
-                <a:solidFill>
-                  <a:schemeClr val="dk1"/>
-                </a:solidFill>
-              </a:rPr>
-              <a:t>meaning of morphological categories</a:t>
-            </a:r>
-          </a:p>
-          <a:p>
-            <a:pPr marL="357188" indent="-242888">
-              <a:buClr>
-                <a:srgbClr val="000000"/>
-              </a:buClr>
-              <a:buSzPct val="70000"/>
-            </a:pPr>
-            <a:endParaRPr lang="cs-CZ" sz="1600" dirty="0" smtClean="0">
-              <a:solidFill>
-                <a:schemeClr val="tx1"/>
-              </a:solidFill>
-            </a:endParaRPr>
-          </a:p>
-          <a:p>
-            <a:pPr marL="357188" indent="-242888">
-              <a:buClr>
-                <a:srgbClr val="000000"/>
-              </a:buClr>
-              <a:buSzPct val="70000"/>
-            </a:pPr>
-            <a:endParaRPr lang="cs-CZ" dirty="0" smtClean="0">
-              <a:solidFill>
-                <a:schemeClr val="tx1"/>
-              </a:solidFill>
-            </a:endParaRPr>
-          </a:p>
-          <a:p>
-            <a:pPr marL="357188" indent="-242888">
-              <a:buClr>
-                <a:srgbClr val="000000"/>
-              </a:buClr>
-              <a:buSzPct val="70000"/>
-            </a:pPr>
-            <a:r>
-              <a:rPr lang="en-US" sz="1600" dirty="0" err="1" smtClean="0">
-                <a:solidFill>
-                  <a:schemeClr val="tx1"/>
-                </a:solidFill>
-              </a:rPr>
-              <a:t>coreference</a:t>
-            </a:r>
-            <a:endParaRPr lang="en-US" sz="1600" dirty="0" smtClean="0">
-              <a:solidFill>
-                <a:schemeClr val="tx1"/>
-              </a:solidFill>
-            </a:endParaRPr>
-          </a:p>
-          <a:p>
-            <a:pPr marL="357188" indent="-242888">
-              <a:buClr>
-                <a:srgbClr val="000000"/>
-              </a:buClr>
-              <a:buSzPct val="70000"/>
-            </a:pPr>
-            <a:endParaRPr lang="cs-CZ" sz="1600" dirty="0" smtClean="0">
-              <a:solidFill>
-                <a:schemeClr val="tx1"/>
-              </a:solidFill>
-            </a:endParaRPr>
-          </a:p>
-          <a:p>
-            <a:pPr marL="357188" indent="-242888">
-              <a:buClr>
-                <a:srgbClr val="000000"/>
-              </a:buClr>
-              <a:buSzPct val="70000"/>
-            </a:pPr>
-            <a:endParaRPr lang="en-US" sz="1600" dirty="0" smtClean="0">
-              <a:solidFill>
-                <a:schemeClr val="tx1"/>
-              </a:solidFill>
-            </a:endParaRPr>
-          </a:p>
-          <a:p>
-            <a:pPr marL="357188" indent="-242888">
-              <a:buClr>
-                <a:srgbClr val="000000"/>
-              </a:buClr>
-              <a:buSzPct val="70000"/>
-            </a:pPr>
-            <a:r>
-              <a:rPr lang="en-US" sz="1600" dirty="0" smtClean="0">
-                <a:solidFill>
-                  <a:schemeClr val="dk1"/>
-                </a:solidFill>
-              </a:rPr>
-              <a:t>topic-focus articulation</a:t>
-            </a:r>
-          </a:p>
-          <a:p>
-            <a:pPr marL="357188" indent="-242888">
-              <a:buClr>
-                <a:srgbClr val="000000"/>
-              </a:buClr>
-              <a:buSzPct val="70000"/>
-            </a:pPr>
-            <a:endParaRPr lang="en-US" sz="1600" dirty="0" smtClean="0">
-              <a:solidFill>
-                <a:schemeClr val="tx1"/>
-              </a:solidFill>
+              <a:latin typeface="Open Sans" panose="020B0604020202020204" charset="0"/>
+              <a:ea typeface="Open Sans" panose="020B0604020202020204" charset="0"/>
+              <a:cs typeface="Open Sans" panose="020B0604020202020204" charset="0"/>
+              <a:sym typeface="Open Sans"/>
             </a:endParaRPr>
           </a:p>
         </p:txBody>
@@ -11576,7 +14131,7 @@
     </p:spTree>
     <p:extLst>
       <p:ext uri="{BB962C8B-B14F-4D97-AF65-F5344CB8AC3E}">
-        <p14:creationId xmlns:p14="http://schemas.microsoft.com/office/powerpoint/2010/main" val="1683826229"/>
+        <p14:creationId xmlns:p14="http://schemas.microsoft.com/office/powerpoint/2010/main" val="1928968543"/>
       </p:ext>
     </p:extLst>
   </p:cSld>
@@ -11635,1345 +14190,8 @@
               <a:buNone/>
             </a:pPr>
             <a:fld id="{00000000-1234-1234-1234-123412341234}" type="slidenum">
-              <a:rPr lang="en" smtClean="0"/>
+              <a:rPr lang="en-US" smtClean="0"/>
               <a:t>4</a:t>
-            </a:fld>
-            <a:endParaRPr lang="en"/>
-          </a:p>
-        </p:txBody>
-      </p:sp>
-      <p:sp>
-        <p:nvSpPr>
-          <p:cNvPr id="5" name="Nadpis 4"/>
-          <p:cNvSpPr>
-            <a:spLocks noGrp="1"/>
-          </p:cNvSpPr>
-          <p:nvPr>
-            <p:ph type="title"/>
-          </p:nvPr>
-        </p:nvSpPr>
-        <p:spPr/>
-        <p:txBody>
-          <a:bodyPr/>
-          <a:lstStyle/>
-          <a:p>
-            <a:r>
-              <a:rPr lang="cs-CZ" dirty="0" err="1" smtClean="0"/>
-              <a:t>Uniform</a:t>
-            </a:r>
-            <a:r>
-              <a:rPr lang="cs-CZ" dirty="0" smtClean="0"/>
-              <a:t> </a:t>
-            </a:r>
-            <a:r>
-              <a:rPr lang="cs-CZ" dirty="0" err="1" smtClean="0"/>
-              <a:t>Meaning</a:t>
-            </a:r>
-            <a:r>
-              <a:rPr lang="cs-CZ" dirty="0" smtClean="0"/>
-              <a:t> </a:t>
-            </a:r>
-            <a:r>
-              <a:rPr lang="cs-CZ" dirty="0" err="1" smtClean="0"/>
-              <a:t>Representation</a:t>
-            </a:r>
-            <a:endParaRPr lang="en-US" dirty="0"/>
-          </a:p>
-        </p:txBody>
-      </p:sp>
-      <p:pic>
-        <p:nvPicPr>
-          <p:cNvPr id="2050" name="Picture 2" descr="https://ufallab.ms.mff.cuni.cz/~stepanek/25dmr-slides/img/umr_english.png"/>
-          <p:cNvPicPr>
-            <a:picLocks noChangeAspect="1" noChangeArrowheads="1"/>
-          </p:cNvPicPr>
-          <p:nvPr/>
-        </p:nvPicPr>
-        <p:blipFill>
-          <a:blip r:embed="rId2">
-            <a:extLst>
-              <a:ext uri="{28A0092B-C50C-407E-A947-70E740481C1C}">
-                <a14:useLocalDpi xmlns:a14="http://schemas.microsoft.com/office/drawing/2010/main" val="0"/>
-              </a:ext>
-            </a:extLst>
-          </a:blip>
-          <a:srcRect/>
-          <a:stretch>
-            <a:fillRect/>
-          </a:stretch>
-        </p:blipFill>
-        <p:spPr bwMode="auto">
-          <a:xfrm>
-            <a:off x="6498087" y="771550"/>
-            <a:ext cx="2397866" cy="3744416"/>
-          </a:xfrm>
-          <a:prstGeom prst="rect">
-            <a:avLst/>
-          </a:prstGeom>
-          <a:noFill/>
-          <a:extLst>
-            <a:ext uri="{909E8E84-426E-40DD-AFC4-6F175D3DCCD1}">
-              <a14:hiddenFill xmlns:a14="http://schemas.microsoft.com/office/drawing/2010/main">
-                <a:solidFill>
-                  <a:srgbClr val="FFFFFF"/>
-                </a:solidFill>
-              </a14:hiddenFill>
-            </a:ext>
-          </a:extLst>
-        </p:spPr>
-      </p:pic>
-      <p:sp>
-        <p:nvSpPr>
-          <p:cNvPr id="10" name="Google Shape;59;p10"/>
-          <p:cNvSpPr txBox="1">
-            <a:spLocks noGrp="1"/>
-          </p:cNvSpPr>
-          <p:nvPr>
-            <p:ph type="subTitle" idx="2"/>
-          </p:nvPr>
-        </p:nvSpPr>
-        <p:spPr>
-          <a:xfrm>
-            <a:off x="-8374" y="4928674"/>
-            <a:ext cx="2386500" cy="223200"/>
-          </a:xfrm>
-          <a:prstGeom prst="rect">
-            <a:avLst/>
-          </a:prstGeom>
-        </p:spPr>
-        <p:txBody>
-          <a:bodyPr spcFirstLastPara="1" wrap="square" lIns="91425" tIns="27425" rIns="91425" bIns="9125" anchor="t" anchorCtr="0">
-            <a:noAutofit/>
-          </a:bodyPr>
-          <a:lstStyle/>
-          <a:p>
-            <a:pPr marL="0" lvl="0" indent="0">
-              <a:spcAft>
-                <a:spcPts val="1600"/>
-              </a:spcAft>
-            </a:pPr>
-            <a:r>
-              <a:rPr lang="cs-CZ" dirty="0" err="1"/>
-              <a:t>From</a:t>
-            </a:r>
-            <a:r>
-              <a:rPr lang="cs-CZ" dirty="0"/>
-              <a:t> </a:t>
-            </a:r>
-            <a:r>
-              <a:rPr lang="cs-CZ" dirty="0" err="1"/>
-              <a:t>PDT</a:t>
-            </a:r>
-            <a:r>
-              <a:rPr lang="cs-CZ" dirty="0"/>
-              <a:t> to </a:t>
-            </a:r>
-            <a:r>
-              <a:rPr lang="cs-CZ" dirty="0" err="1"/>
-              <a:t>UMR</a:t>
-            </a:r>
-            <a:endParaRPr lang="en-US" dirty="0"/>
-          </a:p>
-        </p:txBody>
-      </p:sp>
-      <p:sp>
-        <p:nvSpPr>
-          <p:cNvPr id="8" name="TextovéPole 7"/>
-          <p:cNvSpPr txBox="1"/>
-          <p:nvPr/>
-        </p:nvSpPr>
-        <p:spPr>
-          <a:xfrm>
-            <a:off x="251520" y="534498"/>
-            <a:ext cx="6048672" cy="4413516"/>
-          </a:xfrm>
-          <a:prstGeom prst="rect">
-            <a:avLst/>
-          </a:prstGeom>
-          <a:noFill/>
-        </p:spPr>
-        <p:txBody>
-          <a:bodyPr wrap="square" rtlCol="0">
-            <a:spAutoFit/>
-          </a:bodyPr>
-          <a:lstStyle/>
-          <a:p>
-            <a:pPr>
-              <a:lnSpc>
-                <a:spcPct val="90000"/>
-              </a:lnSpc>
-            </a:pPr>
-            <a:r>
-              <a:rPr lang="en-US" sz="1200" dirty="0" smtClean="0">
-                <a:latin typeface="Consolas" panose="020B0609020204030204" pitchFamily="49" charset="0"/>
-              </a:rPr>
-              <a:t>########################################################### </a:t>
-            </a:r>
-            <a:endParaRPr lang="cs-CZ" sz="1200" dirty="0" smtClean="0">
-              <a:latin typeface="Consolas" panose="020B0609020204030204" pitchFamily="49" charset="0"/>
-            </a:endParaRPr>
-          </a:p>
-          <a:p>
-            <a:pPr>
-              <a:lnSpc>
-                <a:spcPct val="90000"/>
-              </a:lnSpc>
-            </a:pPr>
-            <a:r>
-              <a:rPr lang="en-US" sz="1200" dirty="0" smtClean="0">
-                <a:latin typeface="Consolas" panose="020B0609020204030204" pitchFamily="49" charset="0"/>
-              </a:rPr>
-              <a:t># </a:t>
-            </a:r>
-            <a:r>
-              <a:rPr lang="en-US" sz="1200" dirty="0">
-                <a:latin typeface="Consolas" panose="020B0609020204030204" pitchFamily="49" charset="0"/>
-              </a:rPr>
-              <a:t>meta-info :: </a:t>
-            </a:r>
-            <a:r>
-              <a:rPr lang="en-US" sz="1200" dirty="0" err="1">
-                <a:latin typeface="Consolas" panose="020B0609020204030204" pitchFamily="49" charset="0"/>
-              </a:rPr>
-              <a:t>sent_id</a:t>
-            </a:r>
-            <a:r>
-              <a:rPr lang="en-US" sz="1200" dirty="0">
-                <a:latin typeface="Consolas" panose="020B0609020204030204" pitchFamily="49" charset="0"/>
-              </a:rPr>
-              <a:t> = </a:t>
-            </a:r>
-            <a:r>
-              <a:rPr lang="en-US" sz="1200" dirty="0" err="1">
-                <a:latin typeface="Consolas" panose="020B0609020204030204" pitchFamily="49" charset="0"/>
-              </a:rPr>
-              <a:t>u_tree</a:t>
-            </a:r>
-            <a:r>
-              <a:rPr lang="en-US" sz="1200" dirty="0">
-                <a:latin typeface="Consolas" panose="020B0609020204030204" pitchFamily="49" charset="0"/>
-              </a:rPr>
-              <a:t>-</a:t>
-            </a:r>
-            <a:r>
-              <a:rPr lang="en-US" sz="1200" dirty="0" err="1">
-                <a:latin typeface="Consolas" panose="020B0609020204030204" pitchFamily="49" charset="0"/>
-              </a:rPr>
-              <a:t>cs</a:t>
-            </a:r>
-            <a:r>
-              <a:rPr lang="en-US" sz="1200" dirty="0">
-                <a:latin typeface="Consolas" panose="020B0609020204030204" pitchFamily="49" charset="0"/>
-              </a:rPr>
-              <a:t>-</a:t>
-            </a:r>
-            <a:r>
-              <a:rPr lang="en-US" sz="1200" dirty="0" err="1">
-                <a:latin typeface="Consolas" panose="020B0609020204030204" pitchFamily="49" charset="0"/>
-              </a:rPr>
-              <a:t>s1</a:t>
-            </a:r>
-            <a:r>
-              <a:rPr lang="en-US" sz="1200" dirty="0">
-                <a:latin typeface="Consolas" panose="020B0609020204030204" pitchFamily="49" charset="0"/>
-              </a:rPr>
-              <a:t>-root </a:t>
-            </a:r>
-            <a:endParaRPr lang="cs-CZ" sz="1200" dirty="0" smtClean="0">
-              <a:latin typeface="Consolas" panose="020B0609020204030204" pitchFamily="49" charset="0"/>
-            </a:endParaRPr>
-          </a:p>
-          <a:p>
-            <a:pPr>
-              <a:lnSpc>
-                <a:spcPct val="90000"/>
-              </a:lnSpc>
-            </a:pPr>
-            <a:r>
-              <a:rPr lang="en-US" sz="1200" dirty="0" smtClean="0">
-                <a:latin typeface="Consolas" panose="020B0609020204030204" pitchFamily="49" charset="0"/>
-              </a:rPr>
-              <a:t># </a:t>
-            </a:r>
-            <a:r>
-              <a:rPr lang="en-US" sz="1200" dirty="0">
-                <a:latin typeface="Consolas" panose="020B0609020204030204" pitchFamily="49" charset="0"/>
-              </a:rPr>
-              <a:t>:: </a:t>
-            </a:r>
-            <a:r>
-              <a:rPr lang="en-US" sz="1200" dirty="0" err="1">
-                <a:latin typeface="Consolas" panose="020B0609020204030204" pitchFamily="49" charset="0"/>
-              </a:rPr>
-              <a:t>snt1</a:t>
-            </a:r>
-            <a:r>
-              <a:rPr lang="en-US" sz="1200" dirty="0">
-                <a:latin typeface="Consolas" panose="020B0609020204030204" pitchFamily="49" charset="0"/>
-              </a:rPr>
-              <a:t> </a:t>
-            </a:r>
-            <a:endParaRPr lang="cs-CZ" sz="1200" dirty="0" smtClean="0">
-              <a:latin typeface="Consolas" panose="020B0609020204030204" pitchFamily="49" charset="0"/>
-            </a:endParaRPr>
-          </a:p>
-          <a:p>
-            <a:pPr>
-              <a:lnSpc>
-                <a:spcPct val="90000"/>
-              </a:lnSpc>
-            </a:pPr>
-            <a:r>
-              <a:rPr lang="en-US" sz="1200" dirty="0" smtClean="0">
-                <a:latin typeface="Consolas" panose="020B0609020204030204" pitchFamily="49" charset="0"/>
-              </a:rPr>
-              <a:t>Index</a:t>
-            </a:r>
-            <a:r>
-              <a:rPr lang="en-US" sz="1200" dirty="0">
-                <a:latin typeface="Consolas" panose="020B0609020204030204" pitchFamily="49" charset="0"/>
-              </a:rPr>
-              <a:t>: </a:t>
-            </a:r>
-            <a:r>
-              <a:rPr lang="en-US" sz="1200" dirty="0" smtClean="0">
-                <a:latin typeface="Consolas" panose="020B0609020204030204" pitchFamily="49" charset="0"/>
-              </a:rPr>
-              <a:t>1</a:t>
-            </a:r>
-            <a:r>
-              <a:rPr lang="cs-CZ" sz="1200" dirty="0" smtClean="0">
-                <a:latin typeface="Consolas" panose="020B0609020204030204" pitchFamily="49" charset="0"/>
-              </a:rPr>
-              <a:t> </a:t>
-            </a:r>
-            <a:r>
-              <a:rPr lang="en-US" sz="1200" dirty="0" smtClean="0">
-                <a:latin typeface="Consolas" panose="020B0609020204030204" pitchFamily="49" charset="0"/>
-              </a:rPr>
-              <a:t> </a:t>
-            </a:r>
-            <a:r>
-              <a:rPr lang="cs-CZ" sz="1200" dirty="0" smtClean="0">
-                <a:latin typeface="Consolas" panose="020B0609020204030204" pitchFamily="49" charset="0"/>
-              </a:rPr>
-              <a:t>     </a:t>
-            </a:r>
-            <a:r>
-              <a:rPr lang="en-US" sz="1200" dirty="0" smtClean="0">
-                <a:latin typeface="Consolas" panose="020B0609020204030204" pitchFamily="49" charset="0"/>
-              </a:rPr>
-              <a:t>2 </a:t>
-            </a:r>
-            <a:r>
-              <a:rPr lang="cs-CZ" sz="1200" dirty="0" smtClean="0">
-                <a:latin typeface="Consolas" panose="020B0609020204030204" pitchFamily="49" charset="0"/>
-              </a:rPr>
-              <a:t>   </a:t>
-            </a:r>
-            <a:r>
-              <a:rPr lang="en-US" sz="1200" dirty="0" smtClean="0">
-                <a:latin typeface="Consolas" panose="020B0609020204030204" pitchFamily="49" charset="0"/>
-              </a:rPr>
-              <a:t>3 </a:t>
-            </a:r>
-            <a:r>
-              <a:rPr lang="cs-CZ" sz="1200" dirty="0" smtClean="0">
-                <a:latin typeface="Consolas" panose="020B0609020204030204" pitchFamily="49" charset="0"/>
-              </a:rPr>
-              <a:t> </a:t>
-            </a:r>
-            <a:r>
-              <a:rPr lang="en-US" sz="1200" dirty="0" smtClean="0">
-                <a:latin typeface="Consolas" panose="020B0609020204030204" pitchFamily="49" charset="0"/>
-              </a:rPr>
-              <a:t>4 </a:t>
-            </a:r>
-            <a:r>
-              <a:rPr lang="cs-CZ" sz="1200" dirty="0" smtClean="0">
-                <a:latin typeface="Consolas" panose="020B0609020204030204" pitchFamily="49" charset="0"/>
-              </a:rPr>
-              <a:t>    </a:t>
-            </a:r>
-            <a:r>
-              <a:rPr lang="en-US" sz="1200" dirty="0" smtClean="0">
-                <a:latin typeface="Consolas" panose="020B0609020204030204" pitchFamily="49" charset="0"/>
-              </a:rPr>
-              <a:t>5 </a:t>
-            </a:r>
-            <a:r>
-              <a:rPr lang="cs-CZ" sz="1200" dirty="0" smtClean="0">
-                <a:latin typeface="Consolas" panose="020B0609020204030204" pitchFamily="49" charset="0"/>
-              </a:rPr>
-              <a:t> </a:t>
-            </a:r>
-            <a:r>
-              <a:rPr lang="en-US" sz="1200" dirty="0" smtClean="0">
-                <a:latin typeface="Consolas" panose="020B0609020204030204" pitchFamily="49" charset="0"/>
-              </a:rPr>
-              <a:t>6 </a:t>
-            </a:r>
-            <a:r>
-              <a:rPr lang="cs-CZ" sz="1200" dirty="0" smtClean="0">
-                <a:latin typeface="Consolas" panose="020B0609020204030204" pitchFamily="49" charset="0"/>
-              </a:rPr>
-              <a:t>  </a:t>
-            </a:r>
-            <a:r>
-              <a:rPr lang="en-US" sz="1200" dirty="0" smtClean="0">
-                <a:latin typeface="Consolas" panose="020B0609020204030204" pitchFamily="49" charset="0"/>
-              </a:rPr>
-              <a:t>7 </a:t>
-            </a:r>
-            <a:r>
-              <a:rPr lang="cs-CZ" sz="1200" dirty="0" smtClean="0">
-                <a:latin typeface="Consolas" panose="020B0609020204030204" pitchFamily="49" charset="0"/>
-              </a:rPr>
-              <a:t>    </a:t>
-            </a:r>
-            <a:r>
-              <a:rPr lang="en-US" sz="1200" dirty="0" smtClean="0">
-                <a:latin typeface="Consolas" panose="020B0609020204030204" pitchFamily="49" charset="0"/>
-              </a:rPr>
-              <a:t>8 </a:t>
-            </a:r>
-            <a:endParaRPr lang="cs-CZ" sz="1200" dirty="0" smtClean="0">
-              <a:latin typeface="Consolas" panose="020B0609020204030204" pitchFamily="49" charset="0"/>
-            </a:endParaRPr>
-          </a:p>
-          <a:p>
-            <a:pPr>
-              <a:lnSpc>
-                <a:spcPct val="90000"/>
-              </a:lnSpc>
-            </a:pPr>
-            <a:r>
-              <a:rPr lang="en-US" sz="1200" dirty="0" smtClean="0">
-                <a:latin typeface="Consolas" panose="020B0609020204030204" pitchFamily="49" charset="0"/>
-              </a:rPr>
-              <a:t>Words</a:t>
-            </a:r>
-            <a:r>
-              <a:rPr lang="en-US" sz="1200" dirty="0">
-                <a:latin typeface="Consolas" panose="020B0609020204030204" pitchFamily="49" charset="0"/>
-              </a:rPr>
-              <a:t>: Lindsay left in order to eat lunch . </a:t>
-            </a:r>
-            <a:endParaRPr lang="cs-CZ" sz="1200" dirty="0" smtClean="0">
-              <a:latin typeface="Consolas" panose="020B0609020204030204" pitchFamily="49" charset="0"/>
-            </a:endParaRPr>
-          </a:p>
-          <a:p>
-            <a:pPr>
-              <a:lnSpc>
-                <a:spcPct val="90000"/>
-              </a:lnSpc>
-            </a:pPr>
-            <a:endParaRPr lang="cs-CZ" sz="1200" dirty="0">
-              <a:latin typeface="Consolas" panose="020B0609020204030204" pitchFamily="49" charset="0"/>
-            </a:endParaRPr>
-          </a:p>
-          <a:p>
-            <a:pPr>
-              <a:lnSpc>
-                <a:spcPct val="90000"/>
-              </a:lnSpc>
-            </a:pPr>
-            <a:r>
-              <a:rPr lang="en-US" sz="1200" dirty="0" smtClean="0">
-                <a:latin typeface="Consolas" panose="020B0609020204030204" pitchFamily="49" charset="0"/>
-              </a:rPr>
-              <a:t># </a:t>
-            </a:r>
-            <a:r>
-              <a:rPr lang="en-US" sz="1200" dirty="0">
-                <a:latin typeface="Consolas" panose="020B0609020204030204" pitchFamily="49" charset="0"/>
-              </a:rPr>
-              <a:t>sentence level graph: </a:t>
-            </a:r>
-            <a:endParaRPr lang="cs-CZ" sz="1200" dirty="0" smtClean="0">
-              <a:latin typeface="Consolas" panose="020B0609020204030204" pitchFamily="49" charset="0"/>
-            </a:endParaRPr>
-          </a:p>
-          <a:p>
-            <a:pPr>
-              <a:lnSpc>
-                <a:spcPct val="90000"/>
-              </a:lnSpc>
-            </a:pPr>
-            <a:r>
-              <a:rPr lang="en-US" sz="1200" dirty="0" smtClean="0">
-                <a:latin typeface="Consolas" panose="020B0609020204030204" pitchFamily="49" charset="0"/>
-              </a:rPr>
-              <a:t>(</a:t>
-            </a:r>
-            <a:r>
-              <a:rPr lang="en-US" sz="1200" dirty="0" err="1">
-                <a:latin typeface="Consolas" panose="020B0609020204030204" pitchFamily="49" charset="0"/>
-              </a:rPr>
-              <a:t>s1l</a:t>
-            </a:r>
-            <a:r>
-              <a:rPr lang="en-US" sz="1200" dirty="0">
-                <a:latin typeface="Consolas" panose="020B0609020204030204" pitchFamily="49" charset="0"/>
-              </a:rPr>
-              <a:t> / </a:t>
-            </a:r>
-            <a:r>
-              <a:rPr lang="en-US" sz="1200" dirty="0" smtClean="0">
-                <a:latin typeface="Consolas" panose="020B0609020204030204" pitchFamily="49" charset="0"/>
-              </a:rPr>
-              <a:t>leave-02</a:t>
-            </a:r>
-            <a:endParaRPr lang="cs-CZ" sz="1200" dirty="0" smtClean="0">
-              <a:latin typeface="Consolas" panose="020B0609020204030204" pitchFamily="49" charset="0"/>
-            </a:endParaRPr>
-          </a:p>
-          <a:p>
-            <a:pPr>
-              <a:lnSpc>
-                <a:spcPct val="90000"/>
-              </a:lnSpc>
-            </a:pPr>
-            <a:r>
-              <a:rPr lang="en-US" sz="1200" dirty="0" smtClean="0">
-                <a:latin typeface="Consolas" panose="020B0609020204030204" pitchFamily="49" charset="0"/>
-              </a:rPr>
-              <a:t> </a:t>
-            </a:r>
-            <a:r>
-              <a:rPr lang="cs-CZ" sz="1200" dirty="0" smtClean="0">
-                <a:latin typeface="Consolas" panose="020B0609020204030204" pitchFamily="49" charset="0"/>
-              </a:rPr>
-              <a:t>  </a:t>
-            </a:r>
-            <a:r>
-              <a:rPr lang="en-US" sz="1200" dirty="0" smtClean="0">
-                <a:latin typeface="Consolas" panose="020B0609020204030204" pitchFamily="49" charset="0"/>
-              </a:rPr>
-              <a:t>:</a:t>
-            </a:r>
-            <a:r>
-              <a:rPr lang="en-US" sz="1200" dirty="0" err="1">
-                <a:latin typeface="Consolas" panose="020B0609020204030204" pitchFamily="49" charset="0"/>
-              </a:rPr>
-              <a:t>ARG0</a:t>
-            </a:r>
-            <a:r>
-              <a:rPr lang="en-US" sz="1200" dirty="0">
-                <a:latin typeface="Consolas" panose="020B0609020204030204" pitchFamily="49" charset="0"/>
-              </a:rPr>
-              <a:t> (</a:t>
-            </a:r>
-            <a:r>
-              <a:rPr lang="en-US" sz="1200" dirty="0" err="1">
-                <a:latin typeface="Consolas" panose="020B0609020204030204" pitchFamily="49" charset="0"/>
-              </a:rPr>
-              <a:t>s1p</a:t>
-            </a:r>
-            <a:r>
-              <a:rPr lang="en-US" sz="1200" dirty="0">
-                <a:latin typeface="Consolas" panose="020B0609020204030204" pitchFamily="49" charset="0"/>
-              </a:rPr>
-              <a:t> / </a:t>
-            </a:r>
-            <a:r>
-              <a:rPr lang="en-US" sz="1200" dirty="0" smtClean="0">
-                <a:latin typeface="Consolas" panose="020B0609020204030204" pitchFamily="49" charset="0"/>
-              </a:rPr>
-              <a:t>person</a:t>
-            </a:r>
-            <a:endParaRPr lang="cs-CZ" sz="1200" dirty="0" smtClean="0">
-              <a:latin typeface="Consolas" panose="020B0609020204030204" pitchFamily="49" charset="0"/>
-            </a:endParaRPr>
-          </a:p>
-          <a:p>
-            <a:pPr>
-              <a:lnSpc>
-                <a:spcPct val="90000"/>
-              </a:lnSpc>
-            </a:pPr>
-            <a:r>
-              <a:rPr lang="cs-CZ" sz="1200" dirty="0">
-                <a:latin typeface="Consolas" panose="020B0609020204030204" pitchFamily="49" charset="0"/>
-              </a:rPr>
-              <a:t> </a:t>
-            </a:r>
-            <a:r>
-              <a:rPr lang="cs-CZ" sz="1200" dirty="0" smtClean="0">
-                <a:latin typeface="Consolas" panose="020B0609020204030204" pitchFamily="49" charset="0"/>
-              </a:rPr>
-              <a:t> </a:t>
-            </a:r>
-            <a:r>
-              <a:rPr lang="en-US" sz="1200" dirty="0" smtClean="0">
-                <a:latin typeface="Consolas" panose="020B0609020204030204" pitchFamily="49" charset="0"/>
-              </a:rPr>
-              <a:t> </a:t>
-            </a:r>
-            <a:r>
-              <a:rPr lang="cs-CZ" sz="1200" dirty="0" smtClean="0">
-                <a:latin typeface="Consolas" panose="020B0609020204030204" pitchFamily="49" charset="0"/>
-              </a:rPr>
-              <a:t>   </a:t>
-            </a:r>
-            <a:r>
-              <a:rPr lang="en-US" sz="1200" dirty="0" smtClean="0">
-                <a:latin typeface="Consolas" panose="020B0609020204030204" pitchFamily="49" charset="0"/>
-              </a:rPr>
-              <a:t>:</a:t>
-            </a:r>
-            <a:r>
-              <a:rPr lang="en-US" sz="1200" dirty="0">
-                <a:latin typeface="Consolas" panose="020B0609020204030204" pitchFamily="49" charset="0"/>
-              </a:rPr>
-              <a:t>name (</a:t>
-            </a:r>
-            <a:r>
-              <a:rPr lang="en-US" sz="1200" dirty="0" err="1">
-                <a:latin typeface="Consolas" panose="020B0609020204030204" pitchFamily="49" charset="0"/>
-              </a:rPr>
-              <a:t>s1n</a:t>
-            </a:r>
-            <a:r>
-              <a:rPr lang="en-US" sz="1200" dirty="0">
-                <a:latin typeface="Consolas" panose="020B0609020204030204" pitchFamily="49" charset="0"/>
-              </a:rPr>
-              <a:t> / name :</a:t>
-            </a:r>
-            <a:r>
-              <a:rPr lang="en-US" sz="1200" dirty="0" err="1">
-                <a:latin typeface="Consolas" panose="020B0609020204030204" pitchFamily="49" charset="0"/>
-              </a:rPr>
-              <a:t>op1</a:t>
-            </a:r>
-            <a:r>
-              <a:rPr lang="en-US" sz="1200" dirty="0">
-                <a:latin typeface="Consolas" panose="020B0609020204030204" pitchFamily="49" charset="0"/>
-              </a:rPr>
-              <a:t> "Lindsay")) </a:t>
-            </a:r>
-            <a:endParaRPr lang="cs-CZ" sz="1200" dirty="0" smtClean="0">
-              <a:latin typeface="Consolas" panose="020B0609020204030204" pitchFamily="49" charset="0"/>
-            </a:endParaRPr>
-          </a:p>
-          <a:p>
-            <a:pPr>
-              <a:lnSpc>
-                <a:spcPct val="90000"/>
-              </a:lnSpc>
-            </a:pPr>
-            <a:r>
-              <a:rPr lang="cs-CZ" sz="1200" dirty="0">
-                <a:latin typeface="Consolas" panose="020B0609020204030204" pitchFamily="49" charset="0"/>
-              </a:rPr>
-              <a:t> </a:t>
-            </a:r>
-            <a:r>
-              <a:rPr lang="cs-CZ" sz="1200" dirty="0" smtClean="0">
-                <a:latin typeface="Consolas" panose="020B0609020204030204" pitchFamily="49" charset="0"/>
-              </a:rPr>
-              <a:t>  </a:t>
-            </a:r>
-            <a:r>
-              <a:rPr lang="en-US" sz="1200" dirty="0" smtClean="0">
-                <a:latin typeface="Consolas" panose="020B0609020204030204" pitchFamily="49" charset="0"/>
-              </a:rPr>
-              <a:t>:</a:t>
-            </a:r>
-            <a:r>
-              <a:rPr lang="en-US" sz="1200" dirty="0">
-                <a:latin typeface="Consolas" panose="020B0609020204030204" pitchFamily="49" charset="0"/>
-              </a:rPr>
-              <a:t>aspect performance </a:t>
-            </a:r>
-            <a:endParaRPr lang="cs-CZ" sz="1200" dirty="0" smtClean="0">
-              <a:latin typeface="Consolas" panose="020B0609020204030204" pitchFamily="49" charset="0"/>
-            </a:endParaRPr>
-          </a:p>
-          <a:p>
-            <a:pPr>
-              <a:lnSpc>
-                <a:spcPct val="90000"/>
-              </a:lnSpc>
-            </a:pPr>
-            <a:r>
-              <a:rPr lang="cs-CZ" sz="1200" dirty="0">
-                <a:latin typeface="Consolas" panose="020B0609020204030204" pitchFamily="49" charset="0"/>
-              </a:rPr>
-              <a:t> </a:t>
-            </a:r>
-            <a:r>
-              <a:rPr lang="cs-CZ" sz="1200" dirty="0" smtClean="0">
-                <a:latin typeface="Consolas" panose="020B0609020204030204" pitchFamily="49" charset="0"/>
-              </a:rPr>
-              <a:t>  </a:t>
-            </a:r>
-            <a:r>
-              <a:rPr lang="en-US" sz="1200" dirty="0" smtClean="0">
-                <a:latin typeface="Consolas" panose="020B0609020204030204" pitchFamily="49" charset="0"/>
-              </a:rPr>
-              <a:t>:</a:t>
-            </a:r>
-            <a:r>
-              <a:rPr lang="en-US" sz="1200" dirty="0">
-                <a:latin typeface="Consolas" panose="020B0609020204030204" pitchFamily="49" charset="0"/>
-              </a:rPr>
-              <a:t>purpose (</a:t>
-            </a:r>
-            <a:r>
-              <a:rPr lang="en-US" sz="1200" dirty="0" err="1">
-                <a:latin typeface="Consolas" panose="020B0609020204030204" pitchFamily="49" charset="0"/>
-              </a:rPr>
-              <a:t>s1e</a:t>
-            </a:r>
-            <a:r>
-              <a:rPr lang="en-US" sz="1200" dirty="0">
-                <a:latin typeface="Consolas" panose="020B0609020204030204" pitchFamily="49" charset="0"/>
-              </a:rPr>
-              <a:t> / eat-01 </a:t>
-            </a:r>
-            <a:endParaRPr lang="cs-CZ" sz="1200" dirty="0" smtClean="0">
-              <a:latin typeface="Consolas" panose="020B0609020204030204" pitchFamily="49" charset="0"/>
-            </a:endParaRPr>
-          </a:p>
-          <a:p>
-            <a:pPr>
-              <a:lnSpc>
-                <a:spcPct val="90000"/>
-              </a:lnSpc>
-            </a:pPr>
-            <a:r>
-              <a:rPr lang="cs-CZ" sz="1200" dirty="0">
-                <a:latin typeface="Consolas" panose="020B0609020204030204" pitchFamily="49" charset="0"/>
-              </a:rPr>
-              <a:t> </a:t>
-            </a:r>
-            <a:r>
-              <a:rPr lang="cs-CZ" sz="1200" dirty="0" smtClean="0">
-                <a:latin typeface="Consolas" panose="020B0609020204030204" pitchFamily="49" charset="0"/>
-              </a:rPr>
-              <a:t>     </a:t>
-            </a:r>
-            <a:r>
-              <a:rPr lang="en-US" sz="1200" dirty="0" smtClean="0">
-                <a:latin typeface="Consolas" panose="020B0609020204030204" pitchFamily="49" charset="0"/>
-              </a:rPr>
-              <a:t>:</a:t>
-            </a:r>
-            <a:r>
-              <a:rPr lang="en-US" sz="1200" dirty="0" err="1">
-                <a:latin typeface="Consolas" panose="020B0609020204030204" pitchFamily="49" charset="0"/>
-              </a:rPr>
-              <a:t>ARG0</a:t>
-            </a:r>
-            <a:r>
-              <a:rPr lang="en-US" sz="1200" dirty="0">
-                <a:latin typeface="Consolas" panose="020B0609020204030204" pitchFamily="49" charset="0"/>
-              </a:rPr>
-              <a:t> </a:t>
-            </a:r>
-            <a:r>
-              <a:rPr lang="en-US" sz="1200" dirty="0" err="1">
-                <a:latin typeface="Consolas" panose="020B0609020204030204" pitchFamily="49" charset="0"/>
-              </a:rPr>
-              <a:t>s1p</a:t>
-            </a:r>
-            <a:r>
-              <a:rPr lang="en-US" sz="1200" dirty="0">
-                <a:latin typeface="Consolas" panose="020B0609020204030204" pitchFamily="49" charset="0"/>
-              </a:rPr>
-              <a:t> </a:t>
-            </a:r>
-            <a:endParaRPr lang="cs-CZ" sz="1200" dirty="0" smtClean="0">
-              <a:latin typeface="Consolas" panose="020B0609020204030204" pitchFamily="49" charset="0"/>
-            </a:endParaRPr>
-          </a:p>
-          <a:p>
-            <a:pPr>
-              <a:lnSpc>
-                <a:spcPct val="90000"/>
-              </a:lnSpc>
-            </a:pPr>
-            <a:r>
-              <a:rPr lang="cs-CZ" sz="1200" dirty="0">
-                <a:latin typeface="Consolas" panose="020B0609020204030204" pitchFamily="49" charset="0"/>
-              </a:rPr>
-              <a:t> </a:t>
-            </a:r>
-            <a:r>
-              <a:rPr lang="cs-CZ" sz="1200" dirty="0" smtClean="0">
-                <a:latin typeface="Consolas" panose="020B0609020204030204" pitchFamily="49" charset="0"/>
-              </a:rPr>
-              <a:t>     </a:t>
-            </a:r>
-            <a:r>
-              <a:rPr lang="en-US" sz="1200" dirty="0" smtClean="0">
-                <a:latin typeface="Consolas" panose="020B0609020204030204" pitchFamily="49" charset="0"/>
-              </a:rPr>
-              <a:t>:</a:t>
-            </a:r>
-            <a:r>
-              <a:rPr lang="en-US" sz="1200" dirty="0" err="1">
-                <a:latin typeface="Consolas" panose="020B0609020204030204" pitchFamily="49" charset="0"/>
-              </a:rPr>
-              <a:t>ARG1</a:t>
-            </a:r>
-            <a:r>
-              <a:rPr lang="en-US" sz="1200" dirty="0">
-                <a:latin typeface="Consolas" panose="020B0609020204030204" pitchFamily="49" charset="0"/>
-              </a:rPr>
-              <a:t> (</a:t>
-            </a:r>
-            <a:r>
-              <a:rPr lang="en-US" sz="1200" dirty="0" err="1">
-                <a:latin typeface="Consolas" panose="020B0609020204030204" pitchFamily="49" charset="0"/>
-              </a:rPr>
-              <a:t>s1l2</a:t>
-            </a:r>
-            <a:r>
-              <a:rPr lang="en-US" sz="1200" dirty="0">
-                <a:latin typeface="Consolas" panose="020B0609020204030204" pitchFamily="49" charset="0"/>
-              </a:rPr>
-              <a:t> / lunch) </a:t>
-            </a:r>
-            <a:endParaRPr lang="cs-CZ" sz="1200" dirty="0" smtClean="0">
-              <a:latin typeface="Consolas" panose="020B0609020204030204" pitchFamily="49" charset="0"/>
-            </a:endParaRPr>
-          </a:p>
-          <a:p>
-            <a:pPr>
-              <a:lnSpc>
-                <a:spcPct val="90000"/>
-              </a:lnSpc>
-            </a:pPr>
-            <a:r>
-              <a:rPr lang="cs-CZ" sz="1200" dirty="0">
-                <a:latin typeface="Consolas" panose="020B0609020204030204" pitchFamily="49" charset="0"/>
-              </a:rPr>
-              <a:t> </a:t>
-            </a:r>
-            <a:r>
-              <a:rPr lang="cs-CZ" sz="1200" dirty="0" smtClean="0">
-                <a:latin typeface="Consolas" panose="020B0609020204030204" pitchFamily="49" charset="0"/>
-              </a:rPr>
-              <a:t>     </a:t>
-            </a:r>
-            <a:r>
-              <a:rPr lang="en-US" sz="1200" dirty="0" smtClean="0">
-                <a:latin typeface="Consolas" panose="020B0609020204030204" pitchFamily="49" charset="0"/>
-              </a:rPr>
-              <a:t>:</a:t>
-            </a:r>
-            <a:r>
-              <a:rPr lang="en-US" sz="1200" dirty="0">
-                <a:latin typeface="Consolas" panose="020B0609020204030204" pitchFamily="49" charset="0"/>
-              </a:rPr>
-              <a:t>aspect performance)) </a:t>
-            </a:r>
-            <a:endParaRPr lang="cs-CZ" sz="1200" dirty="0" smtClean="0">
-              <a:latin typeface="Consolas" panose="020B0609020204030204" pitchFamily="49" charset="0"/>
-            </a:endParaRPr>
-          </a:p>
-          <a:p>
-            <a:pPr>
-              <a:lnSpc>
-                <a:spcPct val="90000"/>
-              </a:lnSpc>
-            </a:pPr>
-            <a:endParaRPr lang="cs-CZ" sz="1200" dirty="0">
-              <a:latin typeface="Consolas" panose="020B0609020204030204" pitchFamily="49" charset="0"/>
-            </a:endParaRPr>
-          </a:p>
-          <a:p>
-            <a:pPr>
-              <a:lnSpc>
-                <a:spcPct val="90000"/>
-              </a:lnSpc>
-            </a:pPr>
-            <a:r>
-              <a:rPr lang="en-US" sz="1200" dirty="0" smtClean="0">
-                <a:latin typeface="Consolas" panose="020B0609020204030204" pitchFamily="49" charset="0"/>
-              </a:rPr>
-              <a:t># </a:t>
-            </a:r>
-            <a:r>
-              <a:rPr lang="en-US" sz="1200" dirty="0">
-                <a:latin typeface="Consolas" panose="020B0609020204030204" pitchFamily="49" charset="0"/>
-              </a:rPr>
-              <a:t>alignment: </a:t>
-            </a:r>
-            <a:endParaRPr lang="cs-CZ" sz="1200" dirty="0" smtClean="0">
-              <a:latin typeface="Consolas" panose="020B0609020204030204" pitchFamily="49" charset="0"/>
-            </a:endParaRPr>
-          </a:p>
-          <a:p>
-            <a:pPr>
-              <a:lnSpc>
-                <a:spcPct val="90000"/>
-              </a:lnSpc>
-            </a:pPr>
-            <a:r>
-              <a:rPr lang="en-US" sz="1200" dirty="0" err="1" smtClean="0">
-                <a:latin typeface="Consolas" panose="020B0609020204030204" pitchFamily="49" charset="0"/>
-              </a:rPr>
-              <a:t>s1l</a:t>
-            </a:r>
-            <a:r>
-              <a:rPr lang="en-US" sz="1200" dirty="0">
-                <a:latin typeface="Consolas" panose="020B0609020204030204" pitchFamily="49" charset="0"/>
-              </a:rPr>
-              <a:t>: 2-2 </a:t>
-            </a:r>
-            <a:r>
-              <a:rPr lang="en-US" sz="1200" dirty="0" err="1">
-                <a:latin typeface="Consolas" panose="020B0609020204030204" pitchFamily="49" charset="0"/>
-              </a:rPr>
-              <a:t>s1p</a:t>
-            </a:r>
-            <a:r>
-              <a:rPr lang="en-US" sz="1200" dirty="0">
-                <a:latin typeface="Consolas" panose="020B0609020204030204" pitchFamily="49" charset="0"/>
-              </a:rPr>
-              <a:t>: 1-1 </a:t>
-            </a:r>
-            <a:r>
-              <a:rPr lang="en-US" sz="1200" dirty="0" err="1">
-                <a:latin typeface="Consolas" panose="020B0609020204030204" pitchFamily="49" charset="0"/>
-              </a:rPr>
-              <a:t>s1n</a:t>
-            </a:r>
-            <a:r>
-              <a:rPr lang="en-US" sz="1200" dirty="0">
-                <a:latin typeface="Consolas" panose="020B0609020204030204" pitchFamily="49" charset="0"/>
-              </a:rPr>
-              <a:t>: 0-0 </a:t>
-            </a:r>
-            <a:r>
-              <a:rPr lang="en-US" sz="1200" dirty="0" err="1">
-                <a:latin typeface="Consolas" panose="020B0609020204030204" pitchFamily="49" charset="0"/>
-              </a:rPr>
-              <a:t>s1e</a:t>
-            </a:r>
-            <a:r>
-              <a:rPr lang="en-US" sz="1200" dirty="0">
-                <a:latin typeface="Consolas" panose="020B0609020204030204" pitchFamily="49" charset="0"/>
-              </a:rPr>
-              <a:t>: 6-6 </a:t>
-            </a:r>
-            <a:r>
-              <a:rPr lang="en-US" sz="1200" dirty="0" err="1">
-                <a:latin typeface="Consolas" panose="020B0609020204030204" pitchFamily="49" charset="0"/>
-              </a:rPr>
-              <a:t>s1l2</a:t>
-            </a:r>
-            <a:r>
-              <a:rPr lang="en-US" sz="1200" dirty="0">
-                <a:latin typeface="Consolas" panose="020B0609020204030204" pitchFamily="49" charset="0"/>
-              </a:rPr>
-              <a:t>: 7-7 </a:t>
-            </a:r>
-            <a:endParaRPr lang="cs-CZ" sz="1200" dirty="0" smtClean="0">
-              <a:latin typeface="Consolas" panose="020B0609020204030204" pitchFamily="49" charset="0"/>
-            </a:endParaRPr>
-          </a:p>
-          <a:p>
-            <a:pPr>
-              <a:lnSpc>
-                <a:spcPct val="90000"/>
-              </a:lnSpc>
-            </a:pPr>
-            <a:endParaRPr lang="cs-CZ" sz="1200" dirty="0">
-              <a:latin typeface="Consolas" panose="020B0609020204030204" pitchFamily="49" charset="0"/>
-            </a:endParaRPr>
-          </a:p>
-          <a:p>
-            <a:pPr>
-              <a:lnSpc>
-                <a:spcPct val="90000"/>
-              </a:lnSpc>
-            </a:pPr>
-            <a:r>
-              <a:rPr lang="en-US" sz="1200" dirty="0" smtClean="0">
-                <a:latin typeface="Consolas" panose="020B0609020204030204" pitchFamily="49" charset="0"/>
-              </a:rPr>
-              <a:t># </a:t>
-            </a:r>
-            <a:r>
-              <a:rPr lang="en-US" sz="1200" dirty="0">
-                <a:latin typeface="Consolas" panose="020B0609020204030204" pitchFamily="49" charset="0"/>
-              </a:rPr>
-              <a:t>document level annotation: </a:t>
-            </a:r>
-            <a:endParaRPr lang="cs-CZ" sz="1200" dirty="0" smtClean="0">
-              <a:latin typeface="Consolas" panose="020B0609020204030204" pitchFamily="49" charset="0"/>
-            </a:endParaRPr>
-          </a:p>
-          <a:p>
-            <a:pPr>
-              <a:lnSpc>
-                <a:spcPct val="90000"/>
-              </a:lnSpc>
-            </a:pPr>
-            <a:r>
-              <a:rPr lang="en-US" sz="1200" dirty="0" smtClean="0">
-                <a:latin typeface="Consolas" panose="020B0609020204030204" pitchFamily="49" charset="0"/>
-              </a:rPr>
-              <a:t>(</a:t>
-            </a:r>
-            <a:r>
-              <a:rPr lang="en-US" sz="1200" dirty="0" err="1">
-                <a:latin typeface="Consolas" panose="020B0609020204030204" pitchFamily="49" charset="0"/>
-              </a:rPr>
-              <a:t>s1s0</a:t>
-            </a:r>
-            <a:r>
-              <a:rPr lang="en-US" sz="1200" dirty="0">
-                <a:latin typeface="Consolas" panose="020B0609020204030204" pitchFamily="49" charset="0"/>
-              </a:rPr>
-              <a:t> / sentence </a:t>
-            </a:r>
-            <a:endParaRPr lang="cs-CZ" sz="1200" dirty="0" smtClean="0">
-              <a:latin typeface="Consolas" panose="020B0609020204030204" pitchFamily="49" charset="0"/>
-            </a:endParaRPr>
-          </a:p>
-          <a:p>
-            <a:pPr>
-              <a:lnSpc>
-                <a:spcPct val="90000"/>
-              </a:lnSpc>
-            </a:pPr>
-            <a:r>
-              <a:rPr lang="cs-CZ" sz="1200" dirty="0">
-                <a:latin typeface="Consolas" panose="020B0609020204030204" pitchFamily="49" charset="0"/>
-              </a:rPr>
-              <a:t> </a:t>
-            </a:r>
-            <a:r>
-              <a:rPr lang="cs-CZ" sz="1200" dirty="0" smtClean="0">
-                <a:latin typeface="Consolas" panose="020B0609020204030204" pitchFamily="49" charset="0"/>
-              </a:rPr>
-              <a:t>  </a:t>
-            </a:r>
-            <a:r>
-              <a:rPr lang="en-US" sz="1200" dirty="0" smtClean="0">
-                <a:latin typeface="Consolas" panose="020B0609020204030204" pitchFamily="49" charset="0"/>
-              </a:rPr>
-              <a:t>:</a:t>
-            </a:r>
-            <a:r>
-              <a:rPr lang="en-US" sz="1200" dirty="0">
-                <a:latin typeface="Consolas" panose="020B0609020204030204" pitchFamily="49" charset="0"/>
-              </a:rPr>
-              <a:t>temporal ((document-creation-time :before </a:t>
-            </a:r>
-            <a:r>
-              <a:rPr lang="en-US" sz="1200" dirty="0" err="1">
-                <a:latin typeface="Consolas" panose="020B0609020204030204" pitchFamily="49" charset="0"/>
-              </a:rPr>
-              <a:t>s1l</a:t>
-            </a:r>
-            <a:r>
-              <a:rPr lang="en-US" sz="1200" dirty="0">
-                <a:latin typeface="Consolas" panose="020B0609020204030204" pitchFamily="49" charset="0"/>
-              </a:rPr>
-              <a:t>) </a:t>
-            </a:r>
-            <a:endParaRPr lang="cs-CZ" sz="1200" dirty="0" smtClean="0">
-              <a:latin typeface="Consolas" panose="020B0609020204030204" pitchFamily="49" charset="0"/>
-            </a:endParaRPr>
-          </a:p>
-          <a:p>
-            <a:pPr>
-              <a:lnSpc>
-                <a:spcPct val="90000"/>
-              </a:lnSpc>
-            </a:pPr>
-            <a:r>
-              <a:rPr lang="cs-CZ" sz="1200" dirty="0">
-                <a:latin typeface="Consolas" panose="020B0609020204030204" pitchFamily="49" charset="0"/>
-              </a:rPr>
-              <a:t> </a:t>
-            </a:r>
-            <a:r>
-              <a:rPr lang="cs-CZ" sz="1200" dirty="0" smtClean="0">
-                <a:latin typeface="Consolas" panose="020B0609020204030204" pitchFamily="49" charset="0"/>
-              </a:rPr>
-              <a:t>             </a:t>
-            </a:r>
-            <a:r>
-              <a:rPr lang="en-US" sz="1200" dirty="0" smtClean="0">
-                <a:latin typeface="Consolas" panose="020B0609020204030204" pitchFamily="49" charset="0"/>
-              </a:rPr>
-              <a:t>(</a:t>
-            </a:r>
-            <a:r>
-              <a:rPr lang="en-US" sz="1200" dirty="0" err="1">
-                <a:latin typeface="Consolas" panose="020B0609020204030204" pitchFamily="49" charset="0"/>
-              </a:rPr>
-              <a:t>s1l</a:t>
-            </a:r>
-            <a:r>
-              <a:rPr lang="en-US" sz="1200" dirty="0">
-                <a:latin typeface="Consolas" panose="020B0609020204030204" pitchFamily="49" charset="0"/>
-              </a:rPr>
-              <a:t> :after </a:t>
-            </a:r>
-            <a:r>
-              <a:rPr lang="en-US" sz="1200" dirty="0" err="1">
-                <a:latin typeface="Consolas" panose="020B0609020204030204" pitchFamily="49" charset="0"/>
-              </a:rPr>
-              <a:t>s1e</a:t>
-            </a:r>
-            <a:r>
-              <a:rPr lang="en-US" sz="1200" dirty="0" smtClean="0">
-                <a:latin typeface="Consolas" panose="020B0609020204030204" pitchFamily="49" charset="0"/>
-              </a:rPr>
-              <a:t>))</a:t>
-            </a:r>
-            <a:endParaRPr lang="cs-CZ" sz="1200" dirty="0" smtClean="0">
-              <a:latin typeface="Consolas" panose="020B0609020204030204" pitchFamily="49" charset="0"/>
-            </a:endParaRPr>
-          </a:p>
-          <a:p>
-            <a:pPr>
-              <a:lnSpc>
-                <a:spcPct val="90000"/>
-              </a:lnSpc>
-            </a:pPr>
-            <a:r>
-              <a:rPr lang="en-US" sz="1200" dirty="0" smtClean="0">
-                <a:latin typeface="Consolas" panose="020B0609020204030204" pitchFamily="49" charset="0"/>
-              </a:rPr>
-              <a:t> </a:t>
-            </a:r>
-            <a:r>
-              <a:rPr lang="cs-CZ" sz="1200" dirty="0" smtClean="0">
-                <a:latin typeface="Consolas" panose="020B0609020204030204" pitchFamily="49" charset="0"/>
-              </a:rPr>
-              <a:t>  </a:t>
-            </a:r>
-            <a:r>
-              <a:rPr lang="en-US" sz="1200" dirty="0" smtClean="0">
-                <a:latin typeface="Consolas" panose="020B0609020204030204" pitchFamily="49" charset="0"/>
-              </a:rPr>
-              <a:t>:</a:t>
-            </a:r>
-            <a:r>
-              <a:rPr lang="en-US" sz="1200" dirty="0">
-                <a:latin typeface="Consolas" panose="020B0609020204030204" pitchFamily="49" charset="0"/>
-              </a:rPr>
-              <a:t>modal ((root :modal author) </a:t>
-            </a:r>
-            <a:endParaRPr lang="cs-CZ" sz="1200" dirty="0" smtClean="0">
-              <a:latin typeface="Consolas" panose="020B0609020204030204" pitchFamily="49" charset="0"/>
-            </a:endParaRPr>
-          </a:p>
-          <a:p>
-            <a:pPr>
-              <a:lnSpc>
-                <a:spcPct val="90000"/>
-              </a:lnSpc>
-            </a:pPr>
-            <a:r>
-              <a:rPr lang="cs-CZ" sz="1200" dirty="0">
-                <a:latin typeface="Consolas" panose="020B0609020204030204" pitchFamily="49" charset="0"/>
-              </a:rPr>
-              <a:t> </a:t>
-            </a:r>
-            <a:r>
-              <a:rPr lang="cs-CZ" sz="1200" dirty="0" smtClean="0">
-                <a:latin typeface="Consolas" panose="020B0609020204030204" pitchFamily="49" charset="0"/>
-              </a:rPr>
-              <a:t>          </a:t>
-            </a:r>
-            <a:r>
-              <a:rPr lang="en-US" sz="1200" dirty="0" smtClean="0">
-                <a:latin typeface="Consolas" panose="020B0609020204030204" pitchFamily="49" charset="0"/>
-              </a:rPr>
-              <a:t>(</a:t>
-            </a:r>
-            <a:r>
-              <a:rPr lang="en-US" sz="1200" dirty="0">
-                <a:latin typeface="Consolas" panose="020B0609020204030204" pitchFamily="49" charset="0"/>
-              </a:rPr>
-              <a:t>author :full-affirmative </a:t>
-            </a:r>
-            <a:r>
-              <a:rPr lang="en-US" sz="1200" dirty="0" err="1">
-                <a:latin typeface="Consolas" panose="020B0609020204030204" pitchFamily="49" charset="0"/>
-              </a:rPr>
-              <a:t>s1l</a:t>
-            </a:r>
-            <a:r>
-              <a:rPr lang="en-US" sz="1200" dirty="0">
-                <a:latin typeface="Consolas" panose="020B0609020204030204" pitchFamily="49" charset="0"/>
-              </a:rPr>
-              <a:t>) </a:t>
-            </a:r>
-            <a:endParaRPr lang="cs-CZ" sz="1200" dirty="0" smtClean="0">
-              <a:latin typeface="Consolas" panose="020B0609020204030204" pitchFamily="49" charset="0"/>
-            </a:endParaRPr>
-          </a:p>
-          <a:p>
-            <a:pPr>
-              <a:lnSpc>
-                <a:spcPct val="90000"/>
-              </a:lnSpc>
-            </a:pPr>
-            <a:r>
-              <a:rPr lang="cs-CZ" sz="1200" dirty="0">
-                <a:latin typeface="Consolas" panose="020B0609020204030204" pitchFamily="49" charset="0"/>
-              </a:rPr>
-              <a:t> </a:t>
-            </a:r>
-            <a:r>
-              <a:rPr lang="cs-CZ" sz="1200" dirty="0" smtClean="0">
-                <a:latin typeface="Consolas" panose="020B0609020204030204" pitchFamily="49" charset="0"/>
-              </a:rPr>
-              <a:t>          </a:t>
-            </a:r>
-            <a:r>
-              <a:rPr lang="en-US" sz="1200" dirty="0" smtClean="0">
-                <a:latin typeface="Consolas" panose="020B0609020204030204" pitchFamily="49" charset="0"/>
-              </a:rPr>
-              <a:t>(</a:t>
-            </a:r>
-            <a:r>
-              <a:rPr lang="en-US" sz="1200" dirty="0">
-                <a:latin typeface="Consolas" panose="020B0609020204030204" pitchFamily="49" charset="0"/>
-              </a:rPr>
-              <a:t>author :full-negative </a:t>
-            </a:r>
-            <a:r>
-              <a:rPr lang="en-US" sz="1200" dirty="0" err="1">
-                <a:latin typeface="Consolas" panose="020B0609020204030204" pitchFamily="49" charset="0"/>
-              </a:rPr>
-              <a:t>s1e</a:t>
-            </a:r>
-            <a:r>
-              <a:rPr lang="en-US" sz="1200" dirty="0">
-                <a:latin typeface="Consolas" panose="020B0609020204030204" pitchFamily="49" charset="0"/>
-              </a:rPr>
-              <a:t>)))</a:t>
-            </a:r>
-          </a:p>
-        </p:txBody>
-      </p:sp>
-      <p:sp>
-        <p:nvSpPr>
-          <p:cNvPr id="2" name="Rounded Rectangle 1"/>
-          <p:cNvSpPr/>
-          <p:nvPr/>
-        </p:nvSpPr>
-        <p:spPr>
-          <a:xfrm>
-            <a:off x="251520" y="3651870"/>
-            <a:ext cx="4752528" cy="1268427"/>
-          </a:xfrm>
-          <a:prstGeom prst="roundRect">
-            <a:avLst/>
-          </a:prstGeom>
-          <a:solidFill>
-            <a:srgbClr val="FFAB40">
-              <a:alpha val="30196"/>
-            </a:srgbClr>
-          </a:solidFill>
-          <a:ln>
-            <a:solidFill>
-              <a:srgbClr val="F47B20"/>
-            </a:solidFill>
-          </a:ln>
-        </p:spPr>
-        <p:style>
-          <a:lnRef idx="2">
-            <a:schemeClr val="accent1">
-              <a:shade val="50000"/>
-            </a:schemeClr>
-          </a:lnRef>
-          <a:fillRef idx="1">
-            <a:schemeClr val="accent1"/>
-          </a:fillRef>
-          <a:effectRef idx="0">
-            <a:schemeClr val="accent1"/>
-          </a:effectRef>
-          <a:fontRef idx="minor">
-            <a:schemeClr val="lt1"/>
-          </a:fontRef>
-        </p:style>
-        <p:txBody>
-          <a:bodyPr rtlCol="0" anchor="ctr"/>
-          <a:lstStyle/>
-          <a:p>
-            <a:pPr algn="ctr"/>
-            <a:endParaRPr lang="en-US"/>
-          </a:p>
-        </p:txBody>
-      </p:sp>
-    </p:spTree>
-    <p:extLst>
-      <p:ext uri="{BB962C8B-B14F-4D97-AF65-F5344CB8AC3E}">
-        <p14:creationId xmlns:p14="http://schemas.microsoft.com/office/powerpoint/2010/main" val="1928968543"/>
-      </p:ext>
-    </p:extLst>
-  </p:cSld>
-  <p:clrMapOvr>
-    <a:masterClrMapping/>
-  </p:clrMapOvr>
-  <p:timing>
-    <p:tnLst>
-      <p:par>
-        <p:cTn id="1" dur="indefinite" restart="never" nodeType="tmRoot"/>
-      </p:par>
-    </p:tnLst>
-  </p:timing>
-</p:sld>
-</file>
-
-<file path=ppt/slides/slide5.xml><?xml version="1.0" encoding="utf-8"?>
-<p:sld xmlns:a="http://schemas.openxmlformats.org/drawingml/2006/main" xmlns:r="http://schemas.openxmlformats.org/officeDocument/2006/relationships" xmlns:p="http://schemas.openxmlformats.org/presentationml/2006/main">
-  <p:cSld>
-    <p:spTree>
-      <p:nvGrpSpPr>
-        <p:cNvPr id="1" name=""/>
-        <p:cNvGrpSpPr/>
-        <p:nvPr/>
-      </p:nvGrpSpPr>
-      <p:grpSpPr>
-        <a:xfrm>
-          <a:off x="0" y="0"/>
-          <a:ext cx="0" cy="0"/>
-          <a:chOff x="0" y="0"/>
-          <a:chExt cx="0" cy="0"/>
-        </a:xfrm>
-      </p:grpSpPr>
-      <p:sp>
-        <p:nvSpPr>
-          <p:cNvPr id="3" name="Zástupný symbol pro číslo snímku 2"/>
-          <p:cNvSpPr>
-            <a:spLocks noGrp="1"/>
-          </p:cNvSpPr>
-          <p:nvPr>
-            <p:ph type="sldNum" idx="12"/>
-          </p:nvPr>
-        </p:nvSpPr>
-        <p:spPr/>
-        <p:txBody>
-          <a:bodyPr/>
-          <a:lstStyle/>
-          <a:p>
-            <a:pPr marL="0" lvl="0" indent="0" algn="r" rtl="0">
-              <a:spcBef>
-                <a:spcPts val="0"/>
-              </a:spcBef>
-              <a:spcAft>
-                <a:spcPts val="0"/>
-              </a:spcAft>
-              <a:buNone/>
-            </a:pPr>
-            <a:fld id="{00000000-1234-1234-1234-123412341234}" type="slidenum">
-              <a:rPr lang="en-US" smtClean="0"/>
-              <a:t>5</a:t>
             </a:fld>
             <a:endParaRPr lang="en-US" dirty="0"/>
           </a:p>
@@ -13209,16 +14427,16 @@
               <a:t> </a:t>
             </a:r>
             <a:r>
-              <a:rPr lang="en-US" dirty="0" err="1">
+              <a:rPr lang="en-US" dirty="0" err="1" smtClean="0">
                 <a:latin typeface="Consolas" panose="020B0609020204030204" pitchFamily="49" charset="0"/>
               </a:rPr>
               <a:t>protikladně</a:t>
             </a:r>
             <a:r>
-              <a:rPr lang="en-US" dirty="0">
+              <a:rPr lang="en-US" dirty="0" smtClean="0">
                 <a:latin typeface="Consolas" panose="020B0609020204030204" pitchFamily="49" charset="0"/>
               </a:rPr>
-              <a:t>, </a:t>
+              <a:t> </a:t>
             </a:r>
             <a:r>
               <a:rPr lang="en-US" dirty="0" err="1">
@@ -13320,6 +14538,114 @@
               </a:rPr>
               <a:t>to that in a standard economy.</a:t>
             </a:r>
+          </a:p>
+        </p:txBody>
+      </p:sp>
+      <p:sp>
+        <p:nvSpPr>
+          <p:cNvPr id="2" name="TextovéPole 1"/>
+          <p:cNvSpPr txBox="1"/>
+          <p:nvPr/>
+        </p:nvSpPr>
+        <p:spPr>
+          <a:xfrm>
+            <a:off x="3131840" y="4882969"/>
+            <a:ext cx="4968551" cy="254361"/>
+          </a:xfrm>
+          <a:prstGeom prst="rect">
+            <a:avLst/>
+          </a:prstGeom>
+          <a:noFill/>
+        </p:spPr>
+        <p:txBody>
+          <a:bodyPr wrap="square" rtlCol="0">
+            <a:spAutoFit/>
+          </a:bodyPr>
+          <a:lstStyle/>
+          <a:p>
+            <a:r>
+              <a:rPr lang="cs-CZ" dirty="0" err="1">
+                <a:solidFill>
+                  <a:schemeClr val="dk1"/>
+                </a:solidFill>
+                <a:latin typeface="Open Sans"/>
+                <a:ea typeface="Open Sans"/>
+                <a:cs typeface="Open Sans"/>
+                <a:sym typeface="Open Sans"/>
+              </a:rPr>
+              <a:t>download</a:t>
+            </a:r>
+            <a:r>
+              <a:rPr lang="cs-CZ" dirty="0">
+                <a:solidFill>
+                  <a:schemeClr val="dk1"/>
+                </a:solidFill>
+                <a:latin typeface="Open Sans"/>
+                <a:ea typeface="Open Sans"/>
+                <a:cs typeface="Open Sans"/>
+                <a:sym typeface="Open Sans"/>
+              </a:rPr>
+              <a:t> </a:t>
+            </a:r>
+            <a:r>
+              <a:rPr lang="cs-CZ" dirty="0" err="1">
+                <a:solidFill>
+                  <a:schemeClr val="dk1"/>
+                </a:solidFill>
+                <a:latin typeface="Open Sans"/>
+                <a:ea typeface="Open Sans"/>
+                <a:cs typeface="Open Sans"/>
+                <a:sym typeface="Open Sans"/>
+              </a:rPr>
+              <a:t>PDT</a:t>
+            </a:r>
+            <a:r>
+              <a:rPr lang="cs-CZ" dirty="0">
+                <a:solidFill>
+                  <a:schemeClr val="dk1"/>
+                </a:solidFill>
+                <a:latin typeface="Open Sans"/>
+                <a:ea typeface="Open Sans"/>
+                <a:cs typeface="Open Sans"/>
+                <a:sym typeface="Open Sans"/>
+              </a:rPr>
+              <a:t>-C 2.0 </a:t>
+            </a:r>
+            <a:r>
+              <a:rPr lang="en-US" dirty="0">
+                <a:solidFill>
+                  <a:schemeClr val="dk1"/>
+                </a:solidFill>
+                <a:latin typeface="Open Sans"/>
+                <a:ea typeface="Open Sans"/>
+                <a:cs typeface="Open Sans"/>
+                <a:sym typeface="Open Sans"/>
+                <a:hlinkClick r:id="rId4"/>
+              </a:rPr>
+              <a:t>http://</a:t>
+            </a:r>
+            <a:r>
+              <a:rPr lang="en-US" dirty="0" smtClean="0">
+                <a:solidFill>
+                  <a:schemeClr val="dk1"/>
+                </a:solidFill>
+                <a:latin typeface="Open Sans"/>
+                <a:ea typeface="Open Sans"/>
+                <a:cs typeface="Open Sans"/>
+                <a:sym typeface="Open Sans"/>
+                <a:hlinkClick r:id="rId4"/>
+              </a:rPr>
+              <a:t>hdl.handle.net/11234/1-5813</a:t>
+            </a:r>
+            <a:endParaRPr lang="en-US" dirty="0">
+              <a:solidFill>
+                <a:schemeClr val="dk1"/>
+              </a:solidFill>
+              <a:latin typeface="Open Sans"/>
+              <a:ea typeface="Open Sans"/>
+              <a:cs typeface="Open Sans"/>
+              <a:sym typeface="Open Sans"/>
+            </a:endParaRPr>
           </a:p>
         </p:txBody>
       </p:sp>
@@ -13327,6 +14653,563 @@
     <p:extLst>
       <p:ext uri="{BB962C8B-B14F-4D97-AF65-F5344CB8AC3E}">
         <p14:creationId xmlns:p14="http://schemas.microsoft.com/office/powerpoint/2010/main" val="3629066330"/>
+      </p:ext>
+    </p:extLst>
+  </p:cSld>
+  <p:clrMapOvr>
+    <a:masterClrMapping/>
+  </p:clrMapOvr>
+  <p:timing>
+    <p:tnLst>
+      <p:par>
+        <p:cTn id="1" dur="indefinite" restart="never" nodeType="tmRoot"/>
+      </p:par>
+    </p:tnLst>
+  </p:timing>
+</p:sld>
+</file>
+
+<file path=ppt/slides/slide5.xml><?xml version="1.0" encoding="utf-8"?>
+<p:sld xmlns:a="http://schemas.openxmlformats.org/drawingml/2006/main" xmlns:r="http://schemas.openxmlformats.org/officeDocument/2006/relationships" xmlns:p="http://schemas.openxmlformats.org/presentationml/2006/main">
+  <p:cSld>
+    <p:spTree>
+      <p:nvGrpSpPr>
+        <p:cNvPr id="1" name=""/>
+        <p:cNvGrpSpPr/>
+        <p:nvPr/>
+      </p:nvGrpSpPr>
+      <p:grpSpPr>
+        <a:xfrm>
+          <a:off x="0" y="0"/>
+          <a:ext cx="0" cy="0"/>
+          <a:chOff x="0" y="0"/>
+          <a:chExt cx="0" cy="0"/>
+        </a:xfrm>
+      </p:grpSpPr>
+      <p:sp>
+        <p:nvSpPr>
+          <p:cNvPr id="2" name="Zástupný symbol pro text 1"/>
+          <p:cNvSpPr>
+            <a:spLocks noGrp="1"/>
+          </p:cNvSpPr>
+          <p:nvPr>
+            <p:ph type="body" idx="1"/>
+          </p:nvPr>
+        </p:nvSpPr>
+        <p:spPr>
+          <a:xfrm>
+            <a:off x="107504" y="699542"/>
+            <a:ext cx="4464496" cy="3869333"/>
+          </a:xfrm>
+        </p:spPr>
+        <p:txBody>
+          <a:bodyPr/>
+          <a:lstStyle/>
+          <a:p>
+            <a:pPr marL="139700" indent="0">
+              <a:buNone/>
+            </a:pPr>
+            <a:r>
+              <a:rPr lang="en-US" sz="1800" b="1" dirty="0" err="1" smtClean="0">
+                <a:solidFill>
+                  <a:srgbClr val="F47B20"/>
+                </a:solidFill>
+              </a:rPr>
+              <a:t>UMR</a:t>
+            </a:r>
+            <a:endParaRPr lang="en-US" sz="1800" b="1" dirty="0" smtClean="0">
+              <a:solidFill>
+                <a:srgbClr val="F47B20"/>
+              </a:solidFill>
+            </a:endParaRPr>
+          </a:p>
+          <a:p>
+            <a:pPr marL="357188" indent="-242888">
+              <a:buClr>
+                <a:srgbClr val="000000"/>
+              </a:buClr>
+              <a:buSzPct val="70000"/>
+            </a:pPr>
+            <a:r>
+              <a:rPr lang="en-US" sz="1600" dirty="0" smtClean="0">
+                <a:solidFill>
+                  <a:schemeClr val="dk1"/>
+                </a:solidFill>
+              </a:rPr>
+              <a:t>represents meaning</a:t>
+            </a:r>
+          </a:p>
+          <a:p>
+            <a:pPr marL="357188" indent="-242888">
+              <a:buClr>
+                <a:srgbClr val="000000"/>
+              </a:buClr>
+              <a:buSzPct val="70000"/>
+            </a:pPr>
+            <a:endParaRPr lang="en-US" sz="1600" dirty="0" smtClean="0">
+              <a:solidFill>
+                <a:schemeClr val="dk1"/>
+              </a:solidFill>
+            </a:endParaRPr>
+          </a:p>
+          <a:p>
+            <a:pPr marL="357188" indent="-242888">
+              <a:spcBef>
+                <a:spcPts val="600"/>
+              </a:spcBef>
+              <a:buClr>
+                <a:srgbClr val="000000"/>
+              </a:buClr>
+              <a:buSzPct val="70000"/>
+            </a:pPr>
+            <a:endParaRPr lang="en-US" sz="1600" dirty="0" smtClean="0">
+              <a:solidFill>
+                <a:schemeClr val="dk1"/>
+              </a:solidFill>
+            </a:endParaRPr>
+          </a:p>
+          <a:p>
+            <a:pPr marL="357188" indent="-242888">
+              <a:spcBef>
+                <a:spcPts val="600"/>
+              </a:spcBef>
+              <a:buClr>
+                <a:srgbClr val="000000"/>
+              </a:buClr>
+              <a:buSzPct val="70000"/>
+            </a:pPr>
+            <a:r>
+              <a:rPr lang="en-US" sz="1600" dirty="0" smtClean="0">
+                <a:solidFill>
+                  <a:schemeClr val="dk1"/>
+                </a:solidFill>
+              </a:rPr>
+              <a:t>encodes  the frame-based predicate-argument structure of all </a:t>
+            </a:r>
+            <a:r>
+              <a:rPr lang="en-US" sz="1600" dirty="0" err="1" smtClean="0">
+                <a:solidFill>
+                  <a:schemeClr val="dk1"/>
+                </a:solidFill>
+              </a:rPr>
+              <a:t>eventive</a:t>
+            </a:r>
+            <a:r>
+              <a:rPr lang="en-US" sz="1600" dirty="0" smtClean="0">
+                <a:solidFill>
+                  <a:schemeClr val="dk1"/>
+                </a:solidFill>
+              </a:rPr>
+              <a:t> concepts</a:t>
+            </a:r>
+          </a:p>
+          <a:p>
+            <a:pPr marL="357188" indent="-242888">
+              <a:spcBef>
+                <a:spcPts val="600"/>
+              </a:spcBef>
+              <a:buClr>
+                <a:srgbClr val="000000"/>
+              </a:buClr>
+              <a:buSzPct val="70000"/>
+            </a:pPr>
+            <a:r>
+              <a:rPr lang="en-US" sz="1600" dirty="0" smtClean="0">
+                <a:solidFill>
+                  <a:schemeClr val="dk1"/>
+                </a:solidFill>
+              </a:rPr>
+              <a:t>for each event, complex information </a:t>
+            </a:r>
+          </a:p>
+          <a:p>
+            <a:pPr marL="814388" lvl="1" indent="-242888">
+              <a:spcBef>
+                <a:spcPts val="0"/>
+              </a:spcBef>
+              <a:buClr>
+                <a:srgbClr val="000000"/>
+              </a:buClr>
+              <a:buSzPct val="70000"/>
+              <a:buFont typeface="Open Sans"/>
+              <a:buChar char="●"/>
+            </a:pPr>
+            <a:r>
+              <a:rPr lang="en-US" sz="1400" dirty="0" smtClean="0">
+                <a:solidFill>
+                  <a:schemeClr val="tx1"/>
+                </a:solidFill>
+              </a:rPr>
+              <a:t>aspect</a:t>
+            </a:r>
+          </a:p>
+          <a:p>
+            <a:pPr marL="814388" lvl="1" indent="-242888">
+              <a:spcBef>
+                <a:spcPts val="0"/>
+              </a:spcBef>
+              <a:buClr>
+                <a:srgbClr val="000000"/>
+              </a:buClr>
+              <a:buSzPct val="70000"/>
+              <a:buFont typeface="Open Sans"/>
+              <a:buChar char="●"/>
+            </a:pPr>
+            <a:r>
+              <a:rPr lang="en-US" sz="1400" dirty="0" smtClean="0">
+                <a:solidFill>
+                  <a:schemeClr val="tx1"/>
+                </a:solidFill>
+              </a:rPr>
+              <a:t>temporal chains</a:t>
+            </a:r>
+          </a:p>
+          <a:p>
+            <a:pPr marL="814388" lvl="1" indent="-242888">
+              <a:spcBef>
+                <a:spcPts val="0"/>
+              </a:spcBef>
+              <a:buClr>
+                <a:srgbClr val="000000"/>
+              </a:buClr>
+              <a:buSzPct val="70000"/>
+              <a:buFont typeface="Open Sans"/>
+              <a:buChar char="●"/>
+            </a:pPr>
+            <a:r>
+              <a:rPr lang="en-US" sz="1400" dirty="0" smtClean="0">
+                <a:solidFill>
+                  <a:schemeClr val="tx1"/>
+                </a:solidFill>
+              </a:rPr>
+              <a:t>epistemic modality</a:t>
+            </a:r>
+          </a:p>
+          <a:p>
+            <a:pPr marL="357188" indent="-242888">
+              <a:spcBef>
+                <a:spcPts val="600"/>
+              </a:spcBef>
+              <a:buClr>
+                <a:srgbClr val="000000"/>
+              </a:buClr>
+              <a:buSzPct val="70000"/>
+            </a:pPr>
+            <a:r>
+              <a:rPr lang="en-US" sz="1600" dirty="0" err="1" smtClean="0">
+                <a:solidFill>
+                  <a:schemeClr val="dk1"/>
+                </a:solidFill>
+              </a:rPr>
+              <a:t>coreference</a:t>
+            </a:r>
+            <a:endParaRPr lang="en-US" sz="1600" dirty="0" smtClean="0">
+              <a:solidFill>
+                <a:schemeClr val="tx1"/>
+              </a:solidFill>
+            </a:endParaRPr>
+          </a:p>
+        </p:txBody>
+      </p:sp>
+      <p:sp>
+        <p:nvSpPr>
+          <p:cNvPr id="4" name="Zástupný symbol pro číslo snímku 3"/>
+          <p:cNvSpPr>
+            <a:spLocks noGrp="1"/>
+          </p:cNvSpPr>
+          <p:nvPr>
+            <p:ph type="sldNum" idx="12"/>
+          </p:nvPr>
+        </p:nvSpPr>
+        <p:spPr/>
+        <p:txBody>
+          <a:bodyPr/>
+          <a:lstStyle/>
+          <a:p>
+            <a:pPr marL="0" lvl="0" indent="0" algn="r" rtl="0">
+              <a:spcBef>
+                <a:spcPts val="0"/>
+              </a:spcBef>
+              <a:spcAft>
+                <a:spcPts val="0"/>
+              </a:spcAft>
+              <a:buNone/>
+            </a:pPr>
+            <a:fld id="{00000000-1234-1234-1234-123412341234}" type="slidenum">
+              <a:rPr lang="en-US" smtClean="0"/>
+              <a:t>5</a:t>
+            </a:fld>
+            <a:endParaRPr lang="en-US" dirty="0"/>
+          </a:p>
+        </p:txBody>
+      </p:sp>
+      <p:sp>
+        <p:nvSpPr>
+          <p:cNvPr id="5" name="Podnadpis 4"/>
+          <p:cNvSpPr>
+            <a:spLocks noGrp="1"/>
+          </p:cNvSpPr>
+          <p:nvPr>
+            <p:ph type="subTitle" idx="3"/>
+          </p:nvPr>
+        </p:nvSpPr>
+        <p:spPr/>
+        <p:txBody>
+          <a:bodyPr/>
+          <a:lstStyle/>
+          <a:p>
+            <a:endParaRPr lang="en-US" dirty="0"/>
+          </a:p>
+        </p:txBody>
+      </p:sp>
+      <p:sp>
+        <p:nvSpPr>
+          <p:cNvPr id="6" name="Nadpis 5"/>
+          <p:cNvSpPr>
+            <a:spLocks noGrp="1"/>
+          </p:cNvSpPr>
+          <p:nvPr>
+            <p:ph type="title"/>
+          </p:nvPr>
+        </p:nvSpPr>
+        <p:spPr/>
+        <p:txBody>
+          <a:bodyPr/>
+          <a:lstStyle/>
+          <a:p>
+            <a:r>
+              <a:rPr lang="en-US" dirty="0" err="1" smtClean="0"/>
+              <a:t>UMR</a:t>
+            </a:r>
+            <a:r>
+              <a:rPr lang="en-US" dirty="0" smtClean="0"/>
+              <a:t> vs. PDT</a:t>
+            </a:r>
+            <a:endParaRPr lang="en-US" dirty="0"/>
+          </a:p>
+        </p:txBody>
+      </p:sp>
+      <p:sp>
+        <p:nvSpPr>
+          <p:cNvPr id="8" name="Zástupný symbol pro text 1"/>
+          <p:cNvSpPr>
+            <a:spLocks noGrp="1"/>
+          </p:cNvSpPr>
+          <p:nvPr>
+            <p:ph type="body" idx="1"/>
+          </p:nvPr>
+        </p:nvSpPr>
+        <p:spPr>
+          <a:xfrm>
+            <a:off x="4644008" y="699542"/>
+            <a:ext cx="4464496" cy="3869333"/>
+          </a:xfrm>
+        </p:spPr>
+        <p:txBody>
+          <a:bodyPr/>
+          <a:lstStyle/>
+          <a:p>
+            <a:pPr marL="139700" indent="0">
+              <a:buNone/>
+            </a:pPr>
+            <a:r>
+              <a:rPr lang="en-US" sz="1800" b="1" dirty="0" smtClean="0">
+                <a:solidFill>
+                  <a:srgbClr val="F47B20"/>
+                </a:solidFill>
+              </a:rPr>
+              <a:t>PDT</a:t>
+            </a:r>
+          </a:p>
+          <a:p>
+            <a:pPr marL="357188" indent="-242888">
+              <a:buClr>
+                <a:srgbClr val="000000"/>
+              </a:buClr>
+              <a:buSzPct val="70000"/>
+            </a:pPr>
+            <a:r>
+              <a:rPr lang="en-US" sz="1600" dirty="0" smtClean="0">
+                <a:solidFill>
+                  <a:schemeClr val="dk1"/>
+                </a:solidFill>
+              </a:rPr>
+              <a:t>represents linguistically structured meaning </a:t>
+            </a:r>
+            <a:r>
+              <a:rPr lang="en-US" dirty="0" smtClean="0">
+                <a:solidFill>
+                  <a:schemeClr val="dk1"/>
+                </a:solidFill>
+              </a:rPr>
+              <a:t>(vs. situational meaning)</a:t>
+            </a:r>
+            <a:endParaRPr lang="en-US" sz="1600" dirty="0" smtClean="0">
+              <a:solidFill>
+                <a:schemeClr val="dk1"/>
+              </a:solidFill>
+            </a:endParaRPr>
+          </a:p>
+          <a:p>
+            <a:pPr marL="357188" indent="-242888">
+              <a:spcBef>
+                <a:spcPts val="600"/>
+              </a:spcBef>
+              <a:buClr>
+                <a:srgbClr val="000000"/>
+              </a:buClr>
+              <a:buSzPct val="70000"/>
+            </a:pPr>
+            <a:r>
+              <a:rPr lang="en-US" sz="1600" dirty="0" smtClean="0">
+                <a:solidFill>
+                  <a:schemeClr val="dk1"/>
+                </a:solidFill>
+              </a:rPr>
+              <a:t>topic-focus articulation</a:t>
+            </a:r>
+          </a:p>
+          <a:p>
+            <a:pPr marL="357188" indent="-242888">
+              <a:spcBef>
+                <a:spcPts val="600"/>
+              </a:spcBef>
+              <a:buClr>
+                <a:srgbClr val="000000"/>
+              </a:buClr>
+              <a:buSzPct val="70000"/>
+            </a:pPr>
+            <a:r>
+              <a:rPr lang="en-US" sz="1600" dirty="0" smtClean="0">
+                <a:solidFill>
+                  <a:schemeClr val="dk1"/>
+                </a:solidFill>
+              </a:rPr>
+              <a:t>predicate-argument structure (</a:t>
+            </a:r>
+            <a:r>
+              <a:rPr lang="en-US" sz="1600" dirty="0" err="1" smtClean="0">
+                <a:solidFill>
+                  <a:schemeClr val="dk1"/>
+                </a:solidFill>
+              </a:rPr>
+              <a:t>valency</a:t>
+            </a:r>
+            <a:r>
+              <a:rPr lang="en-US" sz="1600" dirty="0" smtClean="0">
+                <a:solidFill>
+                  <a:schemeClr val="dk1"/>
+                </a:solidFill>
+              </a:rPr>
+              <a:t>) and dependency relations</a:t>
+            </a:r>
+          </a:p>
+          <a:p>
+            <a:pPr marL="357188" indent="-242888">
+              <a:buClr>
+                <a:srgbClr val="000000"/>
+              </a:buClr>
+              <a:buSzPct val="70000"/>
+            </a:pPr>
+            <a:endParaRPr lang="en-US" sz="1600" dirty="0" smtClean="0">
+              <a:solidFill>
+                <a:schemeClr val="dk1"/>
+              </a:solidFill>
+            </a:endParaRPr>
+          </a:p>
+          <a:p>
+            <a:pPr marL="357188" indent="-242888">
+              <a:spcBef>
+                <a:spcPts val="600"/>
+              </a:spcBef>
+              <a:buClr>
+                <a:srgbClr val="000000"/>
+              </a:buClr>
+              <a:buSzPct val="70000"/>
+            </a:pPr>
+            <a:r>
+              <a:rPr lang="en-US" sz="1600" dirty="0" smtClean="0">
+                <a:solidFill>
+                  <a:schemeClr val="dk1"/>
+                </a:solidFill>
+              </a:rPr>
+              <a:t>meaning of individual morphological categories</a:t>
+            </a:r>
+          </a:p>
+          <a:p>
+            <a:pPr marL="814388" lvl="1" indent="-242888">
+              <a:spcBef>
+                <a:spcPts val="0"/>
+              </a:spcBef>
+              <a:buClr>
+                <a:srgbClr val="000000"/>
+              </a:buClr>
+              <a:buSzPct val="70000"/>
+              <a:buFont typeface="Open Sans"/>
+              <a:buChar char="●"/>
+            </a:pPr>
+            <a:endParaRPr lang="en-US" sz="1400" dirty="0" smtClean="0">
+              <a:solidFill>
+                <a:schemeClr val="tx1"/>
+              </a:solidFill>
+            </a:endParaRPr>
+          </a:p>
+          <a:p>
+            <a:pPr marL="357188" indent="-242888">
+              <a:buClr>
+                <a:srgbClr val="000000"/>
+              </a:buClr>
+              <a:buSzPct val="70000"/>
+            </a:pPr>
+            <a:endParaRPr lang="en-US" dirty="0" smtClean="0">
+              <a:solidFill>
+                <a:schemeClr val="tx1"/>
+              </a:solidFill>
+            </a:endParaRPr>
+          </a:p>
+          <a:p>
+            <a:pPr marL="357188" indent="-242888">
+              <a:spcBef>
+                <a:spcPts val="300"/>
+              </a:spcBef>
+              <a:buClr>
+                <a:srgbClr val="000000"/>
+              </a:buClr>
+              <a:buSzPct val="70000"/>
+            </a:pPr>
+            <a:r>
+              <a:rPr lang="en-US" sz="1600" dirty="0" err="1" smtClean="0">
+                <a:solidFill>
+                  <a:schemeClr val="tx1"/>
+                </a:solidFill>
+              </a:rPr>
+              <a:t>coreference</a:t>
+            </a:r>
+            <a:endParaRPr lang="en-US" sz="1600" dirty="0" smtClean="0">
+              <a:solidFill>
+                <a:schemeClr val="dk1"/>
+              </a:solidFill>
+            </a:endParaRPr>
+          </a:p>
+          <a:p>
+            <a:pPr marL="357188" indent="-242888">
+              <a:buClr>
+                <a:srgbClr val="000000"/>
+              </a:buClr>
+              <a:buSzPct val="70000"/>
+            </a:pPr>
+            <a:endParaRPr lang="en-US" sz="1600" dirty="0" smtClean="0">
+              <a:solidFill>
+                <a:schemeClr val="tx1"/>
+              </a:solidFill>
+            </a:endParaRPr>
+          </a:p>
+        </p:txBody>
+      </p:sp>
+    </p:spTree>
+    <p:extLst>
+      <p:ext uri="{BB962C8B-B14F-4D97-AF65-F5344CB8AC3E}">
+        <p14:creationId xmlns:p14="http://schemas.microsoft.com/office/powerpoint/2010/main" val="1683826229"/>
       </p:ext>
     </p:extLst>
   </p:cSld>
@@ -13584,6 +15467,52 @@
               <a:ea typeface="Open Sans" panose="020B0604020202020204" charset="0"/>
               <a:cs typeface="Open Sans" panose="020B0604020202020204" charset="0"/>
             </a:endParaRPr>
+          </a:p>
+        </p:txBody>
+      </p:sp>
+      <p:sp>
+        <p:nvSpPr>
+          <p:cNvPr id="2" name="Obdélník 1"/>
+          <p:cNvSpPr/>
+          <p:nvPr/>
+        </p:nvSpPr>
+        <p:spPr>
+          <a:xfrm>
+            <a:off x="0" y="2571750"/>
+            <a:ext cx="9144000" cy="2160240"/>
+          </a:xfrm>
+          <a:prstGeom prst="rect">
+            <a:avLst/>
+          </a:prstGeom>
+          <a:solidFill>
+            <a:schemeClr val="bg1"/>
+          </a:solidFill>
+          <a:ln>
+            <a:noFill/>
+          </a:ln>
+        </p:spPr>
+        <p:style>
+          <a:lnRef idx="2">
+            <a:schemeClr val="accent1">
+              <a:shade val="50000"/>
+            </a:schemeClr>
+          </a:lnRef>
+          <a:fillRef idx="1">
+            <a:schemeClr val="accent1"/>
+          </a:fillRef>
+          <a:effectRef idx="0">
+            <a:schemeClr val="accent1"/>
+          </a:effectRef>
+          <a:fontRef idx="minor">
+            <a:schemeClr val="lt1"/>
+          </a:fontRef>
+        </p:style>
+        <p:txBody>
+          <a:bodyPr rtlCol="0" anchor="ctr"/>
+          <a:lstStyle/>
+          <a:p>
+            <a:pPr algn="ctr"/>
+            <a:endParaRPr lang="en-US"/>
           </a:p>
         </p:txBody>
       </p:sp>
@@ -13698,7 +15627,11 @@
             </a:pPr>
             <a:r>
               <a:rPr lang="en-US" dirty="0" smtClean="0"/>
-              <a:t>From PDT to UMR</a:t>
+              <a:t>From PDT to </a:t>
+            </a:r>
+            <a:r>
+              <a:rPr lang="en-US" dirty="0" err="1" smtClean="0"/>
+              <a:t>UMR</a:t>
             </a:r>
             <a:endParaRPr lang="en-US" dirty="0"/>
           </a:p>
@@ -13729,6 +15662,266 @@
           </a:bodyPr>
           <a:lstStyle/>
           <a:p>
+            <a:pPr lvl="0"/>
+            <a:r>
+              <a:rPr lang="en-US" dirty="0" smtClean="0"/>
+              <a:t>Manually Annotated </a:t>
+            </a:r>
+            <a:r>
+              <a:rPr lang="en-US" dirty="0" err="1" smtClean="0"/>
+              <a:t>UMR</a:t>
+            </a:r>
+            <a:r>
+              <a:rPr lang="en-US" dirty="0" smtClean="0"/>
+              <a:t> Data</a:t>
+            </a:r>
+            <a:endParaRPr lang="en-US" dirty="0"/>
+          </a:p>
+        </p:txBody>
+      </p:sp>
+      <p:pic>
+        <p:nvPicPr>
+          <p:cNvPr id="3077" name="Picture 5"/>
+          <p:cNvPicPr>
+            <a:picLocks noChangeAspect="1" noChangeArrowheads="1"/>
+          </p:cNvPicPr>
+          <p:nvPr/>
+        </p:nvPicPr>
+        <p:blipFill>
+          <a:blip r:embed="rId3">
+            <a:extLst>
+              <a:ext uri="{28A0092B-C50C-407E-A947-70E740481C1C}">
+                <a14:useLocalDpi xmlns:a14="http://schemas.microsoft.com/office/drawing/2010/main" val="0"/>
+              </a:ext>
+            </a:extLst>
+          </a:blip>
+          <a:srcRect/>
+          <a:stretch>
+            <a:fillRect/>
+          </a:stretch>
+        </p:blipFill>
+        <p:spPr bwMode="auto">
+          <a:xfrm>
+            <a:off x="1143000" y="671513"/>
+            <a:ext cx="6858000" cy="3800475"/>
+          </a:xfrm>
+          <a:prstGeom prst="rect">
+            <a:avLst/>
+          </a:prstGeom>
+          <a:noFill/>
+          <a:ln>
+            <a:noFill/>
+          </a:ln>
+          <a:extLst>
+            <a:ext uri="{909E8E84-426E-40DD-AFC4-6F175D3DCCD1}">
+              <a14:hiddenFill xmlns:a14="http://schemas.microsoft.com/office/drawing/2010/main">
+                <a:solidFill>
+                  <a:schemeClr val="accent1"/>
+                </a:solidFill>
+              </a14:hiddenFill>
+            </a:ext>
+            <a:ext uri="{91240B29-F687-4F45-9708-019B960494DF}">
+              <a14:hiddenLine xmlns:a14="http://schemas.microsoft.com/office/drawing/2010/main" w="9525">
+                <a:solidFill>
+                  <a:schemeClr val="tx1"/>
+                </a:solidFill>
+                <a:miter lim="800000"/>
+                <a:headEnd/>
+                <a:tailEnd/>
+              </a14:hiddenLine>
+            </a:ext>
+          </a:extLst>
+        </p:spPr>
+      </p:pic>
+      <p:sp>
+        <p:nvSpPr>
+          <p:cNvPr id="7" name="TextovéPole 16"/>
+          <p:cNvSpPr txBox="1"/>
+          <p:nvPr/>
+        </p:nvSpPr>
+        <p:spPr>
+          <a:xfrm>
+            <a:off x="3995936" y="4856261"/>
+            <a:ext cx="4824536" cy="307777"/>
+          </a:xfrm>
+          <a:prstGeom prst="rect">
+            <a:avLst/>
+          </a:prstGeom>
+          <a:noFill/>
+        </p:spPr>
+        <p:txBody>
+          <a:bodyPr wrap="square" rtlCol="0">
+            <a:spAutoFit/>
+          </a:bodyPr>
+          <a:lstStyle/>
+          <a:p>
+            <a:r>
+              <a:rPr lang="en-US" dirty="0" smtClean="0">
+                <a:latin typeface="Open Sans" panose="020B0604020202020204" charset="0"/>
+                <a:ea typeface="Open Sans" panose="020B0604020202020204" charset="0"/>
+                <a:cs typeface="Open Sans" panose="020B0604020202020204" charset="0"/>
+              </a:rPr>
+              <a:t>Download the data: </a:t>
+            </a:r>
+            <a:r>
+              <a:rPr lang="en-US" dirty="0" smtClean="0">
+                <a:latin typeface="Open Sans" panose="020B0604020202020204" charset="0"/>
+                <a:ea typeface="Open Sans" panose="020B0604020202020204" charset="0"/>
+                <a:cs typeface="Open Sans" panose="020B0604020202020204" charset="0"/>
+                <a:hlinkClick r:id="rId4"/>
+              </a:rPr>
+              <a:t>http://hdl.handle.net/11234/1-5951</a:t>
+            </a:r>
+            <a:endParaRPr lang="en-US" dirty="0">
+              <a:latin typeface="Open Sans" panose="020B0604020202020204" charset="0"/>
+              <a:ea typeface="Open Sans" panose="020B0604020202020204" charset="0"/>
+              <a:cs typeface="Open Sans" panose="020B0604020202020204" charset="0"/>
+            </a:endParaRPr>
+          </a:p>
+        </p:txBody>
+      </p:sp>
+    </p:spTree>
+    <p:extLst>
+      <p:ext uri="{BB962C8B-B14F-4D97-AF65-F5344CB8AC3E}">
+        <p14:creationId xmlns:p14="http://schemas.microsoft.com/office/powerpoint/2010/main" val="3836629028"/>
+      </p:ext>
+    </p:extLst>
+  </p:cSld>
+  <p:clrMapOvr>
+    <a:masterClrMapping/>
+  </p:clrMapOvr>
+  <p:timing>
+    <p:tnLst>
+      <p:par>
+        <p:cTn id="1" dur="indefinite" restart="never" nodeType="tmRoot"/>
+      </p:par>
+    </p:tnLst>
+  </p:timing>
+</p:sld>
+</file>
+
+<file path=ppt/slides/slide8.xml><?xml version="1.0" encoding="utf-8"?>
+<p:sld xmlns:a="http://schemas.openxmlformats.org/drawingml/2006/main" xmlns:r="http://schemas.openxmlformats.org/officeDocument/2006/relationships" xmlns:p="http://schemas.openxmlformats.org/presentationml/2006/main">
+  <p:cSld>
+    <p:spTree>
+      <p:nvGrpSpPr>
+        <p:cNvPr id="1" name="Shape 55"/>
+        <p:cNvGrpSpPr/>
+        <p:nvPr/>
+      </p:nvGrpSpPr>
+      <p:grpSpPr>
+        <a:xfrm>
+          <a:off x="0" y="0"/>
+          <a:ext cx="0" cy="0"/>
+          <a:chOff x="0" y="0"/>
+          <a:chExt cx="0" cy="0"/>
+        </a:xfrm>
+      </p:grpSpPr>
+      <p:sp>
+        <p:nvSpPr>
+          <p:cNvPr id="58" name="Google Shape;58;p10"/>
+          <p:cNvSpPr txBox="1">
+            <a:spLocks noGrp="1"/>
+          </p:cNvSpPr>
+          <p:nvPr>
+            <p:ph type="sldNum" idx="12"/>
+          </p:nvPr>
+        </p:nvSpPr>
+        <p:spPr>
+          <a:xfrm>
+            <a:off x="8595300" y="4920297"/>
+            <a:ext cx="548700" cy="223200"/>
+          </a:xfrm>
+          <a:prstGeom prst="rect">
+            <a:avLst/>
+          </a:prstGeom>
+        </p:spPr>
+        <p:txBody>
+          <a:bodyPr spcFirstLastPara="1" wrap="square" lIns="91425" tIns="45700" rIns="91425" bIns="45700" anchor="ctr" anchorCtr="0">
+            <a:noAutofit/>
+          </a:bodyPr>
+          <a:lstStyle/>
+          <a:p>
+            <a:pPr marL="0" lvl="0" indent="0" algn="r" rtl="0">
+              <a:spcBef>
+                <a:spcPts val="0"/>
+              </a:spcBef>
+              <a:spcAft>
+                <a:spcPts val="0"/>
+              </a:spcAft>
+              <a:buNone/>
+            </a:pPr>
+            <a:fld id="{00000000-1234-1234-1234-123412341234}" type="slidenum">
+              <a:rPr lang="en-US" smtClean="0"/>
+              <a:t>8</a:t>
+            </a:fld>
+            <a:endParaRPr lang="en-US" dirty="0"/>
+          </a:p>
+        </p:txBody>
+      </p:sp>
+      <p:sp>
+        <p:nvSpPr>
+          <p:cNvPr id="59" name="Google Shape;59;p10"/>
+          <p:cNvSpPr txBox="1">
+            <a:spLocks noGrp="1"/>
+          </p:cNvSpPr>
+          <p:nvPr>
+            <p:ph type="subTitle" idx="2"/>
+          </p:nvPr>
+        </p:nvSpPr>
+        <p:spPr>
+          <a:xfrm>
+            <a:off x="-8374" y="4928674"/>
+            <a:ext cx="2386500" cy="223200"/>
+          </a:xfrm>
+          <a:prstGeom prst="rect">
+            <a:avLst/>
+          </a:prstGeom>
+        </p:spPr>
+        <p:txBody>
+          <a:bodyPr spcFirstLastPara="1" wrap="square" lIns="91425" tIns="27425" rIns="91425" bIns="9125" anchor="t" anchorCtr="0">
+            <a:noAutofit/>
+          </a:bodyPr>
+          <a:lstStyle/>
+          <a:p>
+            <a:pPr marL="0" lvl="0" indent="0">
+              <a:spcAft>
+                <a:spcPts val="1600"/>
+              </a:spcAft>
+            </a:pPr>
+            <a:r>
+              <a:rPr lang="en-US" dirty="0" smtClean="0"/>
+              <a:t>From PDT to UMR</a:t>
+            </a:r>
+            <a:endParaRPr lang="en-US" dirty="0"/>
+          </a:p>
+        </p:txBody>
+      </p:sp>
+      <p:sp>
+        <p:nvSpPr>
+          <p:cNvPr id="60" name="Google Shape;60;p10"/>
+          <p:cNvSpPr txBox="1">
+            <a:spLocks noGrp="1"/>
+          </p:cNvSpPr>
+          <p:nvPr>
+            <p:ph type="title"/>
+          </p:nvPr>
+        </p:nvSpPr>
+        <p:spPr>
+          <a:xfrm>
+            <a:off x="0" y="0"/>
+            <a:ext cx="9144000" cy="505800"/>
+          </a:xfrm>
+          <a:prstGeom prst="rect">
+            <a:avLst/>
+          </a:prstGeom>
+        </p:spPr>
+        <p:txBody>
+          <a:bodyPr spcFirstLastPara="1" wrap="square" lIns="91425" tIns="91425" rIns="91425" bIns="91425" anchor="t" anchorCtr="0">
+            <a:noAutofit/>
+          </a:bodyPr>
+          <a:lstStyle/>
+          <a:p>
             <a:pPr marL="0" lvl="0" indent="0" algn="l" rtl="0">
               <a:spcBef>
                 <a:spcPts val="0"/>
@@ -13781,86 +15974,157 @@
                   <a:schemeClr val="dk1"/>
                 </a:solidFill>
               </a:rPr>
-              <a:t>Metric for graph comparison:</a:t>
-            </a:r>
-          </a:p>
-          <a:p>
-            <a:pPr>
-              <a:buSzPct val="100000"/>
-              <a:buFont typeface="+mj-lt"/>
-              <a:buAutoNum type="arabicParenR"/>
-            </a:pPr>
+              <a:t>UMR graphs = </a:t>
+            </a:r>
+            <a:r>
+              <a:rPr lang="en-US" dirty="0" smtClean="0"/>
+              <a:t>as a set of triples </a:t>
+            </a:r>
             <a:r>
               <a:rPr lang="en-US" sz="1600" dirty="0" smtClean="0">
-                <a:solidFill>
-                  <a:schemeClr val="dk1"/>
-                </a:solidFill>
-              </a:rPr>
-              <a:t>Match nodes:</a:t>
-            </a:r>
-          </a:p>
-          <a:p>
-            <a:pPr marL="814388" lvl="1" indent="-242888">
-              <a:spcBef>
-                <a:spcPts val="0"/>
-              </a:spcBef>
-              <a:buSzPct val="70000"/>
-              <a:buFont typeface="Open Sans"/>
-              <a:buChar char="●"/>
-            </a:pPr>
-            <a:r>
-              <a:rPr lang="en-US" dirty="0" smtClean="0">
-                <a:solidFill>
-                  <a:schemeClr val="dk1"/>
-                </a:solidFill>
-              </a:rPr>
-              <a:t>different number of nodes</a:t>
-            </a:r>
-          </a:p>
-          <a:p>
-            <a:pPr marL="814388" lvl="1" indent="-242888">
-              <a:spcBef>
-                <a:spcPts val="0"/>
-              </a:spcBef>
-              <a:buSzPct val="70000"/>
-              <a:buFont typeface="Open Sans"/>
-              <a:buChar char="●"/>
-            </a:pPr>
-            <a:r>
-              <a:rPr lang="en-US" dirty="0" smtClean="0">
-                <a:solidFill>
-                  <a:schemeClr val="dk1"/>
-                </a:solidFill>
-              </a:rPr>
-              <a:t>different alignment (nodes to words)</a:t>
-            </a:r>
-          </a:p>
-          <a:p>
-            <a:pPr marL="571500" lvl="1" indent="0">
-              <a:spcBef>
-                <a:spcPts val="0"/>
-              </a:spcBef>
-              <a:buSzPct val="70000"/>
-              <a:buNone/>
-            </a:pPr>
-            <a:endParaRPr lang="en-US" sz="800" dirty="0" smtClean="0">
+                <a:latin typeface="Consolas" panose="020B0609020204030204" pitchFamily="49" charset="0"/>
+              </a:rPr>
+              <a:t>(𝑥,𝑦,𝑧)</a:t>
+            </a:r>
+            <a:r>
+              <a:rPr lang="en-US" dirty="0" smtClean="0"/>
+              <a:t>:</a:t>
+            </a:r>
+            <a:endParaRPr lang="en-US" dirty="0" smtClean="0">
               <a:solidFill>
                 <a:schemeClr val="dk1"/>
               </a:solidFill>
             </a:endParaRPr>
           </a:p>
           <a:p>
+            <a:pPr marL="814388" lvl="1" indent="-242888">
+              <a:spcBef>
+                <a:spcPts val="0"/>
+              </a:spcBef>
+              <a:buSzPct val="70000"/>
+              <a:buFont typeface="Open Sans"/>
+              <a:buChar char="●"/>
+            </a:pPr>
+            <a:r>
+              <a:rPr lang="en-US" dirty="0" smtClean="0">
+                <a:latin typeface="Consolas" panose="020B0609020204030204" pitchFamily="49" charset="0"/>
+              </a:rPr>
+              <a:t>(node, relation, node)</a:t>
+            </a:r>
+            <a:endParaRPr lang="en-US" dirty="0" smtClean="0">
+              <a:solidFill>
+                <a:schemeClr val="dk1"/>
+              </a:solidFill>
+              <a:latin typeface="Consolas" panose="020B0609020204030204" pitchFamily="49" charset="0"/>
+            </a:endParaRPr>
+          </a:p>
+          <a:p>
+            <a:pPr marL="814388" lvl="1" indent="-242888">
+              <a:spcBef>
+                <a:spcPts val="0"/>
+              </a:spcBef>
+              <a:buSzPct val="70000"/>
+              <a:buFont typeface="Open Sans"/>
+              <a:buChar char="●"/>
+            </a:pPr>
+            <a:r>
+              <a:rPr lang="en-US" dirty="0" smtClean="0">
+                <a:latin typeface="Consolas" panose="020B0609020204030204" pitchFamily="49" charset="0"/>
+              </a:rPr>
+              <a:t>(node, attribute, value)</a:t>
+            </a:r>
+          </a:p>
+          <a:p>
             <a:pPr marL="114300" indent="0">
               <a:buSzPct val="70000"/>
               <a:buNone/>
             </a:pPr>
+            <a:endParaRPr lang="en-US" dirty="0" smtClean="0">
+              <a:solidFill>
+                <a:schemeClr val="dk1"/>
+              </a:solidFill>
+            </a:endParaRPr>
+          </a:p>
+          <a:p>
+            <a:pPr marL="114300" indent="0">
+              <a:buSzPct val="70000"/>
+              <a:buNone/>
+            </a:pPr>
             <a:r>
               <a:rPr lang="en-US" dirty="0" smtClean="0">
                 <a:solidFill>
                   <a:schemeClr val="dk1"/>
                 </a:solidFill>
               </a:rPr>
-              <a:t>            </a:t>
+              <a:t>Metric for graph comparison:</a:t>
+            </a:r>
+          </a:p>
+          <a:p>
+            <a:pPr>
+              <a:spcBef>
+                <a:spcPts val="600"/>
+              </a:spcBef>
+              <a:buSzPct val="100000"/>
+              <a:buFont typeface="+mj-lt"/>
+              <a:buAutoNum type="arabicParenR"/>
+            </a:pPr>
+            <a:r>
+              <a:rPr lang="en-US" sz="1600" dirty="0" smtClean="0">
+                <a:solidFill>
+                  <a:schemeClr val="dk1"/>
+                </a:solidFill>
+              </a:rPr>
+              <a:t>Match nodes:</a:t>
+            </a:r>
+          </a:p>
+          <a:p>
+            <a:pPr marL="814388" lvl="1" indent="-242888">
+              <a:spcBef>
+                <a:spcPts val="0"/>
+              </a:spcBef>
+              <a:buSzPct val="70000"/>
+              <a:buFont typeface="Open Sans"/>
+              <a:buChar char="●"/>
+            </a:pPr>
+            <a:r>
+              <a:rPr lang="en-US" dirty="0" smtClean="0">
+                <a:solidFill>
+                  <a:schemeClr val="dk1"/>
+                </a:solidFill>
+              </a:rPr>
+              <a:t>different number of nodes</a:t>
+            </a:r>
+          </a:p>
+          <a:p>
+            <a:pPr marL="814388" lvl="1" indent="-242888">
+              <a:spcBef>
+                <a:spcPts val="0"/>
+              </a:spcBef>
+              <a:buSzPct val="70000"/>
+              <a:buFont typeface="Open Sans"/>
+              <a:buChar char="●"/>
+            </a:pPr>
+            <a:r>
+              <a:rPr lang="en-US" dirty="0" smtClean="0">
+                <a:solidFill>
+                  <a:schemeClr val="dk1"/>
+                </a:solidFill>
+              </a:rPr>
+              <a:t>different alignment (nodes to words)</a:t>
+            </a:r>
+          </a:p>
+          <a:p>
+            <a:pPr marL="114300" indent="0" defTabSz="827088">
+              <a:buSzPct val="70000"/>
+              <a:buNone/>
+            </a:pPr>
+            <a:r>
+              <a:rPr lang="en-US" dirty="0" smtClean="0">
+                <a:solidFill>
+                  <a:schemeClr val="dk1"/>
+                </a:solidFill>
+              </a:rPr>
+              <a:t>            		</a:t>
             </a:r>
             <a:r>
               <a:rPr lang="en-US" sz="1600" b="1" i="1" dirty="0" err="1" smtClean="0">
@@ -13890,13 +16154,16 @@
             </a:endParaRPr>
           </a:p>
           <a:p>
-            <a:pPr marL="814388" lvl="1" indent="-242888">
+            <a:pPr marL="2003425" lvl="1" indent="-242888">
               <a:spcBef>
                 <a:spcPts val="0"/>
               </a:spcBef>
               <a:buSzPct val="70000"/>
               <a:buFont typeface="Open Sans"/>
               <a:buChar char="●"/>
+              <a:tabLst>
+                <a:tab pos="2568575" algn="l"/>
+              </a:tabLst>
             </a:pPr>
             <a:r>
               <a:rPr lang="en-US" dirty="0" smtClean="0">
@@ -13911,13 +16178,16 @@
             </a:r>
           </a:p>
           <a:p>
-            <a:pPr marL="814388" lvl="1" indent="-242888">
+            <a:pPr marL="2003425" lvl="1" indent="-242888">
               <a:spcBef>
                 <a:spcPts val="0"/>
               </a:spcBef>
               <a:buSzPct val="70000"/>
               <a:buFont typeface="Open Sans"/>
               <a:buChar char="●"/>
+              <a:tabLst>
+                <a:tab pos="2568575" algn="l"/>
+              </a:tabLst>
             </a:pPr>
             <a:r>
               <a:rPr lang="en-US" dirty="0" smtClean="0">
@@ -13932,13 +16202,16 @@
             </a:r>
           </a:p>
           <a:p>
-            <a:pPr marL="814388" lvl="1" indent="-242888">
+            <a:pPr marL="2003425" lvl="1" indent="-242888">
               <a:spcBef>
                 <a:spcPts val="0"/>
               </a:spcBef>
               <a:buSzPct val="70000"/>
               <a:buFont typeface="Open Sans"/>
               <a:buChar char="●"/>
+              <a:tabLst>
+                <a:tab pos="2568575" algn="l"/>
+              </a:tabLst>
             </a:pPr>
             <a:r>
               <a:rPr lang="en-US" dirty="0" smtClean="0">
@@ -13983,83 +16256,82 @@
             </a:r>
           </a:p>
           <a:p>
-            <a:pPr marL="357188" indent="-242888">
-              <a:buSzPct val="70000"/>
-            </a:pPr>
+            <a:pPr>
+              <a:spcBef>
+                <a:spcPts val="600"/>
+              </a:spcBef>
+              <a:buSzPct val="100000"/>
+              <a:buFont typeface="+mj-lt"/>
+              <a:buAutoNum type="arabicParenR" startAt="2"/>
+            </a:pPr>
+            <a:r>
+              <a:rPr lang="en-US" sz="1600" dirty="0" smtClean="0">
+                <a:latin typeface="Open Sans" panose="020B0604020202020204" charset="0"/>
+                <a:ea typeface="Open Sans" panose="020B0604020202020204" charset="0"/>
+                <a:cs typeface="Open Sans" panose="020B0604020202020204" charset="0"/>
+              </a:rPr>
+              <a:t>Similarity is measured as the </a:t>
+            </a:r>
+            <a:r>
+              <a:rPr lang="en-US" sz="1600" b="1" dirty="0" err="1" smtClean="0">
+                <a:solidFill>
+                  <a:srgbClr val="F47B20"/>
+                </a:solidFill>
+                <a:latin typeface="Consolas" panose="020B0609020204030204" pitchFamily="49" charset="0"/>
+                <a:ea typeface="Open Sans" panose="020B0604020202020204" charset="0"/>
+                <a:cs typeface="Open Sans" panose="020B0604020202020204" charset="0"/>
+              </a:rPr>
+              <a:t>F</a:t>
+            </a:r>
+            <a:r>
+              <a:rPr lang="en-US" sz="1600" b="1" baseline="-25000" dirty="0" err="1" smtClean="0">
+                <a:solidFill>
+                  <a:srgbClr val="F47B20"/>
+                </a:solidFill>
+                <a:latin typeface="Consolas" panose="020B0609020204030204" pitchFamily="49" charset="0"/>
+                <a:ea typeface="Open Sans" panose="020B0604020202020204" charset="0"/>
+                <a:cs typeface="Open Sans" panose="020B0604020202020204" charset="0"/>
+              </a:rPr>
+              <a:t>1</a:t>
+            </a:r>
+            <a:r>
+              <a:rPr lang="cs-CZ" sz="1600" b="1" dirty="0" smtClean="0">
+                <a:solidFill>
+                  <a:srgbClr val="F47B20"/>
+                </a:solidFill>
+                <a:latin typeface="Open Sans" panose="020B0604020202020204" charset="0"/>
+                <a:ea typeface="Open Sans" panose="020B0604020202020204" charset="0"/>
+                <a:cs typeface="Open Sans" panose="020B0604020202020204" charset="0"/>
+              </a:rPr>
+              <a:t>-</a:t>
+            </a:r>
+            <a:r>
+              <a:rPr lang="en-US" sz="1600" b="1" dirty="0" smtClean="0">
+                <a:solidFill>
+                  <a:srgbClr val="F47B20"/>
+                </a:solidFill>
+                <a:latin typeface="Consolas" panose="020B0609020204030204" pitchFamily="49" charset="0"/>
+                <a:ea typeface="Open Sans" panose="020B0604020202020204" charset="0"/>
+                <a:cs typeface="Open Sans" panose="020B0604020202020204" charset="0"/>
+              </a:rPr>
+              <a:t>score</a:t>
+            </a:r>
+            <a:r>
+              <a:rPr lang="en-US" sz="1600" dirty="0" smtClean="0">
+                <a:latin typeface="Open Sans" panose="020B0604020202020204" charset="0"/>
+                <a:ea typeface="Open Sans" panose="020B0604020202020204" charset="0"/>
+                <a:cs typeface="Open Sans" panose="020B0604020202020204" charset="0"/>
+              </a:rPr>
+              <a:t> of the triples</a:t>
+            </a:r>
             <a:endParaRPr lang="en-US" sz="1600" dirty="0" smtClean="0">
               <a:solidFill>
                 <a:schemeClr val="dk1"/>
               </a:solidFill>
+              <a:latin typeface="Open Sans" panose="020B0604020202020204" charset="0"/>
+              <a:ea typeface="Open Sans" panose="020B0604020202020204" charset="0"/>
+              <a:cs typeface="Open Sans" panose="020B0604020202020204" charset="0"/>
             </a:endParaRPr>
-          </a:p>
-          <a:p>
-            <a:pPr>
-              <a:buSzPct val="100000"/>
-              <a:buFont typeface="+mj-lt"/>
-              <a:buAutoNum type="arabicParenR" startAt="2"/>
-            </a:pPr>
-            <a:r>
-              <a:rPr lang="en-US" sz="1600" dirty="0" smtClean="0">
-                <a:solidFill>
-                  <a:schemeClr val="dk1"/>
-                </a:solidFill>
-              </a:rPr>
-              <a:t>Compare triples (</a:t>
-            </a:r>
-            <a:r>
-              <a:rPr lang="en-US" sz="1600" dirty="0" err="1" smtClean="0">
-                <a:solidFill>
-                  <a:schemeClr val="dk1"/>
-                </a:solidFill>
-              </a:rPr>
-              <a:t>F1</a:t>
-            </a:r>
-            <a:r>
-              <a:rPr lang="en-US" sz="1600" dirty="0" smtClean="0">
-                <a:solidFill>
-                  <a:schemeClr val="dk1"/>
-                </a:solidFill>
-              </a:rPr>
-              <a:t>): </a:t>
-            </a:r>
-          </a:p>
-          <a:p>
-            <a:pPr marL="814388" lvl="1" indent="-242888">
-              <a:spcBef>
-                <a:spcPts val="0"/>
-              </a:spcBef>
-              <a:buSzPct val="70000"/>
-              <a:buFont typeface="Open Sans"/>
-              <a:buChar char="●"/>
-            </a:pPr>
-            <a:r>
-              <a:rPr lang="en-US" dirty="0" smtClean="0">
-                <a:latin typeface="Consolas" panose="020B0609020204030204" pitchFamily="49" charset="0"/>
-              </a:rPr>
-              <a:t>(node, relation, node)</a:t>
-            </a:r>
-            <a:endParaRPr lang="en-US" dirty="0" smtClean="0">
-              <a:solidFill>
-                <a:schemeClr val="dk1"/>
-              </a:solidFill>
-              <a:latin typeface="Consolas" panose="020B0609020204030204" pitchFamily="49" charset="0"/>
-            </a:endParaRPr>
-          </a:p>
-          <a:p>
-            <a:pPr marL="814388" lvl="1" indent="-242888">
-              <a:spcBef>
-                <a:spcPts val="0"/>
-              </a:spcBef>
-              <a:buSzPct val="70000"/>
-              <a:buFont typeface="Open Sans"/>
-              <a:buChar char="●"/>
-            </a:pPr>
-            <a:r>
-              <a:rPr lang="en-US" dirty="0" smtClean="0">
-                <a:latin typeface="Consolas" panose="020B0609020204030204" pitchFamily="49" charset="0"/>
-              </a:rPr>
-              <a:t>(node, attribute, value)</a:t>
-            </a:r>
           </a:p>
         </p:txBody>
       </p:sp>
@@ -14071,8 +16343,8 @@
         </p:nvSpPr>
         <p:spPr>
           <a:xfrm>
-            <a:off x="179512" y="1995686"/>
-            <a:ext cx="648072" cy="216024"/>
+            <a:off x="971600" y="3095445"/>
+            <a:ext cx="648072" cy="196385"/>
           </a:xfrm>
           <a:prstGeom prst="rightArrow">
             <a:avLst/>
@@ -14129,7 +16401,7 @@
 </p:sld>
 </file>
 
-<file path=ppt/slides/slide8.xml><?xml version="1.0" encoding="utf-8"?>
+<file path=ppt/slides/slide9.xml><?xml version="1.0" encoding="utf-8"?>
 <p:sld xmlns:a="http://schemas.openxmlformats.org/drawingml/2006/main" xmlns:r="http://schemas.openxmlformats.org/officeDocument/2006/relationships" xmlns:p="http://schemas.openxmlformats.org/presentationml/2006/main">
   <p:cSld>
     <p:spTree>
@@ -14480,7 +16752,7 @@
             </a:pPr>
             <a:fld id="{00000000-1234-1234-1234-123412341234}" type="slidenum">
               <a:rPr lang="en-US" smtClean="0"/>
-              <a:t>8</a:t>
+              <a:t>9</a:t>
             </a:fld>
             <a:endParaRPr lang="en-US" dirty="0"/>
           </a:p>
@@ -14658,555 +16930,43 @@
           </a:p>
         </p:txBody>
       </p:sp>
-    </p:spTree>
-    <p:extLst>
-      <p:ext uri="{BB962C8B-B14F-4D97-AF65-F5344CB8AC3E}">
-        <p14:creationId xmlns:p14="http://schemas.microsoft.com/office/powerpoint/2010/main" val="2991462319"/>
-      </p:ext>
-    </p:extLst>
-  </p:cSld>
-  <p:clrMapOvr>
-    <a:masterClrMapping/>
-  </p:clrMapOvr>
-  <p:timing>
-    <p:tnLst>
-      <p:par>
-        <p:cTn id="1" dur="indefinite" restart="never" nodeType="tmRoot"/>
-      </p:par>
-    </p:tnLst>
-  </p:timing>
-</p:sld>
-</file>
-
-<file path=ppt/slides/slide9.xml><?xml version="1.0" encoding="utf-8"?>
-<p:sld xmlns:a="http://schemas.openxmlformats.org/drawingml/2006/main" xmlns:r="http://schemas.openxmlformats.org/officeDocument/2006/relationships" xmlns:p="http://schemas.openxmlformats.org/presentationml/2006/main">
-  <p:cSld>
-    <p:spTree>
-      <p:nvGrpSpPr>
-        <p:cNvPr id="1" name=""/>
-        <p:cNvGrpSpPr/>
-        <p:nvPr/>
-      </p:nvGrpSpPr>
-      <p:grpSpPr>
-        <a:xfrm>
-          <a:off x="0" y="0"/>
-          <a:ext cx="0" cy="0"/>
-          <a:chOff x="0" y="0"/>
-          <a:chExt cx="0" cy="0"/>
-        </a:xfrm>
-      </p:grpSpPr>
       <p:sp>
         <p:nvSpPr>
-          <p:cNvPr id="3" name="Zástupný symbol pro číslo snímku 2"/>
-          <p:cNvSpPr>
-            <a:spLocks noGrp="1"/>
-          </p:cNvSpPr>
-          <p:nvPr>
-            <p:ph type="sldNum" idx="12"/>
-          </p:nvPr>
-        </p:nvSpPr>
-        <p:spPr/>
-        <p:txBody>
-          <a:bodyPr/>
-          <a:lstStyle/>
-          <a:p>
-            <a:pPr marL="0" lvl="0" indent="0" algn="r" rtl="0">
-              <a:spcBef>
-                <a:spcPts val="0"/>
-              </a:spcBef>
-              <a:spcAft>
-                <a:spcPts val="0"/>
-              </a:spcAft>
-              <a:buNone/>
-            </a:pPr>
-            <a:fld id="{00000000-1234-1234-1234-123412341234}" type="slidenum">
-              <a:rPr lang="en-US" smtClean="0"/>
-              <a:t>9</a:t>
-            </a:fld>
-            <a:endParaRPr lang="en-US" dirty="0"/>
-          </a:p>
-        </p:txBody>
-      </p:sp>
-      <p:sp>
-        <p:nvSpPr>
-          <p:cNvPr id="5" name="Nadpis 4"/>
-          <p:cNvSpPr>
-            <a:spLocks noGrp="1"/>
-          </p:cNvSpPr>
-          <p:nvPr>
-            <p:ph type="title"/>
-          </p:nvPr>
-        </p:nvSpPr>
-        <p:spPr/>
-        <p:txBody>
-          <a:bodyPr/>
-          <a:lstStyle/>
-          <a:p>
-            <a:r>
-              <a:rPr lang="en-US" dirty="0"/>
-              <a:t>Automatic (Partial) Conversion</a:t>
-            </a:r>
-          </a:p>
-        </p:txBody>
-      </p:sp>
-      <p:sp>
-        <p:nvSpPr>
-          <p:cNvPr id="6" name="Google Shape;57;p10"/>
-          <p:cNvSpPr txBox="1">
-            <a:spLocks noGrp="1"/>
-          </p:cNvSpPr>
-          <p:nvPr>
-            <p:ph type="body" idx="1"/>
-          </p:nvPr>
-        </p:nvSpPr>
-        <p:spPr>
-          <a:xfrm>
-            <a:off x="35496" y="623275"/>
-            <a:ext cx="8520600" cy="4116300"/>
-          </a:xfrm>
-          <a:prstGeom prst="rect">
-            <a:avLst/>
-          </a:prstGeom>
-        </p:spPr>
-        <p:txBody>
-          <a:bodyPr spcFirstLastPara="1" wrap="square" lIns="91425" tIns="91425" rIns="91425" bIns="91425" anchor="t" anchorCtr="0">
-            <a:noAutofit/>
-          </a:bodyPr>
-          <a:lstStyle/>
-          <a:p>
-            <a:pPr marL="114300" indent="0">
-              <a:buSzPct val="70000"/>
-              <a:buNone/>
-            </a:pPr>
-            <a:r>
-              <a:rPr lang="en-US" dirty="0" smtClean="0">
-                <a:solidFill>
-                  <a:schemeClr val="dk1"/>
-                </a:solidFill>
-              </a:rPr>
-              <a:t>based on the </a:t>
-            </a:r>
-            <a:r>
-              <a:rPr lang="en-US" dirty="0" err="1" smtClean="0">
-                <a:solidFill>
-                  <a:schemeClr val="dk1"/>
-                </a:solidFill>
-              </a:rPr>
-              <a:t>tectogrammatical</a:t>
-            </a:r>
-            <a:r>
-              <a:rPr lang="en-US" dirty="0" smtClean="0">
-                <a:solidFill>
-                  <a:schemeClr val="dk1"/>
-                </a:solidFill>
-              </a:rPr>
-              <a:t> structure:</a:t>
-            </a:r>
-          </a:p>
-          <a:p>
-            <a:pPr marL="357188" indent="-242888">
-              <a:buSzPct val="70000"/>
-            </a:pPr>
-            <a:r>
-              <a:rPr lang="en-US" sz="1600" dirty="0" smtClean="0">
-                <a:solidFill>
-                  <a:schemeClr val="dk1"/>
-                </a:solidFill>
-              </a:rPr>
-              <a:t>structural transformations</a:t>
-            </a:r>
-          </a:p>
-          <a:p>
-            <a:pPr marL="814388" lvl="1" indent="-242888">
-              <a:lnSpc>
-                <a:spcPct val="100000"/>
-              </a:lnSpc>
-              <a:spcBef>
-                <a:spcPts val="0"/>
-              </a:spcBef>
-              <a:buSzPct val="70000"/>
-              <a:buFont typeface="Open Sans"/>
-              <a:buChar char="●"/>
-            </a:pPr>
-            <a:r>
-              <a:rPr lang="en-US" dirty="0" smtClean="0">
-                <a:solidFill>
-                  <a:schemeClr val="dk1"/>
-                </a:solidFill>
-              </a:rPr>
-              <a:t>coordination</a:t>
-            </a:r>
-          </a:p>
-          <a:p>
-            <a:pPr marL="814388" lvl="1" indent="-242888">
-              <a:lnSpc>
-                <a:spcPct val="100000"/>
-              </a:lnSpc>
-              <a:spcBef>
-                <a:spcPts val="0"/>
-              </a:spcBef>
-              <a:buSzPct val="70000"/>
-              <a:buFont typeface="Open Sans"/>
-              <a:buChar char="●"/>
-            </a:pPr>
-            <a:r>
-              <a:rPr lang="en-US" dirty="0" smtClean="0">
-                <a:solidFill>
-                  <a:schemeClr val="dk1"/>
-                </a:solidFill>
-              </a:rPr>
-              <a:t>coreference</a:t>
-            </a:r>
-          </a:p>
-          <a:p>
-            <a:pPr marL="814388" lvl="1" indent="-242888">
-              <a:lnSpc>
-                <a:spcPct val="100000"/>
-              </a:lnSpc>
-              <a:spcBef>
-                <a:spcPts val="0"/>
-              </a:spcBef>
-              <a:buSzPct val="70000"/>
-              <a:buFont typeface="Open Sans"/>
-              <a:buChar char="●"/>
-            </a:pPr>
-            <a:r>
-              <a:rPr lang="en-US" dirty="0" smtClean="0">
-                <a:solidFill>
-                  <a:schemeClr val="dk1"/>
-                </a:solidFill>
-              </a:rPr>
-              <a:t>relative clauses</a:t>
-            </a:r>
-          </a:p>
-          <a:p>
-            <a:pPr marL="814388" lvl="1" indent="-242888">
-              <a:lnSpc>
-                <a:spcPct val="100000"/>
-              </a:lnSpc>
-              <a:spcBef>
-                <a:spcPts val="0"/>
-              </a:spcBef>
-              <a:buSzPct val="70000"/>
-              <a:buFont typeface="Open Sans"/>
-              <a:buChar char="●"/>
-            </a:pPr>
-            <a:r>
-              <a:rPr lang="en-US" dirty="0" smtClean="0">
-                <a:solidFill>
-                  <a:schemeClr val="dk1"/>
-                </a:solidFill>
-              </a:rPr>
-              <a:t>raising and control verbs</a:t>
-            </a:r>
-          </a:p>
-          <a:p>
-            <a:pPr marL="357188" lvl="1" indent="-242888">
-              <a:lnSpc>
-                <a:spcPct val="150000"/>
-              </a:lnSpc>
-              <a:spcBef>
-                <a:spcPts val="0"/>
-              </a:spcBef>
-              <a:buSzPct val="70000"/>
-              <a:buFont typeface="Open Sans"/>
-              <a:buChar char="●"/>
-            </a:pPr>
-            <a:r>
-              <a:rPr lang="en-US" sz="1600" dirty="0" smtClean="0">
-                <a:solidFill>
-                  <a:schemeClr val="dk1"/>
-                </a:solidFill>
-              </a:rPr>
-              <a:t>node labels</a:t>
-            </a:r>
-          </a:p>
-          <a:p>
-            <a:pPr marL="814388" lvl="2" indent="-242888" defTabSz="781050">
-              <a:lnSpc>
-                <a:spcPct val="100000"/>
-              </a:lnSpc>
-              <a:spcBef>
-                <a:spcPts val="0"/>
-              </a:spcBef>
-              <a:buSzPct val="70000"/>
-              <a:buFont typeface="Open Sans"/>
-              <a:buChar char="●"/>
-            </a:pPr>
-            <a:r>
-              <a:rPr lang="en-US" dirty="0" smtClean="0">
-                <a:solidFill>
-                  <a:schemeClr val="dk1"/>
-                </a:solidFill>
-              </a:rPr>
-              <a:t>valency lexicon </a:t>
-            </a:r>
-            <a:r>
-              <a:rPr lang="en-US" dirty="0" smtClean="0">
-                <a:solidFill>
-                  <a:schemeClr val="dk1"/>
-                </a:solidFill>
-                <a:sym typeface="Symbol" panose="05050102010706020507" pitchFamily="18" charset="2"/>
-              </a:rPr>
-              <a:t> 	</a:t>
-            </a:r>
-            <a:r>
-              <a:rPr lang="en-US" dirty="0" err="1" smtClean="0">
-                <a:solidFill>
-                  <a:schemeClr val="dk1"/>
-                </a:solidFill>
-                <a:sym typeface="Symbol" panose="05050102010706020507" pitchFamily="18" charset="2"/>
-              </a:rPr>
-              <a:t>PropBank</a:t>
-            </a:r>
-            <a:endParaRPr lang="en-US" dirty="0" smtClean="0">
-              <a:solidFill>
-                <a:schemeClr val="dk1"/>
-              </a:solidFill>
-              <a:sym typeface="Symbol" panose="05050102010706020507" pitchFamily="18" charset="2"/>
-            </a:endParaRPr>
-          </a:p>
-          <a:p>
-            <a:pPr marL="2341563" lvl="6" indent="0">
-              <a:lnSpc>
-                <a:spcPct val="100000"/>
-              </a:lnSpc>
-              <a:spcBef>
-                <a:spcPts val="0"/>
-              </a:spcBef>
-              <a:buSzPct val="70000"/>
-              <a:buNone/>
-            </a:pPr>
-            <a:r>
-              <a:rPr lang="en-US" dirty="0" smtClean="0">
-                <a:solidFill>
-                  <a:schemeClr val="dk1"/>
-                </a:solidFill>
-                <a:sym typeface="Symbol" panose="05050102010706020507" pitchFamily="18" charset="2"/>
-              </a:rPr>
-              <a:t>default table</a:t>
-            </a:r>
-            <a:endParaRPr lang="en-US" dirty="0" smtClean="0">
-              <a:solidFill>
-                <a:schemeClr val="dk1"/>
-              </a:solidFill>
-            </a:endParaRPr>
-          </a:p>
-          <a:p>
-            <a:pPr marL="357188" lvl="1" indent="-242888">
-              <a:spcBef>
-                <a:spcPts val="0"/>
-              </a:spcBef>
-              <a:buSzPct val="70000"/>
-              <a:buFont typeface="Open Sans"/>
-              <a:buChar char="●"/>
-            </a:pPr>
-            <a:r>
-              <a:rPr lang="en-US" sz="1600" dirty="0" smtClean="0">
-                <a:solidFill>
-                  <a:schemeClr val="dk1"/>
-                </a:solidFill>
-              </a:rPr>
-              <a:t>edge labeling</a:t>
-            </a:r>
-          </a:p>
-          <a:p>
-            <a:pPr marL="814388" lvl="2" indent="-242888">
-              <a:lnSpc>
-                <a:spcPct val="100000"/>
-              </a:lnSpc>
-              <a:spcBef>
-                <a:spcPts val="0"/>
-              </a:spcBef>
-              <a:buSzPct val="70000"/>
-              <a:buFont typeface="Open Sans"/>
-              <a:buChar char="●"/>
-            </a:pPr>
-            <a:r>
-              <a:rPr lang="en-US" dirty="0" smtClean="0">
-                <a:solidFill>
-                  <a:schemeClr val="dk1"/>
-                </a:solidFill>
-                <a:latin typeface="Consolas" panose="020B0609020204030204" pitchFamily="49" charset="0"/>
-              </a:rPr>
-              <a:t>t_lemma</a:t>
-            </a:r>
-            <a:r>
-              <a:rPr lang="en-US" sz="1600" dirty="0" smtClean="0">
-                <a:solidFill>
-                  <a:schemeClr val="dk1"/>
-                </a:solidFill>
-              </a:rPr>
-              <a:t> </a:t>
-            </a:r>
-            <a:r>
-              <a:rPr lang="en-US" sz="1600" dirty="0" smtClean="0">
-                <a:solidFill>
-                  <a:schemeClr val="dk1"/>
-                </a:solidFill>
-                <a:sym typeface="Symbol" panose="05050102010706020507" pitchFamily="18" charset="2"/>
-              </a:rPr>
-              <a:t> </a:t>
-            </a:r>
-            <a:r>
-              <a:rPr lang="en-US" sz="1500" dirty="0" smtClean="0">
-                <a:solidFill>
-                  <a:schemeClr val="dk1"/>
-                </a:solidFill>
-                <a:sym typeface="Symbol" panose="05050102010706020507" pitchFamily="18" charset="2"/>
-              </a:rPr>
-              <a:t>concept</a:t>
-            </a:r>
-            <a:endParaRPr lang="en-US" sz="1500" dirty="0" smtClean="0">
-              <a:solidFill>
-                <a:schemeClr val="dk1"/>
-              </a:solidFill>
-            </a:endParaRPr>
-          </a:p>
-          <a:p>
-            <a:pPr marL="357188" lvl="1" indent="-242888">
-              <a:spcBef>
-                <a:spcPts val="0"/>
-              </a:spcBef>
-              <a:buSzPct val="70000"/>
-              <a:buFont typeface="Open Sans"/>
-              <a:buChar char="●"/>
-            </a:pPr>
-            <a:r>
-              <a:rPr lang="en-US" sz="1600" dirty="0" smtClean="0">
-                <a:solidFill>
-                  <a:schemeClr val="dk1"/>
-                </a:solidFill>
-              </a:rPr>
-              <a:t>selected attributes</a:t>
-            </a:r>
-          </a:p>
-          <a:p>
-            <a:pPr marL="814388" lvl="1" indent="-242888">
-              <a:lnSpc>
-                <a:spcPct val="100000"/>
-              </a:lnSpc>
-              <a:spcBef>
-                <a:spcPts val="0"/>
-              </a:spcBef>
-              <a:buSzPct val="70000"/>
-              <a:buFont typeface="Open Sans"/>
-              <a:buChar char="●"/>
-            </a:pPr>
-            <a:r>
-              <a:rPr lang="en-US" dirty="0" smtClean="0">
-                <a:solidFill>
-                  <a:schemeClr val="dk1"/>
-                </a:solidFill>
-                <a:latin typeface="Consolas" panose="020B0609020204030204" pitchFamily="49" charset="0"/>
-              </a:rPr>
-              <a:t>aspect</a:t>
-            </a:r>
-          </a:p>
-          <a:p>
-            <a:pPr marL="814388" lvl="1" indent="-242888">
-              <a:lnSpc>
-                <a:spcPct val="100000"/>
-              </a:lnSpc>
-              <a:spcBef>
-                <a:spcPts val="0"/>
-              </a:spcBef>
-              <a:buSzPct val="70000"/>
-              <a:buFont typeface="Open Sans"/>
-              <a:buChar char="●"/>
-            </a:pPr>
-            <a:r>
-              <a:rPr lang="en-US" dirty="0" smtClean="0">
-                <a:solidFill>
-                  <a:schemeClr val="dk1"/>
-                </a:solidFill>
-                <a:latin typeface="Consolas" panose="020B0609020204030204" pitchFamily="49" charset="0"/>
-              </a:rPr>
-              <a:t>degree, polarity, quant</a:t>
-            </a:r>
-          </a:p>
-          <a:p>
-            <a:pPr marL="814388" lvl="1" indent="-242888">
-              <a:lnSpc>
-                <a:spcPct val="100000"/>
-              </a:lnSpc>
-              <a:spcBef>
-                <a:spcPts val="0"/>
-              </a:spcBef>
-              <a:buSzPct val="70000"/>
-              <a:buFont typeface="Open Sans"/>
-              <a:buChar char="●"/>
-            </a:pPr>
-            <a:r>
-              <a:rPr lang="en-US" dirty="0" smtClean="0">
-                <a:solidFill>
-                  <a:schemeClr val="dk1"/>
-                </a:solidFill>
-                <a:latin typeface="Consolas" panose="020B0609020204030204" pitchFamily="49" charset="0"/>
-              </a:rPr>
-              <a:t>refer-person, refer-number</a:t>
-            </a:r>
-          </a:p>
-          <a:p>
-            <a:pPr marL="357188" lvl="1" indent="-242888">
-              <a:spcBef>
-                <a:spcPts val="0"/>
-              </a:spcBef>
-              <a:buSzPct val="70000"/>
-              <a:buFont typeface="Open Sans"/>
-              <a:buChar char="●"/>
-            </a:pPr>
-            <a:r>
-              <a:rPr lang="en-US" sz="1600" dirty="0" smtClean="0">
-                <a:solidFill>
-                  <a:schemeClr val="dk1"/>
-                </a:solidFill>
-              </a:rPr>
-              <a:t>node alignment</a:t>
-            </a:r>
-            <a:endParaRPr lang="en-US" sz="1600" dirty="0">
-              <a:solidFill>
-                <a:schemeClr val="dk1"/>
-              </a:solidFill>
-            </a:endParaRPr>
-          </a:p>
-        </p:txBody>
-      </p:sp>
-      <p:sp>
-        <p:nvSpPr>
-          <p:cNvPr id="2" name="Right Brace 1"/>
+          <p:cNvPr id="8" name="Rectangle 7"/>
           <p:cNvSpPr/>
           <p:nvPr/>
         </p:nvSpPr>
         <p:spPr>
           <a:xfrm>
-            <a:off x="3647724" y="1131466"/>
-            <a:ext cx="564236" cy="3240484"/>
+            <a:off x="5817907" y="2132445"/>
+            <a:ext cx="158418" cy="129989"/>
           </a:xfrm>
-          <a:prstGeom prst="rightBrace">
-            <a:avLst>
-              <a:gd name="adj1" fmla="val 34498"/>
-              <a:gd name="adj2" fmla="val 24859"/>
-            </a:avLst>
+          <a:prstGeom prst="rect">
+            <a:avLst/>
           </a:prstGeom>
-          <a:ln w="28575">
+          <a:solidFill>
+            <a:schemeClr val="bg1"/>
+          </a:solidFill>
+          <a:ln>
             <a:solidFill>
-              <a:srgbClr val="F47B20"/>
+              <a:schemeClr val="bg1"/>
             </a:solidFill>
           </a:ln>
         </p:spPr>
         <p:style>
-          <a:lnRef idx="1">
-            <a:schemeClr val="accent1"/>
+          <a:lnRef idx="2">
+            <a:schemeClr val="accent1">
+              <a:shade val="50000"/>
+            </a:schemeClr>
           </a:lnRef>
-          <a:fillRef idx="0">
+          <a:fillRef idx="1">
             <a:schemeClr val="accent1"/>
           </a:fillRef>
           <a:effectRef idx="0">
             <a:schemeClr val="accent1"/>
           </a:effectRef>
           <a:fontRef idx="minor">
-            <a:schemeClr val="tx1"/>
+            <a:schemeClr val="lt1"/>
           </a:fontRef>
         </p:style>
         <p:txBody>
@@ -15214,94 +16974,70 @@
           <a:lstStyle/>
           <a:p>
             <a:pPr algn="ctr"/>
-            <a:endParaRPr lang="en-US" dirty="0"/>
+            <a:endParaRPr lang="en-US"/>
           </a:p>
         </p:txBody>
       </p:sp>
       <p:sp>
         <p:nvSpPr>
-          <p:cNvPr id="8" name="TextBox 7"/>
-          <p:cNvSpPr txBox="1"/>
-          <p:nvPr/>
-        </p:nvSpPr>
-        <p:spPr>
-          <a:xfrm>
-            <a:off x="4292933" y="1693987"/>
-            <a:ext cx="4860032" cy="653769"/>
-          </a:xfrm>
-          <a:prstGeom prst="rect">
-            <a:avLst/>
-          </a:prstGeom>
-          <a:noFill/>
-        </p:spPr>
-        <p:txBody>
-          <a:bodyPr wrap="square" rtlCol="0">
-            <a:spAutoFit/>
-          </a:bodyPr>
-          <a:lstStyle/>
-          <a:p>
-            <a:pPr>
-              <a:lnSpc>
-                <a:spcPct val="114000"/>
-              </a:lnSpc>
-            </a:pPr>
-            <a:r>
-              <a:rPr lang="en-US" sz="1600" b="1" dirty="0" smtClean="0">
-                <a:solidFill>
-                  <a:srgbClr val="F47B20"/>
-                </a:solidFill>
-                <a:latin typeface="Open Sans" panose="020B0604020202020204" charset="0"/>
-                <a:ea typeface="Open Sans" panose="020B0604020202020204" charset="0"/>
-                <a:cs typeface="Open Sans" panose="020B0604020202020204" charset="0"/>
-              </a:rPr>
-              <a:t>often interact</a:t>
-            </a:r>
-            <a:r>
-              <a:rPr lang="en-US" sz="1600" dirty="0" smtClean="0">
-                <a:latin typeface="Open Sans" panose="020B0604020202020204" charset="0"/>
-                <a:ea typeface="Open Sans" panose="020B0604020202020204" charset="0"/>
-                <a:cs typeface="Open Sans" panose="020B0604020202020204" charset="0"/>
-              </a:rPr>
-              <a:t>	    further increases </a:t>
-            </a:r>
-          </a:p>
-          <a:p>
-            <a:pPr>
-              <a:lnSpc>
-                <a:spcPct val="114000"/>
-              </a:lnSpc>
-              <a:tabLst>
-                <a:tab pos="1939925" algn="l"/>
-              </a:tabLst>
-            </a:pPr>
-            <a:r>
-              <a:rPr lang="en-US" sz="1600" dirty="0" smtClean="0">
-                <a:latin typeface="Open Sans" panose="020B0604020202020204" charset="0"/>
-                <a:ea typeface="Open Sans" panose="020B0604020202020204" charset="0"/>
-                <a:cs typeface="Open Sans" panose="020B0604020202020204" charset="0"/>
-              </a:rPr>
-              <a:t>	  the conversion complexity</a:t>
-            </a:r>
-            <a:endParaRPr lang="en-US" sz="1600" dirty="0">
-              <a:latin typeface="Open Sans" panose="020B0604020202020204" charset="0"/>
-              <a:ea typeface="Open Sans" panose="020B0604020202020204" charset="0"/>
-              <a:cs typeface="Open Sans" panose="020B0604020202020204" charset="0"/>
-            </a:endParaRPr>
-          </a:p>
-        </p:txBody>
-      </p:sp>
-      <p:sp>
-        <p:nvSpPr>
-          <p:cNvPr id="9" name="Šipka doprava 1"/>
+          <p:cNvPr id="9" name="Rectangle 8"/>
           <p:cNvSpPr/>
           <p:nvPr/>
         </p:nvSpPr>
         <p:spPr>
           <a:xfrm>
-            <a:off x="5913257" y="1732839"/>
-            <a:ext cx="432048" cy="288032"/>
+            <a:off x="4206396" y="3104834"/>
+            <a:ext cx="158418" cy="129989"/>
           </a:xfrm>
-          <a:prstGeom prst="rightArrow">
+          <a:prstGeom prst="rect">
+            <a:avLst/>
+          </a:prstGeom>
+          <a:solidFill>
+            <a:schemeClr val="bg1"/>
+          </a:solidFill>
+          <a:ln>
+            <a:solidFill>
+              <a:schemeClr val="bg1"/>
+            </a:solidFill>
+          </a:ln>
+        </p:spPr>
+        <p:style>
+          <a:lnRef idx="2">
+            <a:schemeClr val="accent1">
+              <a:shade val="50000"/>
+            </a:schemeClr>
+          </a:lnRef>
+          <a:fillRef idx="1">
+            <a:schemeClr val="accent1"/>
+          </a:fillRef>
+          <a:effectRef idx="0">
+            <a:schemeClr val="accent1"/>
+          </a:effectRef>
+          <a:fontRef idx="minor">
+            <a:schemeClr val="lt1"/>
+          </a:fontRef>
+        </p:style>
+        <p:txBody>
+          <a:bodyPr rtlCol="0" anchor="ctr"/>
+          <a:lstStyle/>
+          <a:p>
+            <a:pPr algn="ctr"/>
+            <a:endParaRPr lang="en-US"/>
+          </a:p>
+        </p:txBody>
+      </p:sp>
+      <p:sp>
+        <p:nvSpPr>
+          <p:cNvPr id="11" name="Ovál 4"/>
+          <p:cNvSpPr/>
+          <p:nvPr/>
+        </p:nvSpPr>
+        <p:spPr>
+          <a:xfrm>
+            <a:off x="6444208" y="3090807"/>
+            <a:ext cx="1152128" cy="705079"/>
+          </a:xfrm>
+          <a:prstGeom prst="ellipse">
             <a:avLst/>
           </a:prstGeom>
           <a:noFill/>
@@ -15336,235 +17072,10 @@
           </a:p>
         </p:txBody>
       </p:sp>
-      <p:sp>
-        <p:nvSpPr>
-          <p:cNvPr id="10" name="TextBox 9"/>
-          <p:cNvSpPr txBox="1"/>
-          <p:nvPr/>
-        </p:nvSpPr>
-        <p:spPr>
-          <a:xfrm>
-            <a:off x="4295796" y="3078341"/>
-            <a:ext cx="4860032" cy="1370247"/>
-          </a:xfrm>
-          <a:prstGeom prst="rect">
-            <a:avLst/>
-          </a:prstGeom>
-          <a:noFill/>
-        </p:spPr>
-        <p:txBody>
-          <a:bodyPr wrap="square" rtlCol="0">
-            <a:spAutoFit/>
-          </a:bodyPr>
-          <a:lstStyle/>
-          <a:p>
-            <a:pPr>
-              <a:lnSpc>
-                <a:spcPct val="114000"/>
-              </a:lnSpc>
-            </a:pPr>
-            <a:r>
-              <a:rPr lang="en-US" sz="1600" b="1" dirty="0" smtClean="0">
-                <a:solidFill>
-                  <a:srgbClr val="F47B20"/>
-                </a:solidFill>
-                <a:latin typeface="Open Sans" panose="020B0604020202020204" charset="0"/>
-                <a:ea typeface="Open Sans" panose="020B0604020202020204" charset="0"/>
-                <a:cs typeface="Open Sans" panose="020B0604020202020204" charset="0"/>
-              </a:rPr>
-              <a:t>ignored (so far)</a:t>
-            </a:r>
-          </a:p>
-          <a:p>
-            <a:pPr marL="357188" lvl="1" indent="-242888">
-              <a:lnSpc>
-                <a:spcPct val="115000"/>
-              </a:lnSpc>
-              <a:buSzPct val="70000"/>
-              <a:buFont typeface="Open Sans"/>
-              <a:buChar char="●"/>
-            </a:pPr>
-            <a:r>
-              <a:rPr lang="en-US" sz="1600" dirty="0" smtClean="0">
-                <a:solidFill>
-                  <a:schemeClr val="dk1"/>
-                </a:solidFill>
-                <a:latin typeface="Open Sans"/>
-                <a:ea typeface="Open Sans"/>
-                <a:cs typeface="Open Sans"/>
-                <a:sym typeface="Open Sans"/>
-              </a:rPr>
-              <a:t>attributes: </a:t>
-            </a:r>
-          </a:p>
-          <a:p>
-            <a:pPr marL="814388" lvl="1" indent="-242888">
-              <a:buSzPct val="70000"/>
-              <a:buFont typeface="Open Sans"/>
-              <a:buChar char="●"/>
-            </a:pPr>
-            <a:r>
-              <a:rPr lang="en-US" dirty="0" smtClean="0">
-                <a:solidFill>
-                  <a:srgbClr val="92D050"/>
-                </a:solidFill>
-                <a:latin typeface="Consolas" panose="020B0609020204030204" pitchFamily="49" charset="0"/>
-                <a:ea typeface="Open Sans"/>
-                <a:cs typeface="Open Sans"/>
-                <a:sym typeface="Open Sans"/>
-              </a:rPr>
-              <a:t>mode, polite</a:t>
-            </a:r>
-            <a:r>
-              <a:rPr lang="en-US" dirty="0" smtClean="0">
-                <a:solidFill>
-                  <a:schemeClr val="dk1"/>
-                </a:solidFill>
-                <a:latin typeface="Consolas" panose="020B0609020204030204" pitchFamily="49" charset="0"/>
-                <a:ea typeface="Open Sans"/>
-                <a:cs typeface="Open Sans"/>
-                <a:sym typeface="Open Sans"/>
-              </a:rPr>
-              <a:t>, quote</a:t>
-            </a:r>
-          </a:p>
-          <a:p>
-            <a:pPr marL="814388" lvl="1" indent="-242888">
-              <a:buSzPct val="70000"/>
-              <a:buFont typeface="Open Sans"/>
-              <a:buChar char="●"/>
-            </a:pPr>
-            <a:r>
-              <a:rPr lang="en-US" dirty="0" smtClean="0">
-                <a:solidFill>
-                  <a:schemeClr val="dk1"/>
-                </a:solidFill>
-                <a:latin typeface="Consolas" panose="020B0609020204030204" pitchFamily="49" charset="0"/>
-                <a:ea typeface="Open Sans"/>
-                <a:cs typeface="Open Sans"/>
-                <a:sym typeface="Open Sans"/>
-              </a:rPr>
-              <a:t>wiki, modal-strength</a:t>
-            </a:r>
-          </a:p>
-          <a:p>
-            <a:pPr marL="357188" lvl="1" indent="-242888">
-              <a:lnSpc>
-                <a:spcPct val="115000"/>
-              </a:lnSpc>
-              <a:buSzPct val="70000"/>
-              <a:buFont typeface="Open Sans"/>
-              <a:buChar char="●"/>
-            </a:pPr>
-            <a:r>
-              <a:rPr lang="en-US" sz="1600" dirty="0" smtClean="0">
-                <a:solidFill>
-                  <a:schemeClr val="dk1"/>
-                </a:solidFill>
-                <a:latin typeface="Open Sans"/>
-                <a:ea typeface="Open Sans"/>
-                <a:cs typeface="Open Sans"/>
-                <a:sym typeface="Open Sans"/>
-              </a:rPr>
-              <a:t>most of the document level annotation</a:t>
-            </a:r>
-            <a:endParaRPr lang="en-US" sz="1600" dirty="0">
-              <a:solidFill>
-                <a:schemeClr val="dk1"/>
-              </a:solidFill>
-              <a:latin typeface="Open Sans"/>
-              <a:ea typeface="Open Sans"/>
-              <a:cs typeface="Open Sans"/>
-              <a:sym typeface="Open Sans"/>
-            </a:endParaRPr>
-          </a:p>
-        </p:txBody>
-      </p:sp>
-      <p:sp>
-        <p:nvSpPr>
-          <p:cNvPr id="11" name="Google Shape;59;p10"/>
-          <p:cNvSpPr txBox="1">
-            <a:spLocks noGrp="1"/>
-          </p:cNvSpPr>
-          <p:nvPr>
-            <p:ph type="subTitle" idx="2"/>
-          </p:nvPr>
-        </p:nvSpPr>
-        <p:spPr>
-          <a:prstGeom prst="rect">
-            <a:avLst/>
-          </a:prstGeom>
-        </p:spPr>
-        <p:txBody>
-          <a:bodyPr spcFirstLastPara="1" wrap="square" lIns="91425" tIns="27425" rIns="91425" bIns="9125" anchor="t" anchorCtr="0">
-            <a:noAutofit/>
-          </a:bodyPr>
-          <a:lstStyle/>
-          <a:p>
-            <a:pPr marL="0" lvl="0" indent="0">
-              <a:spcAft>
-                <a:spcPts val="1600"/>
-              </a:spcAft>
-            </a:pPr>
-            <a:r>
-              <a:rPr lang="en-US" dirty="0" smtClean="0"/>
-              <a:t>From PDT to UMR</a:t>
-            </a:r>
-            <a:endParaRPr lang="en-US" dirty="0"/>
-          </a:p>
-        </p:txBody>
-      </p:sp>
-      <p:sp>
-        <p:nvSpPr>
-          <p:cNvPr id="12" name="TextovéPole 16"/>
-          <p:cNvSpPr txBox="1"/>
-          <p:nvPr/>
-        </p:nvSpPr>
-        <p:spPr>
-          <a:xfrm>
-            <a:off x="3995936" y="4856261"/>
-            <a:ext cx="4824536" cy="307777"/>
-          </a:xfrm>
-          <a:prstGeom prst="rect">
-            <a:avLst/>
-          </a:prstGeom>
-          <a:noFill/>
-        </p:spPr>
-        <p:txBody>
-          <a:bodyPr wrap="square" rtlCol="0">
-            <a:spAutoFit/>
-          </a:bodyPr>
-          <a:lstStyle/>
-          <a:p>
-            <a:r>
-              <a:rPr lang="en-US" dirty="0" smtClean="0">
-                <a:latin typeface="Open Sans" panose="020B0604020202020204" charset="0"/>
-                <a:ea typeface="Open Sans" panose="020B0604020202020204" charset="0"/>
-                <a:cs typeface="Open Sans" panose="020B0604020202020204" charset="0"/>
-              </a:rPr>
-              <a:t>Download the data: </a:t>
-            </a:r>
-            <a:r>
-              <a:rPr lang="en-US" dirty="0" smtClean="0">
-                <a:latin typeface="Open Sans" panose="020B0604020202020204" charset="0"/>
-                <a:ea typeface="Open Sans" panose="020B0604020202020204" charset="0"/>
-                <a:cs typeface="Open Sans" panose="020B0604020202020204" charset="0"/>
-                <a:hlinkClick r:id="rId2"/>
-              </a:rPr>
-              <a:t>http://hdl.handle.net/11234/1-5951</a:t>
-            </a:r>
-            <a:endParaRPr lang="en-US" dirty="0">
-              <a:latin typeface="Open Sans" panose="020B0604020202020204" charset="0"/>
-              <a:ea typeface="Open Sans" panose="020B0604020202020204" charset="0"/>
-              <a:cs typeface="Open Sans" panose="020B0604020202020204" charset="0"/>
-            </a:endParaRPr>
-          </a:p>
-        </p:txBody>
-      </p:sp>
     </p:spTree>
     <p:extLst>
       <p:ext uri="{BB962C8B-B14F-4D97-AF65-F5344CB8AC3E}">
-        <p14:creationId xmlns:p14="http://schemas.microsoft.com/office/powerpoint/2010/main" val="3196956874"/>
+        <p14:creationId xmlns:p14="http://schemas.microsoft.com/office/powerpoint/2010/main" val="2991462319"/>
       </p:ext>
     </p:extLst>
   </p:cSld>

--- a/papers/2025-ITAT-slides.pptx
+++ b/papers/2025-ITAT-slides.pptx
@@ -28,14 +28,14 @@
   <p:notesSz cx="6858000" cy="9144000"/>
   <p:embeddedFontLst>
     <p:embeddedFont>
-      <p:font typeface="Open Sans" panose="020B0604020202020204" charset="0"/>
+      <p:font typeface="Consolas" panose="020B0609020204030204" pitchFamily="49" charset="0"/>
       <p:regular r:id="rId18"/>
       <p:bold r:id="rId19"/>
       <p:italic r:id="rId20"/>
       <p:boldItalic r:id="rId21"/>
     </p:embeddedFont>
     <p:embeddedFont>
-      <p:font typeface="Consolas" panose="020B0609020204030204" pitchFamily="49" charset="0"/>
+      <p:font typeface="Open Sans" panose="020B0604020202020204" charset="0"/>
       <p:regular r:id="rId22"/>
       <p:bold r:id="rId23"/>
       <p:italic r:id="rId24"/>
@@ -7752,7 +7752,7 @@
           <a:graphicData uri="http://schemas.openxmlformats.org/presentationml/2006/ole">
             <mc:AlternateContent xmlns:mc="http://schemas.openxmlformats.org/markup-compatibility/2006">
               <mc:Choice xmlns:v="urn:schemas-microsoft-com:vml" Requires="v">
-                <p:oleObj spid="_x0000_s1115" name="Acrobat Document" r:id="rId6" imgW="4400418" imgH="2533650" progId="AcroExch.Document.DC">
+                <p:oleObj spid="_x0000_s1121" name="Acrobat Document" r:id="rId6" imgW="4400418" imgH="2533650" progId="AcroExch.Document.DC">
                   <p:embed/>
                 </p:oleObj>
               </mc:Choice>
@@ -8058,15 +8058,82 @@
               <a:buChar char="●"/>
             </a:pPr>
             <a:r>
-              <a:rPr lang="en-US" dirty="0" smtClean="0">
+              <a:rPr lang="en-US" dirty="0">
                 <a:solidFill>
                   <a:schemeClr val="dk1"/>
                 </a:solidFill>
+                <a:latin typeface="Consolas" panose="020B0609020204030204" pitchFamily="49" charset="0"/>
+              </a:rPr>
+              <a:t>t_lemma </a:t>
+            </a:r>
+            <a:r>
+              <a:rPr lang="en-US" dirty="0">
+                <a:solidFill>
+                  <a:schemeClr val="dk1"/>
+                </a:solidFill>
+                <a:latin typeface="Consolas" panose="020B0609020204030204" pitchFamily="49" charset="0"/>
+                <a:sym typeface="Symbol" panose="05050102010706020507" pitchFamily="18" charset="2"/>
+              </a:rPr>
+              <a:t> concept</a:t>
+            </a:r>
+            <a:endParaRPr lang="en-US" dirty="0">
+              <a:solidFill>
+                <a:schemeClr val="dk1"/>
+              </a:solidFill>
+              <a:latin typeface="Consolas" panose="020B0609020204030204" pitchFamily="49" charset="0"/>
+            </a:endParaRPr>
+          </a:p>
+          <a:p>
+            <a:pPr marL="357188" lvl="1" indent="-242888">
+              <a:lnSpc>
+                <a:spcPct val="150000"/>
+              </a:lnSpc>
+              <a:spcBef>
+                <a:spcPts val="0"/>
+              </a:spcBef>
+              <a:buSzPct val="70000"/>
+              <a:buFont typeface="Open Sans"/>
+              <a:buChar char="●"/>
+            </a:pPr>
+            <a:r>
+              <a:rPr lang="en-US" sz="1600" dirty="0" smtClean="0">
+                <a:solidFill>
+                  <a:schemeClr val="dk1"/>
+                </a:solidFill>
+              </a:rPr>
+              <a:t>edge </a:t>
+            </a:r>
+            <a:r>
+              <a:rPr lang="en-US" sz="1600" dirty="0" smtClean="0">
+                <a:solidFill>
+                  <a:schemeClr val="dk1"/>
+                </a:solidFill>
+              </a:rPr>
+              <a:t>labeling</a:t>
+            </a:r>
+          </a:p>
+          <a:p>
+            <a:pPr marL="814388" lvl="2" indent="-242888" defTabSz="781050">
+              <a:lnSpc>
+                <a:spcPct val="100000"/>
+              </a:lnSpc>
+              <a:spcBef>
+                <a:spcPts val="0"/>
+              </a:spcBef>
+              <a:buSzPct val="70000"/>
+              <a:buFont typeface="Open Sans"/>
+              <a:buChar char="●"/>
+            </a:pPr>
+            <a:r>
+              <a:rPr lang="en-US" dirty="0">
+                <a:solidFill>
+                  <a:schemeClr val="dk1"/>
+                </a:solidFill>
               </a:rPr>
               <a:t>valency lexicon </a:t>
             </a:r>
             <a:r>
-              <a:rPr lang="en-US" dirty="0" smtClean="0">
+              <a:rPr lang="en-US" dirty="0">
                 <a:solidFill>
                   <a:schemeClr val="dk1"/>
                 </a:solidFill>
@@ -8075,7 +8142,7 @@
               <a:t> 	</a:t>
             </a:r>
             <a:r>
-              <a:rPr lang="en-US" dirty="0" err="1" smtClean="0">
+              <a:rPr lang="en-US" dirty="0" err="1">
                 <a:solidFill>
                   <a:schemeClr val="dk1"/>
                 </a:solidFill>
@@ -8083,7 +8150,7 @@
               </a:rPr>
               <a:t>PropBank</a:t>
             </a:r>
-            <a:endParaRPr lang="en-US" dirty="0" smtClean="0">
+            <a:endParaRPr lang="en-US" dirty="0">
               <a:solidFill>
                 <a:schemeClr val="dk1"/>
               </a:solidFill>
@@ -8102,108 +8169,110 @@
               <a:buNone/>
             </a:pPr>
             <a:r>
+              <a:rPr lang="en-US" dirty="0">
+                <a:solidFill>
+                  <a:schemeClr val="dk1"/>
+                </a:solidFill>
+                <a:sym typeface="Symbol" panose="05050102010706020507" pitchFamily="18" charset="2"/>
+              </a:rPr>
+              <a:t>default table</a:t>
+            </a:r>
+            <a:endParaRPr lang="en-US" dirty="0">
+              <a:solidFill>
+                <a:schemeClr val="dk1"/>
+              </a:solidFill>
+            </a:endParaRPr>
+          </a:p>
+          <a:p>
+            <a:pPr marL="357188" lvl="1" indent="-242888">
+              <a:spcBef>
+                <a:spcPts val="0"/>
+              </a:spcBef>
+              <a:buSzPct val="70000"/>
+              <a:buFont typeface="Open Sans"/>
+              <a:buChar char="●"/>
+            </a:pPr>
+            <a:r>
+              <a:rPr lang="en-US" sz="1600" dirty="0" smtClean="0">
+                <a:solidFill>
+                  <a:schemeClr val="dk1"/>
+                </a:solidFill>
+              </a:rPr>
+              <a:t>selected </a:t>
+            </a:r>
+            <a:r>
+              <a:rPr lang="en-US" sz="1600" dirty="0" smtClean="0">
+                <a:solidFill>
+                  <a:schemeClr val="dk1"/>
+                </a:solidFill>
+              </a:rPr>
+              <a:t>attributes</a:t>
+            </a:r>
+          </a:p>
+          <a:p>
+            <a:pPr marL="814388" lvl="1" indent="-242888">
+              <a:lnSpc>
+                <a:spcPct val="100000"/>
+              </a:lnSpc>
+              <a:spcBef>
+                <a:spcPts val="0"/>
+              </a:spcBef>
+              <a:buSzPct val="70000"/>
+              <a:buFont typeface="Open Sans"/>
+              <a:buChar char="●"/>
+            </a:pPr>
+            <a:r>
               <a:rPr lang="en-US" dirty="0" smtClean="0">
                 <a:solidFill>
                   <a:schemeClr val="dk1"/>
                 </a:solidFill>
-                <a:sym typeface="Symbol" panose="05050102010706020507" pitchFamily="18" charset="2"/>
-              </a:rPr>
-              <a:t>default table</a:t>
+                <a:latin typeface="Consolas" panose="020B0609020204030204" pitchFamily="49" charset="0"/>
+              </a:rPr>
+              <a:t>aspect</a:t>
+            </a:r>
+            <a:endParaRPr lang="cs-CZ" dirty="0" smtClean="0">
+              <a:solidFill>
+                <a:schemeClr val="dk1"/>
+              </a:solidFill>
+              <a:latin typeface="Consolas" panose="020B0609020204030204" pitchFamily="49" charset="0"/>
+            </a:endParaRPr>
+          </a:p>
+          <a:p>
+            <a:pPr marL="814388" lvl="1" indent="-242888">
+              <a:lnSpc>
+                <a:spcPct val="100000"/>
+              </a:lnSpc>
+              <a:spcBef>
+                <a:spcPts val="0"/>
+              </a:spcBef>
+              <a:buSzPct val="70000"/>
+              <a:buFont typeface="Open Sans"/>
+              <a:buChar char="●"/>
+            </a:pPr>
+            <a:r>
+              <a:rPr lang="en-US" dirty="0">
+                <a:solidFill>
+                  <a:schemeClr val="dk1"/>
+                </a:solidFill>
+                <a:latin typeface="Consolas" panose="020B0609020204030204" pitchFamily="49" charset="0"/>
+              </a:rPr>
+              <a:t>refer-person, </a:t>
+            </a:r>
+            <a:r>
+              <a:rPr lang="en-US" dirty="0" smtClean="0">
+                <a:solidFill>
+                  <a:schemeClr val="dk1"/>
+                </a:solidFill>
+                <a:latin typeface="Consolas" panose="020B0609020204030204" pitchFamily="49" charset="0"/>
+              </a:rPr>
+              <a:t>refer-number</a:t>
             </a:r>
             <a:endParaRPr lang="en-US" dirty="0" smtClean="0">
               <a:solidFill>
                 <a:schemeClr val="dk1"/>
               </a:solidFill>
+              <a:latin typeface="Consolas" panose="020B0609020204030204" pitchFamily="49" charset="0"/>
             </a:endParaRPr>
-          </a:p>
-          <a:p>
-            <a:pPr marL="357188" lvl="1" indent="-242888">
-              <a:spcBef>
-                <a:spcPts val="0"/>
-              </a:spcBef>
-              <a:buSzPct val="70000"/>
-              <a:buFont typeface="Open Sans"/>
-              <a:buChar char="●"/>
-            </a:pPr>
-            <a:r>
-              <a:rPr lang="en-US" sz="1600" dirty="0" smtClean="0">
-                <a:solidFill>
-                  <a:schemeClr val="dk1"/>
-                </a:solidFill>
-              </a:rPr>
-              <a:t>edge labeling</a:t>
-            </a:r>
-          </a:p>
-          <a:p>
-            <a:pPr marL="814388" lvl="2" indent="-242888">
-              <a:lnSpc>
-                <a:spcPct val="100000"/>
-              </a:lnSpc>
-              <a:spcBef>
-                <a:spcPts val="0"/>
-              </a:spcBef>
-              <a:buSzPct val="70000"/>
-              <a:buFont typeface="Open Sans"/>
-              <a:buChar char="●"/>
-            </a:pPr>
-            <a:r>
-              <a:rPr lang="en-US" dirty="0" smtClean="0">
-                <a:solidFill>
-                  <a:schemeClr val="dk1"/>
-                </a:solidFill>
-                <a:latin typeface="Consolas" panose="020B0609020204030204" pitchFamily="49" charset="0"/>
-              </a:rPr>
-              <a:t>t_lemma</a:t>
-            </a:r>
-            <a:r>
-              <a:rPr lang="en-US" sz="1600" dirty="0" smtClean="0">
-                <a:solidFill>
-                  <a:schemeClr val="dk1"/>
-                </a:solidFill>
-              </a:rPr>
-              <a:t> </a:t>
-            </a:r>
-            <a:r>
-              <a:rPr lang="en-US" sz="1600" dirty="0" smtClean="0">
-                <a:solidFill>
-                  <a:schemeClr val="dk1"/>
-                </a:solidFill>
-                <a:sym typeface="Symbol" panose="05050102010706020507" pitchFamily="18" charset="2"/>
-              </a:rPr>
-              <a:t> </a:t>
-            </a:r>
-            <a:r>
-              <a:rPr lang="en-US" sz="1500" dirty="0" smtClean="0">
-                <a:solidFill>
-                  <a:schemeClr val="dk1"/>
-                </a:solidFill>
-                <a:sym typeface="Symbol" panose="05050102010706020507" pitchFamily="18" charset="2"/>
-              </a:rPr>
-              <a:t>concept</a:t>
-            </a:r>
-            <a:endParaRPr lang="en-US" sz="1500" dirty="0" smtClean="0">
-              <a:solidFill>
-                <a:schemeClr val="dk1"/>
-              </a:solidFill>
-            </a:endParaRPr>
-          </a:p>
-          <a:p>
-            <a:pPr marL="357188" lvl="1" indent="-242888">
-              <a:spcBef>
-                <a:spcPts val="0"/>
-              </a:spcBef>
-              <a:buSzPct val="70000"/>
-              <a:buFont typeface="Open Sans"/>
-              <a:buChar char="●"/>
-            </a:pPr>
-            <a:r>
-              <a:rPr lang="en-US" sz="1600" dirty="0" smtClean="0">
-                <a:solidFill>
-                  <a:schemeClr val="dk1"/>
-                </a:solidFill>
-              </a:rPr>
-              <a:t>selected attributes</a:t>
-            </a:r>
           </a:p>
           <a:p>
             <a:pPr marL="814388" lvl="1" indent="-242888">
@@ -8220,17 +8289,17 @@
             <a:r>
               <a:rPr lang="en-US" dirty="0" smtClean="0">
                 <a:solidFill>
-                  <a:schemeClr val="dk1"/>
+                  <a:srgbClr val="00B0F0"/>
                 </a:solidFill>
                 <a:latin typeface="Consolas" panose="020B0609020204030204" pitchFamily="49" charset="0"/>
               </a:rPr>
-              <a:t>aspect</a:t>
-            </a:r>
-          </a:p>
-          <a:p>
-            <a:pPr marL="814388" lvl="1" indent="-242888">
+              <a:t>degree, polarity, quant</a:t>
+            </a:r>
+          </a:p>
+          <a:p>
+            <a:pPr marL="357188" lvl="1" indent="-242888">
               <a:lnSpc>
-                <a:spcPct val="100000"/>
+                <a:spcPct val="150000"/>
               </a:lnSpc>
               <a:spcBef>
                 <a:spcPts val="0"/>
@@ -8240,53 +8309,20 @@
               <a:buChar char="●"/>
             </a:pPr>
             <a:r>
-              <a:rPr lang="en-US" dirty="0" smtClean="0">
-                <a:solidFill>
-                  <a:srgbClr val="00B0F0"/>
-                </a:solidFill>
-                <a:latin typeface="Consolas" panose="020B0609020204030204" pitchFamily="49" charset="0"/>
-              </a:rPr>
-              <a:t>degree, polarity, quant</a:t>
-            </a:r>
-          </a:p>
-          <a:p>
-            <a:pPr marL="814388" lvl="1" indent="-242888">
-              <a:lnSpc>
-                <a:spcPct val="100000"/>
-              </a:lnSpc>
-              <a:spcBef>
-                <a:spcPts val="0"/>
-              </a:spcBef>
-              <a:buSzPct val="70000"/>
-              <a:buFont typeface="Open Sans"/>
-              <a:buChar char="●"/>
-            </a:pPr>
-            <a:r>
-              <a:rPr lang="en-US" dirty="0" smtClean="0">
+              <a:rPr lang="en-US" sz="1600" dirty="0" smtClean="0">
                 <a:solidFill>
                   <a:schemeClr val="dk1"/>
                 </a:solidFill>
-                <a:latin typeface="Consolas" panose="020B0609020204030204" pitchFamily="49" charset="0"/>
-              </a:rPr>
-              <a:t>refer-person, refer-number</a:t>
-            </a:r>
-          </a:p>
-          <a:p>
-            <a:pPr marL="357188" lvl="1" indent="-242888">
-              <a:spcBef>
-                <a:spcPts val="0"/>
-              </a:spcBef>
-              <a:buSzPct val="70000"/>
-              <a:buFont typeface="Open Sans"/>
-              <a:buChar char="●"/>
-            </a:pPr>
+              </a:rPr>
+              <a:t>node </a:t>
+            </a:r>
             <a:r>
               <a:rPr lang="en-US" sz="1600" dirty="0" smtClean="0">
                 <a:solidFill>
                   <a:schemeClr val="dk1"/>
                 </a:solidFill>
               </a:rPr>
-              <a:t>node alignment</a:t>
+              <a:t>alignment</a:t>
             </a:r>
             <a:endParaRPr lang="en-US" sz="1600" dirty="0">
               <a:solidFill>
@@ -8350,7 +8386,7 @@
         </p:nvSpPr>
         <p:spPr>
           <a:xfrm>
-            <a:off x="4292933" y="1693987"/>
+            <a:off x="4292933" y="1770714"/>
             <a:ext cx="4860032" cy="653769"/>
           </a:xfrm>
           <a:prstGeom prst="rect">
@@ -8422,8 +8458,8 @@
         </p:nvSpPr>
         <p:spPr>
           <a:xfrm>
-            <a:off x="5913257" y="1732839"/>
-            <a:ext cx="432048" cy="288032"/>
+            <a:off x="5913257" y="1842722"/>
+            <a:ext cx="432048" cy="261847"/>
           </a:xfrm>
           <a:prstGeom prst="rightArrow">
             <a:avLst/>
@@ -8468,13 +8504,18 @@
         </p:nvSpPr>
         <p:spPr>
           <a:xfrm>
-            <a:off x="4295796" y="3078341"/>
-            <a:ext cx="4860032" cy="1370247"/>
+            <a:off x="4295796" y="2859428"/>
+            <a:ext cx="4860032" cy="2016578"/>
           </a:xfrm>
           <a:prstGeom prst="rect">
             <a:avLst/>
           </a:prstGeom>
           <a:noFill/>
+          <a:ln>
+            <a:solidFill>
+              <a:srgbClr val="F47B20"/>
+            </a:solidFill>
+          </a:ln>
         </p:spPr>
         <p:txBody>
           <a:bodyPr wrap="square" rtlCol="0">
@@ -8537,19 +8578,71 @@
                 <a:cs typeface="Open Sans"/>
                 <a:sym typeface="Open Sans"/>
               </a:rPr>
-              <a:t>mode, polite</a:t>
+              <a:t>mode, </a:t>
             </a:r>
             <a:r>
               <a:rPr lang="en-US" dirty="0" smtClean="0">
                 <a:solidFill>
-                  <a:schemeClr val="dk1"/>
+                  <a:srgbClr val="92D050"/>
                 </a:solidFill>
                 <a:latin typeface="Consolas" panose="020B0609020204030204" pitchFamily="49" charset="0"/>
                 <a:ea typeface="Open Sans"/>
                 <a:cs typeface="Open Sans"/>
                 <a:sym typeface="Open Sans"/>
               </a:rPr>
-              <a:t>, quote, </a:t>
+              <a:t>polite</a:t>
+            </a:r>
+            <a:r>
+              <a:rPr lang="en-US" dirty="0" smtClean="0">
+                <a:solidFill>
+                  <a:schemeClr val="dk1"/>
+                </a:solidFill>
+                <a:latin typeface="Consolas" panose="020B0609020204030204" pitchFamily="49" charset="0"/>
+                <a:ea typeface="Open Sans"/>
+                <a:cs typeface="Open Sans"/>
+                <a:sym typeface="Open Sans"/>
+              </a:rPr>
+              <a:t> </a:t>
+            </a:r>
+            <a:endParaRPr lang="cs-CZ" dirty="0" smtClean="0">
+              <a:solidFill>
+                <a:schemeClr val="dk1"/>
+              </a:solidFill>
+              <a:latin typeface="Consolas" panose="020B0609020204030204" pitchFamily="49" charset="0"/>
+              <a:ea typeface="Open Sans"/>
+              <a:cs typeface="Open Sans"/>
+              <a:sym typeface="Open Sans"/>
+            </a:endParaRPr>
+          </a:p>
+          <a:p>
+            <a:pPr marL="814388" lvl="1" indent="-242888">
+              <a:buSzPct val="70000"/>
+              <a:buFont typeface="Open Sans"/>
+              <a:buChar char="●"/>
+            </a:pPr>
+            <a:r>
+              <a:rPr lang="en-US" dirty="0" smtClean="0">
+                <a:solidFill>
+                  <a:schemeClr val="dk1"/>
+                </a:solidFill>
+                <a:latin typeface="Consolas" panose="020B0609020204030204" pitchFamily="49" charset="0"/>
+                <a:ea typeface="Open Sans"/>
+                <a:cs typeface="Open Sans"/>
+                <a:sym typeface="Open Sans"/>
+              </a:rPr>
+              <a:t>quote</a:t>
+            </a:r>
+            <a:r>
+              <a:rPr lang="en-US" dirty="0" smtClean="0">
+                <a:solidFill>
+                  <a:schemeClr val="dk1"/>
+                </a:solidFill>
+                <a:latin typeface="Consolas" panose="020B0609020204030204" pitchFamily="49" charset="0"/>
+                <a:ea typeface="Open Sans"/>
+                <a:cs typeface="Open Sans"/>
+                <a:sym typeface="Open Sans"/>
+              </a:rPr>
+              <a:t>, </a:t>
             </a:r>
             <a:r>
               <a:rPr lang="en-US" dirty="0">
@@ -8611,13 +8704,81 @@
                 <a:cs typeface="Open Sans"/>
                 <a:sym typeface="Open Sans"/>
               </a:rPr>
-              <a:t>most of the document level annotation</a:t>
-            </a:r>
-            <a:endParaRPr lang="en-US" sz="1600" dirty="0">
+              <a:t>most of the document level </a:t>
+            </a:r>
+            <a:r>
+              <a:rPr lang="en-US" sz="1600" dirty="0" smtClean="0">
+                <a:solidFill>
+                  <a:schemeClr val="dk1"/>
+                </a:solidFill>
+                <a:latin typeface="Open Sans"/>
+                <a:ea typeface="Open Sans"/>
+                <a:cs typeface="Open Sans"/>
+                <a:sym typeface="Open Sans"/>
+              </a:rPr>
+              <a:t>annotation</a:t>
+            </a:r>
+            <a:endParaRPr lang="cs-CZ" sz="1600" dirty="0" smtClean="0">
               <a:solidFill>
                 <a:schemeClr val="dk1"/>
               </a:solidFill>
               <a:latin typeface="Open Sans"/>
+              <a:ea typeface="Open Sans"/>
+              <a:cs typeface="Open Sans"/>
+              <a:sym typeface="Open Sans"/>
+            </a:endParaRPr>
+          </a:p>
+          <a:p>
+            <a:pPr marL="814388" lvl="1" indent="-242888">
+              <a:buSzPct val="70000"/>
+              <a:buFont typeface="Open Sans"/>
+              <a:buChar char="●"/>
+            </a:pPr>
+            <a:r>
+              <a:rPr lang="cs-CZ" dirty="0" err="1" smtClean="0">
+                <a:solidFill>
+                  <a:schemeClr val="dk1"/>
+                </a:solidFill>
+                <a:latin typeface="Consolas" panose="020B0609020204030204" pitchFamily="49" charset="0"/>
+                <a:ea typeface="Open Sans"/>
+                <a:cs typeface="Open Sans"/>
+                <a:sym typeface="Open Sans"/>
+              </a:rPr>
+              <a:t>temporal</a:t>
+            </a:r>
+            <a:endParaRPr lang="cs-CZ" dirty="0">
+              <a:solidFill>
+                <a:schemeClr val="dk1"/>
+              </a:solidFill>
+              <a:latin typeface="Consolas" panose="020B0609020204030204" pitchFamily="49" charset="0"/>
+              <a:ea typeface="Open Sans"/>
+              <a:cs typeface="Open Sans"/>
+              <a:sym typeface="Open Sans"/>
+            </a:endParaRPr>
+          </a:p>
+          <a:p>
+            <a:pPr marL="814388" lvl="1" indent="-242888">
+              <a:buSzPct val="70000"/>
+              <a:buFont typeface="Open Sans"/>
+              <a:buChar char="●"/>
+            </a:pPr>
+            <a:r>
+              <a:rPr lang="cs-CZ" dirty="0" err="1" smtClean="0">
+                <a:solidFill>
+                  <a:schemeClr val="dk1"/>
+                </a:solidFill>
+                <a:latin typeface="Consolas" panose="020B0609020204030204" pitchFamily="49" charset="0"/>
+                <a:ea typeface="Open Sans"/>
+                <a:cs typeface="Open Sans"/>
+                <a:sym typeface="Open Sans"/>
+              </a:rPr>
+              <a:t>modal</a:t>
+            </a:r>
+            <a:endParaRPr lang="en-US" dirty="0">
+              <a:solidFill>
+                <a:schemeClr val="dk1"/>
+              </a:solidFill>
+              <a:latin typeface="Consolas" panose="020B0609020204030204" pitchFamily="49" charset="0"/>
               <a:ea typeface="Open Sans"/>
               <a:cs typeface="Open Sans"/>
               <a:sym typeface="Open Sans"/>
@@ -11505,7 +11666,7 @@
           <a:graphicData uri="http://schemas.openxmlformats.org/presentationml/2006/ole">
             <mc:AlternateContent xmlns:mc="http://schemas.openxmlformats.org/markup-compatibility/2006">
               <mc:Choice xmlns:v="urn:schemas-microsoft-com:vml" Requires="v">
-                <p:oleObj spid="_x0000_s8248" name="Acrobat Document" r:id="rId4" imgW="4400418" imgH="2533650" progId="AcroExch.Document.DC">
+                <p:oleObj spid="_x0000_s8254" name="Acrobat Document" r:id="rId4" imgW="4400418" imgH="2533650" progId="AcroExch.Document.DC">
                   <p:embed/>
                 </p:oleObj>
               </mc:Choice>

--- a/papers/2025-ITAT-slides.pptx
+++ b/papers/2025-ITAT-slides.pptx
@@ -281,7 +281,7 @@
   <p:extLst>
     <p:ext uri="{EFAFB233-063F-42B5-8137-9DF3F51BA10A}">
       <p15:sldGuideLst xmlns:p15="http://schemas.microsoft.com/office/powerpoint/2012/main">
-        <p15:guide id="1" orient="horz" pos="2210" userDrawn="1">
+        <p15:guide id="1" orient="horz" pos="3208" userDrawn="1">
           <p15:clr>
             <a:srgbClr val="A4A3A4"/>
           </p15:clr>
@@ -7868,7 +7868,7 @@
           <a:graphicData uri="http://schemas.openxmlformats.org/presentationml/2006/ole">
             <mc:AlternateContent xmlns:mc="http://schemas.openxmlformats.org/markup-compatibility/2006">
               <mc:Choice xmlns:v="urn:schemas-microsoft-com:vml" Requires="v">
-                <p:oleObj spid="_x0000_s1132" name="Acrobat Document" r:id="rId6" imgW="4400418" imgH="2533650" progId="AcroExch.Document.DC">
+                <p:oleObj spid="_x0000_s1136" name="Acrobat Document" r:id="rId6" imgW="4400418" imgH="2533650" progId="AcroExch.Document.DC">
                   <p:embed/>
                 </p:oleObj>
               </mc:Choice>
@@ -7937,48 +7937,6 @@
       </p:grpSpPr>
       <p:sp>
         <p:nvSpPr>
-          <p:cNvPr id="58" name="Google Shape;58;p10"/>
-          <p:cNvSpPr txBox="1">
-            <a:spLocks noGrp="1"/>
-          </p:cNvSpPr>
-          <p:nvPr>
-            <p:ph type="sldNum" idx="12"/>
-          </p:nvPr>
-        </p:nvSpPr>
-        <p:spPr>
-          <a:xfrm>
-            <a:off x="8595300" y="4920297"/>
-            <a:ext cx="548700" cy="223200"/>
-          </a:xfrm>
-          <a:prstGeom prst="rect">
-            <a:avLst/>
-          </a:prstGeom>
-        </p:spPr>
-        <p:txBody>
-          <a:bodyPr spcFirstLastPara="1" wrap="square" lIns="91425" tIns="45700" rIns="91425" bIns="45700" anchor="ctr" anchorCtr="0">
-            <a:noAutofit/>
-          </a:bodyPr>
-          <a:lstStyle/>
-          <a:p>
-            <a:pPr marL="0" lvl="0" indent="0" algn="r" rtl="0">
-              <a:spcBef>
-                <a:spcPts val="0"/>
-              </a:spcBef>
-              <a:spcAft>
-                <a:spcPts val="0"/>
-              </a:spcAft>
-              <a:buNone/>
-            </a:pPr>
-            <a:fld id="{00000000-1234-1234-1234-123412341234}" type="slidenum">
-              <a:rPr lang="en-US" smtClean="0"/>
-              <a:t>10</a:t>
-            </a:fld>
-            <a:endParaRPr lang="en-US" dirty="0"/>
-          </a:p>
-        </p:txBody>
-      </p:sp>
-      <p:sp>
-        <p:nvSpPr>
           <p:cNvPr id="59" name="Google Shape;59;p10"/>
           <p:cNvSpPr txBox="1">
             <a:spLocks noGrp="1"/>
@@ -8042,7 +8000,7 @@
         </p:blipFill>
         <p:spPr bwMode="auto">
           <a:xfrm>
-            <a:off x="1143000" y="671513"/>
+            <a:off x="827584" y="671513"/>
             <a:ext cx="6858000" cy="3800475"/>
           </a:xfrm>
           <a:prstGeom prst="rect">
@@ -8081,7 +8039,7 @@
         </p:nvSpPr>
         <p:spPr>
           <a:xfrm>
-            <a:off x="3995936" y="4856261"/>
+            <a:off x="4355976" y="4856261"/>
             <a:ext cx="4824536" cy="307777"/>
           </a:xfrm>
           <a:prstGeom prst="rect">
@@ -8212,6 +8170,30 @@
           </a:p>
         </p:txBody>
       </p:sp>
+      <p:pic>
+        <p:nvPicPr>
+          <p:cNvPr id="10" name="Picture 9"/>
+          <p:cNvPicPr>
+            <a:picLocks noChangeAspect="1"/>
+          </p:cNvPicPr>
+          <p:nvPr/>
+        </p:nvPicPr>
+        <p:blipFill>
+          <a:blip r:embed="rId5"/>
+          <a:stretch>
+            <a:fillRect/>
+          </a:stretch>
+        </p:blipFill>
+        <p:spPr>
+          <a:xfrm>
+            <a:off x="7596336" y="3361208"/>
+            <a:ext cx="1495053" cy="1495053"/>
+          </a:xfrm>
+          <a:prstGeom prst="rect">
+            <a:avLst/>
+          </a:prstGeom>
+        </p:spPr>
+      </p:pic>
     </p:spTree>
     <p:extLst>
       <p:ext uri="{BB962C8B-B14F-4D97-AF65-F5344CB8AC3E}">
@@ -8249,48 +8231,30 @@
           <a:chExt cx="0" cy="0"/>
         </a:xfrm>
       </p:grpSpPr>
-      <p:sp>
-        <p:nvSpPr>
-          <p:cNvPr id="58" name="Google Shape;58;p10"/>
-          <p:cNvSpPr txBox="1">
-            <a:spLocks noGrp="1"/>
-          </p:cNvSpPr>
-          <p:nvPr>
-            <p:ph type="sldNum" idx="12"/>
-          </p:nvPr>
-        </p:nvSpPr>
+      <p:pic>
+        <p:nvPicPr>
+          <p:cNvPr id="10" name="Picture 9"/>
+          <p:cNvPicPr>
+            <a:picLocks noChangeAspect="1"/>
+          </p:cNvPicPr>
+          <p:nvPr/>
+        </p:nvPicPr>
+        <p:blipFill>
+          <a:blip r:embed="rId3"/>
+          <a:stretch>
+            <a:fillRect/>
+          </a:stretch>
+        </p:blipFill>
         <p:spPr>
           <a:xfrm>
-            <a:off x="8595300" y="4920297"/>
-            <a:ext cx="548700" cy="223200"/>
+            <a:off x="7596336" y="3361208"/>
+            <a:ext cx="1495053" cy="1495053"/>
           </a:xfrm>
           <a:prstGeom prst="rect">
             <a:avLst/>
           </a:prstGeom>
         </p:spPr>
-        <p:txBody>
-          <a:bodyPr spcFirstLastPara="1" wrap="square" lIns="91425" tIns="45700" rIns="91425" bIns="45700" anchor="ctr" anchorCtr="0">
-            <a:noAutofit/>
-          </a:bodyPr>
-          <a:lstStyle/>
-          <a:p>
-            <a:pPr marL="0" lvl="0" indent="0" algn="r" rtl="0">
-              <a:spcBef>
-                <a:spcPts val="0"/>
-              </a:spcBef>
-              <a:spcAft>
-                <a:spcPts val="0"/>
-              </a:spcAft>
-              <a:buNone/>
-            </a:pPr>
-            <a:fld id="{00000000-1234-1234-1234-123412341234}" type="slidenum">
-              <a:rPr lang="en-US" smtClean="0"/>
-              <a:t>11</a:t>
-            </a:fld>
-            <a:endParaRPr lang="en-US" dirty="0"/>
-          </a:p>
-        </p:txBody>
-      </p:sp>
+      </p:pic>
       <p:sp>
         <p:nvSpPr>
           <p:cNvPr id="59" name="Google Shape;59;p10"/>
@@ -8342,7 +8306,7 @@
           <p:nvPr/>
         </p:nvPicPr>
         <p:blipFill>
-          <a:blip r:embed="rId3">
+          <a:blip r:embed="rId4">
             <a:extLst>
               <a:ext uri="{28A0092B-C50C-407E-A947-70E740481C1C}">
                 <a14:useLocalDpi xmlns:a14="http://schemas.microsoft.com/office/drawing/2010/main" val="0"/>
@@ -8356,7 +8320,7 @@
         </p:blipFill>
         <p:spPr bwMode="auto">
           <a:xfrm>
-            <a:off x="1143000" y="671513"/>
+            <a:off x="827584" y="671513"/>
             <a:ext cx="6858000" cy="3800475"/>
           </a:xfrm>
           <a:prstGeom prst="rect">
@@ -8395,7 +8359,7 @@
         </p:nvSpPr>
         <p:spPr>
           <a:xfrm>
-            <a:off x="3995936" y="4856261"/>
+            <a:off x="4355976" y="4856261"/>
             <a:ext cx="4824536" cy="307777"/>
           </a:xfrm>
           <a:prstGeom prst="rect">
@@ -8422,7 +8386,7 @@
                 <a:latin typeface="Open Sans" panose="020B0604020202020204" charset="0"/>
                 <a:ea typeface="Open Sans" panose="020B0604020202020204" charset="0"/>
                 <a:cs typeface="Open Sans" panose="020B0604020202020204" charset="0"/>
-                <a:hlinkClick r:id="rId4"/>
+                <a:hlinkClick r:id="rId5"/>
               </a:rPr>
               <a:t>http://hdl.handle.net/11234/1-5951</a:t>
             </a:r>
@@ -9940,38 +9904,6 @@
       </p:grpSpPr>
       <p:sp>
         <p:nvSpPr>
-          <p:cNvPr id="3" name="Zástupný symbol pro číslo snímku 2"/>
-          <p:cNvSpPr>
-            <a:spLocks noGrp="1"/>
-          </p:cNvSpPr>
-          <p:nvPr>
-            <p:ph type="sldNum" idx="12"/>
-          </p:nvPr>
-        </p:nvSpPr>
-        <p:spPr/>
-        <p:txBody>
-          <a:bodyPr/>
-          <a:lstStyle/>
-          <a:p>
-            <a:pPr marL="0" lvl="0" indent="0" algn="r" rtl="0">
-              <a:spcBef>
-                <a:spcPts val="0"/>
-              </a:spcBef>
-              <a:spcAft>
-                <a:spcPts val="0"/>
-              </a:spcAft>
-              <a:buNone/>
-            </a:pPr>
-            <a:fld id="{00000000-1234-1234-1234-123412341234}" type="slidenum">
-              <a:rPr lang="en-US" smtClean="0"/>
-              <a:t>15</a:t>
-            </a:fld>
-            <a:endParaRPr lang="en-US" dirty="0"/>
-          </a:p>
-        </p:txBody>
-      </p:sp>
-      <p:sp>
-        <p:nvSpPr>
           <p:cNvPr id="5" name="Nadpis 4"/>
           <p:cNvSpPr>
             <a:spLocks noGrp="1"/>
@@ -10455,15 +10387,39 @@
           </a:p>
         </p:txBody>
       </p:sp>
+      <p:pic>
+        <p:nvPicPr>
+          <p:cNvPr id="7" name="Picture 6"/>
+          <p:cNvPicPr>
+            <a:picLocks noChangeAspect="1"/>
+          </p:cNvPicPr>
+          <p:nvPr/>
+        </p:nvPicPr>
+        <p:blipFill>
+          <a:blip r:embed="rId2"/>
+          <a:stretch>
+            <a:fillRect/>
+          </a:stretch>
+        </p:blipFill>
+        <p:spPr>
+          <a:xfrm>
+            <a:off x="7596336" y="3361208"/>
+            <a:ext cx="1495053" cy="1495053"/>
+          </a:xfrm>
+          <a:prstGeom prst="rect">
+            <a:avLst/>
+          </a:prstGeom>
+        </p:spPr>
+      </p:pic>
       <p:sp>
         <p:nvSpPr>
-          <p:cNvPr id="12" name="TextovéPole 16"/>
+          <p:cNvPr id="8" name="TextovéPole 16"/>
           <p:cNvSpPr txBox="1"/>
           <p:nvPr/>
         </p:nvSpPr>
         <p:spPr>
           <a:xfrm>
-            <a:off x="3995936" y="4856261"/>
+            <a:off x="4355976" y="4856261"/>
             <a:ext cx="4824536" cy="307777"/>
           </a:xfrm>
           <a:prstGeom prst="rect">
@@ -10490,7 +10446,7 @@
                 <a:latin typeface="Open Sans" panose="020B0604020202020204" charset="0"/>
                 <a:ea typeface="Open Sans" panose="020B0604020202020204" charset="0"/>
                 <a:cs typeface="Open Sans" panose="020B0604020202020204" charset="0"/>
-                <a:hlinkClick r:id="rId2"/>
+                <a:hlinkClick r:id="rId3"/>
               </a:rPr>
               <a:t>http://hdl.handle.net/11234/1-5951</a:t>
             </a:r>
@@ -10539,38 +10495,6 @@
           <a:chExt cx="0" cy="0"/>
         </a:xfrm>
       </p:grpSpPr>
-      <p:sp>
-        <p:nvSpPr>
-          <p:cNvPr id="3" name="Zástupný symbol pro číslo snímku 2"/>
-          <p:cNvSpPr>
-            <a:spLocks noGrp="1"/>
-          </p:cNvSpPr>
-          <p:nvPr>
-            <p:ph type="sldNum" idx="12"/>
-          </p:nvPr>
-        </p:nvSpPr>
-        <p:spPr/>
-        <p:txBody>
-          <a:bodyPr/>
-          <a:lstStyle/>
-          <a:p>
-            <a:pPr marL="0" lvl="0" indent="0" algn="r" rtl="0">
-              <a:spcBef>
-                <a:spcPts val="0"/>
-              </a:spcBef>
-              <a:spcAft>
-                <a:spcPts val="0"/>
-              </a:spcAft>
-              <a:buNone/>
-            </a:pPr>
-            <a:fld id="{00000000-1234-1234-1234-123412341234}" type="slidenum">
-              <a:rPr lang="en-US" smtClean="0"/>
-              <a:t>16</a:t>
-            </a:fld>
-            <a:endParaRPr lang="en-US" dirty="0"/>
-          </a:p>
-        </p:txBody>
-      </p:sp>
       <p:sp>
         <p:nvSpPr>
           <p:cNvPr id="5" name="Nadpis 4"/>
@@ -11220,15 +11144,39 @@
           </a:p>
         </p:txBody>
       </p:sp>
+      <p:pic>
+        <p:nvPicPr>
+          <p:cNvPr id="12" name="Picture 11"/>
+          <p:cNvPicPr>
+            <a:picLocks noChangeAspect="1"/>
+          </p:cNvPicPr>
+          <p:nvPr/>
+        </p:nvPicPr>
+        <p:blipFill>
+          <a:blip r:embed="rId2"/>
+          <a:stretch>
+            <a:fillRect/>
+          </a:stretch>
+        </p:blipFill>
+        <p:spPr>
+          <a:xfrm>
+            <a:off x="7596336" y="3361208"/>
+            <a:ext cx="1495053" cy="1495053"/>
+          </a:xfrm>
+          <a:prstGeom prst="rect">
+            <a:avLst/>
+          </a:prstGeom>
+        </p:spPr>
+      </p:pic>
       <p:sp>
         <p:nvSpPr>
-          <p:cNvPr id="10" name="TextovéPole 16"/>
+          <p:cNvPr id="13" name="TextovéPole 16"/>
           <p:cNvSpPr txBox="1"/>
           <p:nvPr/>
         </p:nvSpPr>
         <p:spPr>
           <a:xfrm>
-            <a:off x="3995936" y="4856261"/>
+            <a:off x="4355976" y="4856261"/>
             <a:ext cx="4824536" cy="307777"/>
           </a:xfrm>
           <a:prstGeom prst="rect">
@@ -11255,7 +11203,7 @@
                 <a:latin typeface="Open Sans" panose="020B0604020202020204" charset="0"/>
                 <a:ea typeface="Open Sans" panose="020B0604020202020204" charset="0"/>
                 <a:cs typeface="Open Sans" panose="020B0604020202020204" charset="0"/>
-                <a:hlinkClick r:id="rId2"/>
+                <a:hlinkClick r:id="rId3"/>
               </a:rPr>
               <a:t>http://hdl.handle.net/11234/1-5951</a:t>
             </a:r>
@@ -12325,48 +12273,6 @@
       </p:grpSpPr>
       <p:sp>
         <p:nvSpPr>
-          <p:cNvPr id="58" name="Google Shape;58;p10"/>
-          <p:cNvSpPr txBox="1">
-            <a:spLocks noGrp="1"/>
-          </p:cNvSpPr>
-          <p:nvPr>
-            <p:ph type="sldNum" idx="12"/>
-          </p:nvPr>
-        </p:nvSpPr>
-        <p:spPr>
-          <a:xfrm>
-            <a:off x="8595300" y="4920297"/>
-            <a:ext cx="548700" cy="223200"/>
-          </a:xfrm>
-          <a:prstGeom prst="rect">
-            <a:avLst/>
-          </a:prstGeom>
-        </p:spPr>
-        <p:txBody>
-          <a:bodyPr spcFirstLastPara="1" wrap="square" lIns="91425" tIns="45700" rIns="91425" bIns="45700" anchor="ctr" anchorCtr="0">
-            <a:noAutofit/>
-          </a:bodyPr>
-          <a:lstStyle/>
-          <a:p>
-            <a:pPr marL="0" lvl="0" indent="0" algn="r" rtl="0">
-              <a:spcBef>
-                <a:spcPts val="0"/>
-              </a:spcBef>
-              <a:spcAft>
-                <a:spcPts val="0"/>
-              </a:spcAft>
-              <a:buNone/>
-            </a:pPr>
-            <a:fld id="{00000000-1234-1234-1234-123412341234}" type="slidenum">
-              <a:rPr lang="en-US" smtClean="0"/>
-              <a:t>18</a:t>
-            </a:fld>
-            <a:endParaRPr lang="en-US" dirty="0"/>
-          </a:p>
-        </p:txBody>
-      </p:sp>
-      <p:sp>
-        <p:nvSpPr>
           <p:cNvPr id="59" name="Google Shape;59;p10"/>
           <p:cNvSpPr txBox="1">
             <a:spLocks noGrp="1"/>
@@ -12460,7 +12366,7 @@
         </p:blipFill>
         <p:spPr bwMode="auto">
           <a:xfrm>
-            <a:off x="1803443" y="3442692"/>
+            <a:off x="1619672" y="3442692"/>
             <a:ext cx="6048375" cy="857250"/>
           </a:xfrm>
           <a:prstGeom prst="rect">
@@ -12553,10 +12459,10 @@
         </p:nvGrpSpPr>
         <p:grpSpPr>
           <a:xfrm>
-            <a:off x="6948264" y="1779662"/>
-            <a:ext cx="1368152" cy="2592288"/>
-            <a:chOff x="6948264" y="1779662"/>
-            <a:chExt cx="1368152" cy="2592288"/>
+            <a:off x="6804248" y="1779662"/>
+            <a:ext cx="1512168" cy="2592288"/>
+            <a:chOff x="6804248" y="1779662"/>
+            <a:chExt cx="1512168" cy="2592288"/>
           </a:xfrm>
         </p:grpSpPr>
         <p:sp>
@@ -12705,7 +12611,7 @@
           </p:nvSpPr>
           <p:spPr>
             <a:xfrm>
-              <a:off x="6948264" y="3933056"/>
+              <a:off x="6804248" y="3933056"/>
               <a:ext cx="576064" cy="438894"/>
             </a:xfrm>
             <a:prstGeom prst="ellipse">
@@ -12746,53 +12652,6 @@
       </p:grpSp>
       <p:sp>
         <p:nvSpPr>
-          <p:cNvPr id="17" name="TextovéPole 16"/>
-          <p:cNvSpPr txBox="1"/>
-          <p:nvPr/>
-        </p:nvSpPr>
-        <p:spPr>
-          <a:xfrm>
-            <a:off x="3995936" y="4856261"/>
-            <a:ext cx="4824536" cy="307777"/>
-          </a:xfrm>
-          <a:prstGeom prst="rect">
-            <a:avLst/>
-          </a:prstGeom>
-          <a:noFill/>
-        </p:spPr>
-        <p:txBody>
-          <a:bodyPr wrap="square" rtlCol="0">
-            <a:spAutoFit/>
-          </a:bodyPr>
-          <a:lstStyle/>
-          <a:p>
-            <a:r>
-              <a:rPr lang="en-US" dirty="0" smtClean="0">
-                <a:latin typeface="Open Sans" panose="020B0604020202020204" charset="0"/>
-                <a:ea typeface="Open Sans" panose="020B0604020202020204" charset="0"/>
-                <a:cs typeface="Open Sans" panose="020B0604020202020204" charset="0"/>
-              </a:rPr>
-              <a:t>Download the data: </a:t>
-            </a:r>
-            <a:r>
-              <a:rPr lang="en-US" dirty="0" smtClean="0">
-                <a:latin typeface="Open Sans" panose="020B0604020202020204" charset="0"/>
-                <a:ea typeface="Open Sans" panose="020B0604020202020204" charset="0"/>
-                <a:cs typeface="Open Sans" panose="020B0604020202020204" charset="0"/>
-                <a:hlinkClick r:id="rId5"/>
-              </a:rPr>
-              <a:t>http://hdl.handle.net/11234/1-5951</a:t>
-            </a:r>
-            <a:endParaRPr lang="en-US" dirty="0">
-              <a:latin typeface="Open Sans" panose="020B0604020202020204" charset="0"/>
-              <a:ea typeface="Open Sans" panose="020B0604020202020204" charset="0"/>
-              <a:cs typeface="Open Sans" panose="020B0604020202020204" charset="0"/>
-            </a:endParaRPr>
-          </a:p>
-        </p:txBody>
-      </p:sp>
-      <p:sp>
-        <p:nvSpPr>
           <p:cNvPr id="16" name="Google Shape;57;p10"/>
           <p:cNvSpPr txBox="1">
             <a:spLocks noGrp="1"/>
@@ -12973,6 +12832,77 @@
               <a:t> Manual annotation (inter-annotator agreement):</a:t>
             </a:r>
             <a:endParaRPr lang="en-US" sz="1600" dirty="0">
+              <a:latin typeface="Open Sans" panose="020B0604020202020204" charset="0"/>
+              <a:ea typeface="Open Sans" panose="020B0604020202020204" charset="0"/>
+              <a:cs typeface="Open Sans" panose="020B0604020202020204" charset="0"/>
+            </a:endParaRPr>
+          </a:p>
+        </p:txBody>
+      </p:sp>
+      <p:pic>
+        <p:nvPicPr>
+          <p:cNvPr id="20" name="Picture 19"/>
+          <p:cNvPicPr>
+            <a:picLocks noChangeAspect="1"/>
+          </p:cNvPicPr>
+          <p:nvPr/>
+        </p:nvPicPr>
+        <p:blipFill>
+          <a:blip r:embed="rId5"/>
+          <a:stretch>
+            <a:fillRect/>
+          </a:stretch>
+        </p:blipFill>
+        <p:spPr>
+          <a:xfrm>
+            <a:off x="7596336" y="3361208"/>
+            <a:ext cx="1495053" cy="1495053"/>
+          </a:xfrm>
+          <a:prstGeom prst="rect">
+            <a:avLst/>
+          </a:prstGeom>
+        </p:spPr>
+      </p:pic>
+      <p:sp>
+        <p:nvSpPr>
+          <p:cNvPr id="21" name="TextovéPole 16"/>
+          <p:cNvSpPr txBox="1"/>
+          <p:nvPr/>
+        </p:nvSpPr>
+        <p:spPr>
+          <a:xfrm>
+            <a:off x="4355976" y="4856261"/>
+            <a:ext cx="4824536" cy="307777"/>
+          </a:xfrm>
+          <a:prstGeom prst="rect">
+            <a:avLst/>
+          </a:prstGeom>
+          <a:noFill/>
+        </p:spPr>
+        <p:txBody>
+          <a:bodyPr wrap="square" rtlCol="0">
+            <a:spAutoFit/>
+          </a:bodyPr>
+          <a:lstStyle/>
+          <a:p>
+            <a:r>
+              <a:rPr lang="en-US" dirty="0" smtClean="0">
+                <a:latin typeface="Open Sans" panose="020B0604020202020204" charset="0"/>
+                <a:ea typeface="Open Sans" panose="020B0604020202020204" charset="0"/>
+                <a:cs typeface="Open Sans" panose="020B0604020202020204" charset="0"/>
+              </a:rPr>
+              <a:t>Download the data: </a:t>
+            </a:r>
+            <a:r>
+              <a:rPr lang="en-US" dirty="0" smtClean="0">
+                <a:latin typeface="Open Sans" panose="020B0604020202020204" charset="0"/>
+                <a:ea typeface="Open Sans" panose="020B0604020202020204" charset="0"/>
+                <a:cs typeface="Open Sans" panose="020B0604020202020204" charset="0"/>
+                <a:hlinkClick r:id="rId6"/>
+              </a:rPr>
+              <a:t>http://hdl.handle.net/11234/1-5951</a:t>
+            </a:r>
+            <a:endParaRPr lang="en-US" dirty="0">
               <a:latin typeface="Open Sans" panose="020B0604020202020204" charset="0"/>
               <a:ea typeface="Open Sans" panose="020B0604020202020204" charset="0"/>
               <a:cs typeface="Open Sans" panose="020B0604020202020204" charset="0"/>
@@ -13019,48 +12949,6 @@
       </p:grpSpPr>
       <p:sp>
         <p:nvSpPr>
-          <p:cNvPr id="58" name="Google Shape;58;p10"/>
-          <p:cNvSpPr txBox="1">
-            <a:spLocks noGrp="1"/>
-          </p:cNvSpPr>
-          <p:nvPr>
-            <p:ph type="sldNum" idx="12"/>
-          </p:nvPr>
-        </p:nvSpPr>
-        <p:spPr>
-          <a:xfrm>
-            <a:off x="8595300" y="4920297"/>
-            <a:ext cx="548700" cy="223200"/>
-          </a:xfrm>
-          <a:prstGeom prst="rect">
-            <a:avLst/>
-          </a:prstGeom>
-        </p:spPr>
-        <p:txBody>
-          <a:bodyPr spcFirstLastPara="1" wrap="square" lIns="91425" tIns="45700" rIns="91425" bIns="45700" anchor="ctr" anchorCtr="0">
-            <a:noAutofit/>
-          </a:bodyPr>
-          <a:lstStyle/>
-          <a:p>
-            <a:pPr marL="0" lvl="0" indent="0" algn="r" rtl="0">
-              <a:spcBef>
-                <a:spcPts val="0"/>
-              </a:spcBef>
-              <a:spcAft>
-                <a:spcPts val="0"/>
-              </a:spcAft>
-              <a:buNone/>
-            </a:pPr>
-            <a:fld id="{00000000-1234-1234-1234-123412341234}" type="slidenum">
-              <a:rPr lang="en-US" smtClean="0"/>
-              <a:t>19</a:t>
-            </a:fld>
-            <a:endParaRPr lang="en-US" dirty="0"/>
-          </a:p>
-        </p:txBody>
-      </p:sp>
-      <p:sp>
-        <p:nvSpPr>
           <p:cNvPr id="59" name="Google Shape;59;p10"/>
           <p:cNvSpPr txBox="1">
             <a:spLocks noGrp="1"/>
@@ -13180,53 +13068,6 @@
           </a:p>
         </p:txBody>
       </p:sp>
-      <p:sp>
-        <p:nvSpPr>
-          <p:cNvPr id="18" name="TextovéPole 16"/>
-          <p:cNvSpPr txBox="1"/>
-          <p:nvPr/>
-        </p:nvSpPr>
-        <p:spPr>
-          <a:xfrm>
-            <a:off x="3995936" y="4856261"/>
-            <a:ext cx="4824536" cy="307777"/>
-          </a:xfrm>
-          <a:prstGeom prst="rect">
-            <a:avLst/>
-          </a:prstGeom>
-          <a:noFill/>
-        </p:spPr>
-        <p:txBody>
-          <a:bodyPr wrap="square" rtlCol="0">
-            <a:spAutoFit/>
-          </a:bodyPr>
-          <a:lstStyle/>
-          <a:p>
-            <a:r>
-              <a:rPr lang="en-US" dirty="0" smtClean="0">
-                <a:latin typeface="Open Sans" panose="020B0604020202020204" charset="0"/>
-                <a:ea typeface="Open Sans" panose="020B0604020202020204" charset="0"/>
-                <a:cs typeface="Open Sans" panose="020B0604020202020204" charset="0"/>
-              </a:rPr>
-              <a:t>Download the data: </a:t>
-            </a:r>
-            <a:r>
-              <a:rPr lang="en-US" dirty="0" smtClean="0">
-                <a:latin typeface="Open Sans" panose="020B0604020202020204" charset="0"/>
-                <a:ea typeface="Open Sans" panose="020B0604020202020204" charset="0"/>
-                <a:cs typeface="Open Sans" panose="020B0604020202020204" charset="0"/>
-                <a:hlinkClick r:id="rId3"/>
-              </a:rPr>
-              <a:t>http://hdl.handle.net/11234/1-5951</a:t>
-            </a:r>
-            <a:endParaRPr lang="en-US" dirty="0">
-              <a:latin typeface="Open Sans" panose="020B0604020202020204" charset="0"/>
-              <a:ea typeface="Open Sans" panose="020B0604020202020204" charset="0"/>
-              <a:cs typeface="Open Sans" panose="020B0604020202020204" charset="0"/>
-            </a:endParaRPr>
-          </a:p>
-        </p:txBody>
-      </p:sp>
       <p:grpSp>
         <p:nvGrpSpPr>
           <p:cNvPr id="4" name="Group 3"/>
@@ -13250,7 +13091,7 @@
             <p:nvPr/>
           </p:nvPicPr>
           <p:blipFill>
-            <a:blip r:embed="rId4">
+            <a:blip r:embed="rId3">
               <a:extLst>
                 <a:ext uri="{28A0092B-C50C-407E-A947-70E740481C1C}">
                   <a14:useLocalDpi xmlns:a14="http://schemas.microsoft.com/office/drawing/2010/main" val="0"/>
@@ -13352,7 +13193,7 @@
         </p:nvGrpSpPr>
         <p:grpSpPr>
           <a:xfrm>
-            <a:off x="1807418" y="3471267"/>
+            <a:off x="1619672" y="3471267"/>
             <a:ext cx="6076950" cy="828675"/>
             <a:chOff x="1807418" y="3471267"/>
             <a:chExt cx="6076950" cy="828675"/>
@@ -13367,7 +13208,7 @@
             <p:nvPr/>
           </p:nvPicPr>
           <p:blipFill>
-            <a:blip r:embed="rId5">
+            <a:blip r:embed="rId4">
               <a:extLst>
                 <a:ext uri="{28A0092B-C50C-407E-A947-70E740481C1C}">
                   <a14:useLocalDpi xmlns:a14="http://schemas.microsoft.com/office/drawing/2010/main" val="0"/>
@@ -13469,10 +13310,10 @@
         </p:nvGrpSpPr>
         <p:grpSpPr>
           <a:xfrm>
-            <a:off x="6948264" y="1779662"/>
-            <a:ext cx="1368152" cy="2592288"/>
-            <a:chOff x="6948264" y="1779662"/>
-            <a:chExt cx="1368152" cy="2592288"/>
+            <a:off x="6804248" y="1779662"/>
+            <a:ext cx="1512168" cy="2592288"/>
+            <a:chOff x="6804248" y="1779662"/>
+            <a:chExt cx="1512168" cy="2592288"/>
           </a:xfrm>
         </p:grpSpPr>
         <p:sp>
@@ -13621,7 +13462,7 @@
           </p:nvSpPr>
           <p:spPr>
             <a:xfrm>
-              <a:off x="6948264" y="3933056"/>
+              <a:off x="6804248" y="3933056"/>
               <a:ext cx="576064" cy="438894"/>
             </a:xfrm>
             <a:prstGeom prst="ellipse">
@@ -13797,6 +13638,77 @@
               <a:t> Manual annotation (inter-annotator agreement):</a:t>
             </a:r>
             <a:endParaRPr lang="en-US" sz="1600" dirty="0">
+              <a:latin typeface="Open Sans" panose="020B0604020202020204" charset="0"/>
+              <a:ea typeface="Open Sans" panose="020B0604020202020204" charset="0"/>
+              <a:cs typeface="Open Sans" panose="020B0604020202020204" charset="0"/>
+            </a:endParaRPr>
+          </a:p>
+        </p:txBody>
+      </p:sp>
+      <p:pic>
+        <p:nvPicPr>
+          <p:cNvPr id="22" name="Picture 21"/>
+          <p:cNvPicPr>
+            <a:picLocks noChangeAspect="1"/>
+          </p:cNvPicPr>
+          <p:nvPr/>
+        </p:nvPicPr>
+        <p:blipFill>
+          <a:blip r:embed="rId5"/>
+          <a:stretch>
+            <a:fillRect/>
+          </a:stretch>
+        </p:blipFill>
+        <p:spPr>
+          <a:xfrm>
+            <a:off x="7596336" y="3361208"/>
+            <a:ext cx="1495053" cy="1495053"/>
+          </a:xfrm>
+          <a:prstGeom prst="rect">
+            <a:avLst/>
+          </a:prstGeom>
+        </p:spPr>
+      </p:pic>
+      <p:sp>
+        <p:nvSpPr>
+          <p:cNvPr id="23" name="TextovéPole 16"/>
+          <p:cNvSpPr txBox="1"/>
+          <p:nvPr/>
+        </p:nvSpPr>
+        <p:spPr>
+          <a:xfrm>
+            <a:off x="4355976" y="4856261"/>
+            <a:ext cx="4824536" cy="307777"/>
+          </a:xfrm>
+          <a:prstGeom prst="rect">
+            <a:avLst/>
+          </a:prstGeom>
+          <a:noFill/>
+        </p:spPr>
+        <p:txBody>
+          <a:bodyPr wrap="square" rtlCol="0">
+            <a:spAutoFit/>
+          </a:bodyPr>
+          <a:lstStyle/>
+          <a:p>
+            <a:r>
+              <a:rPr lang="en-US" dirty="0" smtClean="0">
+                <a:latin typeface="Open Sans" panose="020B0604020202020204" charset="0"/>
+                <a:ea typeface="Open Sans" panose="020B0604020202020204" charset="0"/>
+                <a:cs typeface="Open Sans" panose="020B0604020202020204" charset="0"/>
+              </a:rPr>
+              <a:t>Download the data: </a:t>
+            </a:r>
+            <a:r>
+              <a:rPr lang="en-US" dirty="0" smtClean="0">
+                <a:latin typeface="Open Sans" panose="020B0604020202020204" charset="0"/>
+                <a:ea typeface="Open Sans" panose="020B0604020202020204" charset="0"/>
+                <a:cs typeface="Open Sans" panose="020B0604020202020204" charset="0"/>
+                <a:hlinkClick r:id="rId6"/>
+              </a:rPr>
+              <a:t>http://hdl.handle.net/11234/1-5951</a:t>
+            </a:r>
+            <a:endParaRPr lang="en-US" dirty="0">
               <a:latin typeface="Open Sans" panose="020B0604020202020204" charset="0"/>
               <a:ea typeface="Open Sans" panose="020B0604020202020204" charset="0"/>
               <a:cs typeface="Open Sans" panose="020B0604020202020204" charset="0"/>
@@ -14355,48 +14267,6 @@
       </p:grpSpPr>
       <p:sp>
         <p:nvSpPr>
-          <p:cNvPr id="58" name="Google Shape;58;p10"/>
-          <p:cNvSpPr txBox="1">
-            <a:spLocks noGrp="1"/>
-          </p:cNvSpPr>
-          <p:nvPr>
-            <p:ph type="sldNum" idx="12"/>
-          </p:nvPr>
-        </p:nvSpPr>
-        <p:spPr>
-          <a:xfrm>
-            <a:off x="8595300" y="4920297"/>
-            <a:ext cx="548700" cy="223200"/>
-          </a:xfrm>
-          <a:prstGeom prst="rect">
-            <a:avLst/>
-          </a:prstGeom>
-        </p:spPr>
-        <p:txBody>
-          <a:bodyPr spcFirstLastPara="1" wrap="square" lIns="91425" tIns="45700" rIns="91425" bIns="45700" anchor="ctr" anchorCtr="0">
-            <a:noAutofit/>
-          </a:bodyPr>
-          <a:lstStyle/>
-          <a:p>
-            <a:pPr marL="0" lvl="0" indent="0" algn="r" rtl="0">
-              <a:spcBef>
-                <a:spcPts val="0"/>
-              </a:spcBef>
-              <a:spcAft>
-                <a:spcPts val="0"/>
-              </a:spcAft>
-              <a:buNone/>
-            </a:pPr>
-            <a:fld id="{00000000-1234-1234-1234-123412341234}" type="slidenum">
-              <a:rPr lang="en-US" smtClean="0"/>
-              <a:t>20</a:t>
-            </a:fld>
-            <a:endParaRPr lang="en-US" dirty="0"/>
-          </a:p>
-        </p:txBody>
-      </p:sp>
-      <p:sp>
-        <p:nvSpPr>
           <p:cNvPr id="59" name="Google Shape;59;p10"/>
           <p:cNvSpPr txBox="1">
             <a:spLocks noGrp="1"/>
@@ -14512,53 +14382,6 @@
           </a:p>
         </p:txBody>
       </p:sp>
-      <p:sp>
-        <p:nvSpPr>
-          <p:cNvPr id="18" name="TextovéPole 16"/>
-          <p:cNvSpPr txBox="1"/>
-          <p:nvPr/>
-        </p:nvSpPr>
-        <p:spPr>
-          <a:xfrm>
-            <a:off x="3995936" y="4856261"/>
-            <a:ext cx="4824536" cy="307777"/>
-          </a:xfrm>
-          <a:prstGeom prst="rect">
-            <a:avLst/>
-          </a:prstGeom>
-          <a:noFill/>
-        </p:spPr>
-        <p:txBody>
-          <a:bodyPr wrap="square" rtlCol="0">
-            <a:spAutoFit/>
-          </a:bodyPr>
-          <a:lstStyle/>
-          <a:p>
-            <a:r>
-              <a:rPr lang="en-US" dirty="0" smtClean="0">
-                <a:latin typeface="Open Sans" panose="020B0604020202020204" charset="0"/>
-                <a:ea typeface="Open Sans" panose="020B0604020202020204" charset="0"/>
-                <a:cs typeface="Open Sans" panose="020B0604020202020204" charset="0"/>
-              </a:rPr>
-              <a:t>Download the data: </a:t>
-            </a:r>
-            <a:r>
-              <a:rPr lang="en-US" dirty="0" smtClean="0">
-                <a:latin typeface="Open Sans" panose="020B0604020202020204" charset="0"/>
-                <a:ea typeface="Open Sans" panose="020B0604020202020204" charset="0"/>
-                <a:cs typeface="Open Sans" panose="020B0604020202020204" charset="0"/>
-                <a:hlinkClick r:id="rId3"/>
-              </a:rPr>
-              <a:t>http://hdl.handle.net/11234/1-5951</a:t>
-            </a:r>
-            <a:endParaRPr lang="en-US" dirty="0">
-              <a:latin typeface="Open Sans" panose="020B0604020202020204" charset="0"/>
-              <a:ea typeface="Open Sans" panose="020B0604020202020204" charset="0"/>
-              <a:cs typeface="Open Sans" panose="020B0604020202020204" charset="0"/>
-            </a:endParaRPr>
-          </a:p>
-        </p:txBody>
-      </p:sp>
       <p:grpSp>
         <p:nvGrpSpPr>
           <p:cNvPr id="3" name="Group 2"/>
@@ -14582,7 +14405,7 @@
             <p:nvPr/>
           </p:nvPicPr>
           <p:blipFill>
-            <a:blip r:embed="rId4">
+            <a:blip r:embed="rId3">
               <a:extLst>
                 <a:ext uri="{28A0092B-C50C-407E-A947-70E740481C1C}">
                   <a14:useLocalDpi xmlns:a14="http://schemas.microsoft.com/office/drawing/2010/main" val="0"/>
@@ -14684,7 +14507,7 @@
         </p:nvGrpSpPr>
         <p:grpSpPr>
           <a:xfrm>
-            <a:off x="1815369" y="3480792"/>
+            <a:off x="1619672" y="3480792"/>
             <a:ext cx="6076950" cy="819150"/>
             <a:chOff x="1815369" y="3480792"/>
             <a:chExt cx="6076950" cy="819150"/>
@@ -14699,7 +14522,7 @@
             <p:nvPr/>
           </p:nvPicPr>
           <p:blipFill>
-            <a:blip r:embed="rId5">
+            <a:blip r:embed="rId4">
               <a:extLst>
                 <a:ext uri="{28A0092B-C50C-407E-A947-70E740481C1C}">
                   <a14:useLocalDpi xmlns:a14="http://schemas.microsoft.com/office/drawing/2010/main" val="0"/>
@@ -14801,10 +14624,10 @@
         </p:nvGrpSpPr>
         <p:grpSpPr>
           <a:xfrm>
-            <a:off x="6948264" y="1779662"/>
-            <a:ext cx="1368152" cy="2592288"/>
-            <a:chOff x="6948264" y="1779662"/>
-            <a:chExt cx="1368152" cy="2592288"/>
+            <a:off x="6804248" y="1779662"/>
+            <a:ext cx="1512168" cy="2592288"/>
+            <a:chOff x="6804248" y="1779662"/>
+            <a:chExt cx="1512168" cy="2592288"/>
           </a:xfrm>
         </p:grpSpPr>
         <p:sp>
@@ -14953,7 +14776,7 @@
           </p:nvSpPr>
           <p:spPr>
             <a:xfrm>
-              <a:off x="6948264" y="3933056"/>
+              <a:off x="6804248" y="3933056"/>
               <a:ext cx="576064" cy="438894"/>
             </a:xfrm>
             <a:prstGeom prst="ellipse">
@@ -15129,6 +14952,77 @@
               <a:t> Manual annotation (inter-annotator agreement):</a:t>
             </a:r>
             <a:endParaRPr lang="en-US" sz="1600" dirty="0">
+              <a:latin typeface="Open Sans" panose="020B0604020202020204" charset="0"/>
+              <a:ea typeface="Open Sans" panose="020B0604020202020204" charset="0"/>
+              <a:cs typeface="Open Sans" panose="020B0604020202020204" charset="0"/>
+            </a:endParaRPr>
+          </a:p>
+        </p:txBody>
+      </p:sp>
+      <p:pic>
+        <p:nvPicPr>
+          <p:cNvPr id="23" name="Picture 22"/>
+          <p:cNvPicPr>
+            <a:picLocks noChangeAspect="1"/>
+          </p:cNvPicPr>
+          <p:nvPr/>
+        </p:nvPicPr>
+        <p:blipFill>
+          <a:blip r:embed="rId5"/>
+          <a:stretch>
+            <a:fillRect/>
+          </a:stretch>
+        </p:blipFill>
+        <p:spPr>
+          <a:xfrm>
+            <a:off x="7596336" y="3361208"/>
+            <a:ext cx="1495053" cy="1495053"/>
+          </a:xfrm>
+          <a:prstGeom prst="rect">
+            <a:avLst/>
+          </a:prstGeom>
+        </p:spPr>
+      </p:pic>
+      <p:sp>
+        <p:nvSpPr>
+          <p:cNvPr id="24" name="TextovéPole 16"/>
+          <p:cNvSpPr txBox="1"/>
+          <p:nvPr/>
+        </p:nvSpPr>
+        <p:spPr>
+          <a:xfrm>
+            <a:off x="4355976" y="4856261"/>
+            <a:ext cx="4824536" cy="307777"/>
+          </a:xfrm>
+          <a:prstGeom prst="rect">
+            <a:avLst/>
+          </a:prstGeom>
+          <a:noFill/>
+        </p:spPr>
+        <p:txBody>
+          <a:bodyPr wrap="square" rtlCol="0">
+            <a:spAutoFit/>
+          </a:bodyPr>
+          <a:lstStyle/>
+          <a:p>
+            <a:r>
+              <a:rPr lang="en-US" dirty="0" smtClean="0">
+                <a:latin typeface="Open Sans" panose="020B0604020202020204" charset="0"/>
+                <a:ea typeface="Open Sans" panose="020B0604020202020204" charset="0"/>
+                <a:cs typeface="Open Sans" panose="020B0604020202020204" charset="0"/>
+              </a:rPr>
+              <a:t>Download the data: </a:t>
+            </a:r>
+            <a:r>
+              <a:rPr lang="en-US" dirty="0" smtClean="0">
+                <a:latin typeface="Open Sans" panose="020B0604020202020204" charset="0"/>
+                <a:ea typeface="Open Sans" panose="020B0604020202020204" charset="0"/>
+                <a:cs typeface="Open Sans" panose="020B0604020202020204" charset="0"/>
+                <a:hlinkClick r:id="rId6"/>
+              </a:rPr>
+              <a:t>http://hdl.handle.net/11234/1-5951</a:t>
+            </a:r>
+            <a:endParaRPr lang="en-US" dirty="0">
               <a:latin typeface="Open Sans" panose="020B0604020202020204" charset="0"/>
               <a:ea typeface="Open Sans" panose="020B0604020202020204" charset="0"/>
               <a:cs typeface="Open Sans" panose="020B0604020202020204" charset="0"/>
@@ -15341,70 +15235,36 @@
             </a:pPr>
             <a:r>
               <a:rPr lang="en-US" dirty="0" smtClean="0"/>
-              <a:t>automatic conversion as an essential first step to reduce costs for full manual annotation</a:t>
+              <a:t>automatic conversion as an essential first step to reduce </a:t>
+            </a:r>
+            <a:r>
+              <a:rPr lang="cs-CZ" dirty="0" smtClean="0"/>
+              <a:t>	</a:t>
+            </a:r>
+            <a:r>
+              <a:rPr lang="cs-CZ" dirty="0" smtClean="0"/>
+              <a:t>           </a:t>
+            </a:r>
+            <a:r>
+              <a:rPr lang="en-US" dirty="0" smtClean="0"/>
+              <a:t>costs</a:t>
+            </a:r>
+            <a:r>
+              <a:rPr lang="cs-CZ" dirty="0" smtClean="0"/>
+              <a:t> </a:t>
+            </a:r>
+            <a:r>
+              <a:rPr lang="en-US" dirty="0" smtClean="0"/>
+              <a:t>for </a:t>
+            </a:r>
+            <a:r>
+              <a:rPr lang="en-US" dirty="0" smtClean="0"/>
+              <a:t>full manual annotation</a:t>
             </a:r>
             <a:endParaRPr lang="en-US" dirty="0">
               <a:solidFill>
                 <a:srgbClr val="FF0000"/>
               </a:solidFill>
-            </a:endParaRPr>
-          </a:p>
-        </p:txBody>
-      </p:sp>
-      <p:sp>
-        <p:nvSpPr>
-          <p:cNvPr id="96" name="Google Shape;96;p14"/>
-          <p:cNvSpPr txBox="1">
-            <a:spLocks noGrp="1"/>
-          </p:cNvSpPr>
-          <p:nvPr>
-            <p:ph type="sldNum" idx="12"/>
-          </p:nvPr>
-        </p:nvSpPr>
-        <p:spPr>
-          <a:xfrm>
-            <a:off x="8595300" y="4835723"/>
-            <a:ext cx="548700" cy="393600"/>
-          </a:xfrm>
-          <a:prstGeom prst="rect">
-            <a:avLst/>
-          </a:prstGeom>
-        </p:spPr>
-        <p:txBody>
-          <a:bodyPr spcFirstLastPara="1" wrap="square" lIns="91425" tIns="91425" rIns="91425" bIns="91425" anchor="ctr" anchorCtr="0">
-            <a:noAutofit/>
-          </a:bodyPr>
-          <a:lstStyle/>
-          <a:p>
-            <a:pPr marL="0" lvl="0" indent="0" algn="r" rtl="0">
-              <a:spcBef>
-                <a:spcPts val="0"/>
-              </a:spcBef>
-              <a:spcAft>
-                <a:spcPts val="0"/>
-              </a:spcAft>
-              <a:buNone/>
-            </a:pPr>
-            <a:fld id="{00000000-1234-1234-1234-123412341234}" type="slidenum">
-              <a:rPr lang="en-US" smtClean="0">
-                <a:solidFill>
-                  <a:schemeClr val="dk2"/>
-                </a:solidFill>
-                <a:latin typeface="Arial"/>
-                <a:ea typeface="Arial"/>
-                <a:cs typeface="Arial"/>
-                <a:sym typeface="Arial"/>
-              </a:rPr>
-              <a:t>21</a:t>
-            </a:fld>
-            <a:endParaRPr lang="en-US" dirty="0">
-              <a:solidFill>
-                <a:schemeClr val="dk2"/>
-              </a:solidFill>
-              <a:latin typeface="Arial"/>
-              <a:ea typeface="Arial"/>
-              <a:cs typeface="Arial"/>
-              <a:sym typeface="Arial"/>
             </a:endParaRPr>
           </a:p>
         </p:txBody>
@@ -15498,13 +15358,13 @@
       </p:sp>
       <p:sp>
         <p:nvSpPr>
-          <p:cNvPr id="7" name="TextovéPole 16"/>
+          <p:cNvPr id="10" name="TextovéPole 16"/>
           <p:cNvSpPr txBox="1"/>
           <p:nvPr/>
         </p:nvSpPr>
         <p:spPr>
           <a:xfrm>
-            <a:off x="3995936" y="4856261"/>
+            <a:off x="4355976" y="4856261"/>
             <a:ext cx="4824536" cy="307777"/>
           </a:xfrm>
           <a:prstGeom prst="rect">
@@ -15543,6 +15403,30 @@
           </a:p>
         </p:txBody>
       </p:sp>
+      <p:pic>
+        <p:nvPicPr>
+          <p:cNvPr id="8" name="Picture 7"/>
+          <p:cNvPicPr>
+            <a:picLocks noChangeAspect="1"/>
+          </p:cNvPicPr>
+          <p:nvPr/>
+        </p:nvPicPr>
+        <p:blipFill>
+          <a:blip r:embed="rId4"/>
+          <a:stretch>
+            <a:fillRect/>
+          </a:stretch>
+        </p:blipFill>
+        <p:spPr>
+          <a:xfrm>
+            <a:off x="7596336" y="3361208"/>
+            <a:ext cx="1495053" cy="1495053"/>
+          </a:xfrm>
+          <a:prstGeom prst="rect">
+            <a:avLst/>
+          </a:prstGeom>
+        </p:spPr>
+      </p:pic>
     </p:spTree>
   </p:cSld>
   <p:clrMapOvr>
@@ -15597,7 +15481,7 @@
           <a:graphicData uri="http://schemas.openxmlformats.org/presentationml/2006/ole">
             <mc:AlternateContent xmlns:mc="http://schemas.openxmlformats.org/markup-compatibility/2006">
               <mc:Choice xmlns:v="urn:schemas-microsoft-com:vml" Requires="v">
-                <p:oleObj spid="_x0000_s8265" name="Acrobat Document" r:id="rId4" imgW="4400418" imgH="2533650" progId="AcroExch.Document.DC">
+                <p:oleObj spid="_x0000_s8269" name="Acrobat Document" r:id="rId4" imgW="4400418" imgH="2533650" progId="AcroExch.Document.DC">
                   <p:embed/>
                 </p:oleObj>
               </mc:Choice>
@@ -16120,6 +16004,30 @@
               </a14:hiddenFill>
             </a:ext>
           </a:extLst>
+        </p:spPr>
+      </p:pic>
+      <p:pic>
+        <p:nvPicPr>
+          <p:cNvPr id="9" name="Picture 8"/>
+          <p:cNvPicPr>
+            <a:picLocks noChangeAspect="1"/>
+          </p:cNvPicPr>
+          <p:nvPr/>
+        </p:nvPicPr>
+        <p:blipFill>
+          <a:blip r:embed="rId9"/>
+          <a:stretch>
+            <a:fillRect/>
+          </a:stretch>
+        </p:blipFill>
+        <p:spPr>
+          <a:xfrm>
+            <a:off x="5868144" y="3175599"/>
+            <a:ext cx="2076469" cy="2076469"/>
+          </a:xfrm>
+          <a:prstGeom prst="rect">
+            <a:avLst/>
+          </a:prstGeom>
         </p:spPr>
       </p:pic>
     </p:spTree>
